--- a/Credit Default Risk.pptx
+++ b/Credit Default Risk.pptx
@@ -30431,14 +30431,14 @@
           <p:nvPr>
             <p:extLst>
               <p:ext uri="{D42A27DB-BD31-4B8C-83A1-F6EECF244321}">
-                <p14:modId xmlns:p14="http://schemas.microsoft.com/office/powerpoint/2010/main" val="1575569926"/>
+                <p14:modId xmlns:p14="http://schemas.microsoft.com/office/powerpoint/2010/main" val="3595586697"/>
               </p:ext>
             </p:extLst>
           </p:nvPr>
         </p:nvGraphicFramePr>
         <p:xfrm>
           <a:off x="646014" y="4741932"/>
-          <a:ext cx="10899971" cy="1189528"/>
+          <a:ext cx="10899971" cy="1343430"/>
         </p:xfrm>
         <a:graphic>
           <a:graphicData uri="http://schemas.openxmlformats.org/drawingml/2006/table">
@@ -31627,7 +31627,7 @@
                     <a:p>
                       <a:pPr algn="ctr" fontAlgn="t"/>
                       <a:r>
-                        <a:rPr lang="en-IN" sz="1200" b="1" i="0" u="none" strike="noStrike">
+                        <a:rPr lang="en-IN" sz="1200" b="1" i="0" u="none" strike="noStrike" dirty="0">
                           <a:solidFill>
                             <a:srgbClr val="000000"/>
                           </a:solidFill>
@@ -31635,6 +31635,19 @@
                           <a:latin typeface="Calibri" panose="020F0502020204030204" pitchFamily="34" charset="0"/>
                         </a:rPr>
                         <a:t>Conservative</a:t>
+                      </a:r>
+                    </a:p>
+                    <a:p>
+                      <a:pPr algn="ctr" fontAlgn="t"/>
+                      <a:r>
+                        <a:rPr lang="en-IN" sz="1200" b="1" i="0" u="none" strike="noStrike" dirty="0">
+                          <a:solidFill>
+                            <a:srgbClr val="000000"/>
+                          </a:solidFill>
+                          <a:effectLst/>
+                          <a:latin typeface="Calibri" panose="020F0502020204030204" pitchFamily="34" charset="0"/>
+                        </a:rPr>
+                        <a:t>(50%)</a:t>
                       </a:r>
                     </a:p>
                   </a:txBody>
@@ -32243,7 +32256,7 @@
                     <a:p>
                       <a:pPr algn="ctr" fontAlgn="t"/>
                       <a:r>
-                        <a:rPr lang="en-IN" sz="1200" b="1" i="0" u="none" strike="noStrike">
+                        <a:rPr lang="en-IN" sz="1200" b="1" i="0" u="none" strike="noStrike" dirty="0">
                           <a:solidFill>
                             <a:srgbClr val="000000"/>
                           </a:solidFill>
@@ -32251,6 +32264,19 @@
                           <a:latin typeface="Calibri" panose="020F0502020204030204" pitchFamily="34" charset="0"/>
                         </a:rPr>
                         <a:t>Aggressive</a:t>
+                      </a:r>
+                    </a:p>
+                    <a:p>
+                      <a:pPr algn="ctr" fontAlgn="t"/>
+                      <a:r>
+                        <a:rPr lang="en-IN" sz="1200" b="1" i="0" u="none" strike="noStrike" dirty="0">
+                          <a:solidFill>
+                            <a:srgbClr val="000000"/>
+                          </a:solidFill>
+                          <a:effectLst/>
+                          <a:latin typeface="Calibri" panose="020F0502020204030204" pitchFamily="34" charset="0"/>
+                        </a:rPr>
+                        <a:t>(30%)</a:t>
                       </a:r>
                     </a:p>
                   </a:txBody>
@@ -35416,7 +35442,7 @@
           <p:nvPr>
             <p:extLst>
               <p:ext uri="{D42A27DB-BD31-4B8C-83A1-F6EECF244321}">
-                <p14:modId xmlns:p14="http://schemas.microsoft.com/office/powerpoint/2010/main" val="1249585233"/>
+                <p14:modId xmlns:p14="http://schemas.microsoft.com/office/powerpoint/2010/main" val="2173244435"/>
               </p:ext>
             </p:extLst>
           </p:nvPr>
@@ -35633,7 +35659,7 @@
                           <a:effectLst/>
                           <a:latin typeface="Calibri" panose="020F0502020204030204" pitchFamily="34" charset="0"/>
                         </a:rPr>
-                        <a:t>103</a:t>
+                        <a:t>96</a:t>
                       </a:r>
                     </a:p>
                   </a:txBody>

--- a/Credit Default Risk.pptx
+++ b/Credit Default Risk.pptx
@@ -17740,7 +17740,7 @@
                 <a:ea typeface="Calibri" panose="020F0502020204030204" pitchFamily="34" charset="0"/>
                 <a:cs typeface="Arial" panose="020B0604020202020204" pitchFamily="34" charset="0"/>
               </a:rPr>
-              <a:t> isn’t saturated/zero-centered, tanh causes exploding gradients </a:t>
+              <a:t> isn’t saturated/zero-centered, tanh causes vanishing gradients </a:t>
             </a:r>
             <a:endParaRPr lang="en-IN" dirty="0">
               <a:latin typeface="Calibri" panose="020F0502020204030204" pitchFamily="34" charset="0"/>

--- a/Credit Default Risk.pptx
+++ b/Credit Default Risk.pptx
@@ -11434,7 +11434,7 @@
           <a:p>
             <a:fld id="{8010A8D0-1A79-FC4C-81D2-84D5944406E5}" type="datetimeFigureOut">
               <a:rPr lang="en-US" smtClean="0"/>
-              <a:t>4/6/23</a:t>
+              <a:t>4/5/23</a:t>
             </a:fld>
             <a:endParaRPr lang="en-US"/>
           </a:p>
@@ -11942,7 +11942,7 @@
           <a:p>
             <a:fld id="{5EFD842C-15A5-45FC-978D-B4B39A9B5113}" type="datetimeFigureOut">
               <a:rPr lang="en-US" smtClean="0"/>
-              <a:t>4/6/23</a:t>
+              <a:t>4/1/23</a:t>
             </a:fld>
             <a:endParaRPr lang="en-US"/>
           </a:p>
@@ -12140,7 +12140,7 @@
           <a:p>
             <a:fld id="{5EFD842C-15A5-45FC-978D-B4B39A9B5113}" type="datetimeFigureOut">
               <a:rPr lang="en-US" smtClean="0"/>
-              <a:t>4/6/23</a:t>
+              <a:t>4/1/23</a:t>
             </a:fld>
             <a:endParaRPr lang="en-US"/>
           </a:p>
@@ -12348,7 +12348,7 @@
           <a:p>
             <a:fld id="{5EFD842C-15A5-45FC-978D-B4B39A9B5113}" type="datetimeFigureOut">
               <a:rPr lang="en-US" smtClean="0"/>
-              <a:t>4/6/23</a:t>
+              <a:t>4/1/23</a:t>
             </a:fld>
             <a:endParaRPr lang="en-US"/>
           </a:p>
@@ -12546,7 +12546,7 @@
           <a:p>
             <a:fld id="{5EFD842C-15A5-45FC-978D-B4B39A9B5113}" type="datetimeFigureOut">
               <a:rPr lang="en-US" smtClean="0"/>
-              <a:t>4/6/23</a:t>
+              <a:t>4/1/23</a:t>
             </a:fld>
             <a:endParaRPr lang="en-US"/>
           </a:p>
@@ -12821,7 +12821,7 @@
           <a:p>
             <a:fld id="{5EFD842C-15A5-45FC-978D-B4B39A9B5113}" type="datetimeFigureOut">
               <a:rPr lang="en-US" smtClean="0"/>
-              <a:t>4/6/23</a:t>
+              <a:t>4/1/23</a:t>
             </a:fld>
             <a:endParaRPr lang="en-US"/>
           </a:p>
@@ -13086,7 +13086,7 @@
           <a:p>
             <a:fld id="{5EFD842C-15A5-45FC-978D-B4B39A9B5113}" type="datetimeFigureOut">
               <a:rPr lang="en-US" smtClean="0"/>
-              <a:t>4/6/23</a:t>
+              <a:t>4/1/23</a:t>
             </a:fld>
             <a:endParaRPr lang="en-US"/>
           </a:p>
@@ -13498,7 +13498,7 @@
           <a:p>
             <a:fld id="{5EFD842C-15A5-45FC-978D-B4B39A9B5113}" type="datetimeFigureOut">
               <a:rPr lang="en-US" smtClean="0"/>
-              <a:t>4/6/23</a:t>
+              <a:t>4/1/23</a:t>
             </a:fld>
             <a:endParaRPr lang="en-US"/>
           </a:p>
@@ -13639,7 +13639,7 @@
           <a:p>
             <a:fld id="{5EFD842C-15A5-45FC-978D-B4B39A9B5113}" type="datetimeFigureOut">
               <a:rPr lang="en-US" smtClean="0"/>
-              <a:t>4/6/23</a:t>
+              <a:t>4/1/23</a:t>
             </a:fld>
             <a:endParaRPr lang="en-US"/>
           </a:p>
@@ -13752,7 +13752,7 @@
           <a:p>
             <a:fld id="{5EFD842C-15A5-45FC-978D-B4B39A9B5113}" type="datetimeFigureOut">
               <a:rPr lang="en-US" smtClean="0"/>
-              <a:t>4/6/23</a:t>
+              <a:t>4/1/23</a:t>
             </a:fld>
             <a:endParaRPr lang="en-US"/>
           </a:p>
@@ -14063,7 +14063,7 @@
           <a:p>
             <a:fld id="{5EFD842C-15A5-45FC-978D-B4B39A9B5113}" type="datetimeFigureOut">
               <a:rPr lang="en-US" smtClean="0"/>
-              <a:t>4/6/23</a:t>
+              <a:t>4/1/23</a:t>
             </a:fld>
             <a:endParaRPr lang="en-US"/>
           </a:p>
@@ -14351,7 +14351,7 @@
           <a:p>
             <a:fld id="{5EFD842C-15A5-45FC-978D-B4B39A9B5113}" type="datetimeFigureOut">
               <a:rPr lang="en-US" smtClean="0"/>
-              <a:t>4/6/23</a:t>
+              <a:t>4/1/23</a:t>
             </a:fld>
             <a:endParaRPr lang="en-US"/>
           </a:p>
@@ -14592,7 +14592,7 @@
           <a:p>
             <a:fld id="{5EFD842C-15A5-45FC-978D-B4B39A9B5113}" type="datetimeFigureOut">
               <a:rPr lang="en-US" smtClean="0"/>
-              <a:t>4/6/23</a:t>
+              <a:t>4/1/23</a:t>
             </a:fld>
             <a:endParaRPr lang="en-US"/>
           </a:p>
@@ -15778,6 +15778,902 @@
           </a:fontRef>
         </p:style>
       </p:cxnSp>
+      <p:graphicFrame>
+        <p:nvGraphicFramePr>
+          <p:cNvPr id="4" name="Table 3">
+            <a:extLst>
+              <a:ext uri="{FF2B5EF4-FFF2-40B4-BE49-F238E27FC236}">
+                <a16:creationId xmlns:a16="http://schemas.microsoft.com/office/drawing/2014/main" id="{BEEA9F4A-1A3E-75C5-4542-96B1508DD1CE}"/>
+              </a:ext>
+            </a:extLst>
+          </p:cNvPr>
+          <p:cNvGraphicFramePr>
+            <a:graphicFrameLocks noGrp="1"/>
+          </p:cNvGraphicFramePr>
+          <p:nvPr>
+            <p:extLst>
+              <p:ext uri="{D42A27DB-BD31-4B8C-83A1-F6EECF244321}">
+                <p14:modId xmlns:p14="http://schemas.microsoft.com/office/powerpoint/2010/main" val="1926044515"/>
+              </p:ext>
+            </p:extLst>
+          </p:nvPr>
+        </p:nvGraphicFramePr>
+        <p:xfrm>
+          <a:off x="1866900" y="1536231"/>
+          <a:ext cx="8458200" cy="395605"/>
+        </p:xfrm>
+        <a:graphic>
+          <a:graphicData uri="http://schemas.openxmlformats.org/drawingml/2006/table">
+            <a:tbl>
+              <a:tblPr/>
+              <a:tblGrid>
+                <a:gridCol w="1056482">
+                  <a:extLst>
+                    <a:ext uri="{9D8B030D-6E8A-4147-A177-3AD203B41FA5}">
+                      <a16:colId xmlns:a16="http://schemas.microsoft.com/office/drawing/2014/main" val="2210114455"/>
+                    </a:ext>
+                  </a:extLst>
+                </a:gridCol>
+                <a:gridCol w="1066000">
+                  <a:extLst>
+                    <a:ext uri="{9D8B030D-6E8A-4147-A177-3AD203B41FA5}">
+                      <a16:colId xmlns:a16="http://schemas.microsoft.com/office/drawing/2014/main" val="1921588199"/>
+                    </a:ext>
+                  </a:extLst>
+                </a:gridCol>
+                <a:gridCol w="989857">
+                  <a:extLst>
+                    <a:ext uri="{9D8B030D-6E8A-4147-A177-3AD203B41FA5}">
+                      <a16:colId xmlns:a16="http://schemas.microsoft.com/office/drawing/2014/main" val="3047924785"/>
+                    </a:ext>
+                  </a:extLst>
+                </a:gridCol>
+                <a:gridCol w="904196">
+                  <a:extLst>
+                    <a:ext uri="{9D8B030D-6E8A-4147-A177-3AD203B41FA5}">
+                      <a16:colId xmlns:a16="http://schemas.microsoft.com/office/drawing/2014/main" val="3904152789"/>
+                    </a:ext>
+                  </a:extLst>
+                </a:gridCol>
+                <a:gridCol w="1218285">
+                  <a:extLst>
+                    <a:ext uri="{9D8B030D-6E8A-4147-A177-3AD203B41FA5}">
+                      <a16:colId xmlns:a16="http://schemas.microsoft.com/office/drawing/2014/main" val="3153094810"/>
+                    </a:ext>
+                  </a:extLst>
+                </a:gridCol>
+                <a:gridCol w="926405">
+                  <a:extLst>
+                    <a:ext uri="{9D8B030D-6E8A-4147-A177-3AD203B41FA5}">
+                      <a16:colId xmlns:a16="http://schemas.microsoft.com/office/drawing/2014/main" val="3234063772"/>
+                    </a:ext>
+                  </a:extLst>
+                </a:gridCol>
+                <a:gridCol w="1218285">
+                  <a:extLst>
+                    <a:ext uri="{9D8B030D-6E8A-4147-A177-3AD203B41FA5}">
+                      <a16:colId xmlns:a16="http://schemas.microsoft.com/office/drawing/2014/main" val="2723291760"/>
+                    </a:ext>
+                  </a:extLst>
+                </a:gridCol>
+                <a:gridCol w="1078690">
+                  <a:extLst>
+                    <a:ext uri="{9D8B030D-6E8A-4147-A177-3AD203B41FA5}">
+                      <a16:colId xmlns:a16="http://schemas.microsoft.com/office/drawing/2014/main" val="3044155012"/>
+                    </a:ext>
+                  </a:extLst>
+                </a:gridCol>
+              </a:tblGrid>
+              <a:tr h="169385">
+                <a:tc>
+                  <a:txBody>
+                    <a:bodyPr/>
+                    <a:lstStyle/>
+                    <a:p>
+                      <a:pPr algn="ctr" fontAlgn="b"/>
+                      <a:r>
+                        <a:rPr lang="en-IN" sz="1200" b="1" i="0" u="none" strike="noStrike" dirty="0">
+                          <a:solidFill>
+                            <a:srgbClr val="FFFFFF"/>
+                          </a:solidFill>
+                          <a:effectLst/>
+                          <a:latin typeface="Calibri" panose="020F0502020204030204" pitchFamily="34" charset="0"/>
+                        </a:rPr>
+                        <a:t>No. of Trees</a:t>
+                      </a:r>
+                    </a:p>
+                  </a:txBody>
+                  <a:tcPr marL="9525" marR="9525" marT="9525" marB="0" anchor="b">
+                    <a:lnL w="6350" cap="flat" cmpd="sng" algn="ctr">
+                      <a:solidFill>
+                        <a:srgbClr val="8EA9DB"/>
+                      </a:solidFill>
+                      <a:prstDash val="solid"/>
+                      <a:round/>
+                      <a:headEnd type="none" w="med" len="med"/>
+                      <a:tailEnd type="none" w="med" len="med"/>
+                    </a:lnL>
+                    <a:lnR>
+                      <a:noFill/>
+                    </a:lnR>
+                    <a:lnT w="6350" cap="flat" cmpd="sng" algn="ctr">
+                      <a:solidFill>
+                        <a:srgbClr val="8EA9DB"/>
+                      </a:solidFill>
+                      <a:prstDash val="solid"/>
+                      <a:round/>
+                      <a:headEnd type="none" w="med" len="med"/>
+                      <a:tailEnd type="none" w="med" len="med"/>
+                    </a:lnT>
+                    <a:lnB w="6350" cap="flat" cmpd="sng" algn="ctr">
+                      <a:solidFill>
+                        <a:srgbClr val="8EA9DB"/>
+                      </a:solidFill>
+                      <a:prstDash val="solid"/>
+                      <a:round/>
+                      <a:headEnd type="none" w="med" len="med"/>
+                      <a:tailEnd type="none" w="med" len="med"/>
+                    </a:lnB>
+                    <a:solidFill>
+                      <a:srgbClr val="4472C4"/>
+                    </a:solidFill>
+                  </a:tcPr>
+                </a:tc>
+                <a:tc>
+                  <a:txBody>
+                    <a:bodyPr/>
+                    <a:lstStyle/>
+                    <a:p>
+                      <a:pPr algn="ctr" fontAlgn="b"/>
+                      <a:r>
+                        <a:rPr lang="en-IN" sz="1200" b="1" i="0" u="none" strike="noStrike">
+                          <a:solidFill>
+                            <a:srgbClr val="FFFFFF"/>
+                          </a:solidFill>
+                          <a:effectLst/>
+                          <a:latin typeface="Calibri" panose="020F0502020204030204" pitchFamily="34" charset="0"/>
+                        </a:rPr>
+                        <a:t>LR</a:t>
+                      </a:r>
+                    </a:p>
+                  </a:txBody>
+                  <a:tcPr marL="9525" marR="9525" marT="9525" marB="0" anchor="b">
+                    <a:lnL>
+                      <a:noFill/>
+                    </a:lnL>
+                    <a:lnR>
+                      <a:noFill/>
+                    </a:lnR>
+                    <a:lnT w="6350" cap="flat" cmpd="sng" algn="ctr">
+                      <a:solidFill>
+                        <a:srgbClr val="8EA9DB"/>
+                      </a:solidFill>
+                      <a:prstDash val="solid"/>
+                      <a:round/>
+                      <a:headEnd type="none" w="med" len="med"/>
+                      <a:tailEnd type="none" w="med" len="med"/>
+                    </a:lnT>
+                    <a:lnB w="6350" cap="flat" cmpd="sng" algn="ctr">
+                      <a:solidFill>
+                        <a:srgbClr val="8EA9DB"/>
+                      </a:solidFill>
+                      <a:prstDash val="solid"/>
+                      <a:round/>
+                      <a:headEnd type="none" w="med" len="med"/>
+                      <a:tailEnd type="none" w="med" len="med"/>
+                    </a:lnB>
+                    <a:solidFill>
+                      <a:srgbClr val="4472C4"/>
+                    </a:solidFill>
+                  </a:tcPr>
+                </a:tc>
+                <a:tc>
+                  <a:txBody>
+                    <a:bodyPr/>
+                    <a:lstStyle/>
+                    <a:p>
+                      <a:pPr algn="ctr" fontAlgn="b"/>
+                      <a:r>
+                        <a:rPr lang="en-IN" sz="1200" b="1" i="0" u="none" strike="noStrike">
+                          <a:solidFill>
+                            <a:srgbClr val="FFFFFF"/>
+                          </a:solidFill>
+                          <a:effectLst/>
+                          <a:latin typeface="Calibri" panose="020F0502020204030204" pitchFamily="34" charset="0"/>
+                        </a:rPr>
+                        <a:t>Subsample</a:t>
+                      </a:r>
+                    </a:p>
+                  </a:txBody>
+                  <a:tcPr marL="9525" marR="9525" marT="9525" marB="0" anchor="b">
+                    <a:lnL>
+                      <a:noFill/>
+                    </a:lnL>
+                    <a:lnR>
+                      <a:noFill/>
+                    </a:lnR>
+                    <a:lnT w="6350" cap="flat" cmpd="sng" algn="ctr">
+                      <a:solidFill>
+                        <a:srgbClr val="8EA9DB"/>
+                      </a:solidFill>
+                      <a:prstDash val="solid"/>
+                      <a:round/>
+                      <a:headEnd type="none" w="med" len="med"/>
+                      <a:tailEnd type="none" w="med" len="med"/>
+                    </a:lnT>
+                    <a:lnB w="6350" cap="flat" cmpd="sng" algn="ctr">
+                      <a:solidFill>
+                        <a:srgbClr val="8EA9DB"/>
+                      </a:solidFill>
+                      <a:prstDash val="solid"/>
+                      <a:round/>
+                      <a:headEnd type="none" w="med" len="med"/>
+                      <a:tailEnd type="none" w="med" len="med"/>
+                    </a:lnB>
+                    <a:solidFill>
+                      <a:srgbClr val="4472C4"/>
+                    </a:solidFill>
+                  </a:tcPr>
+                </a:tc>
+                <a:tc>
+                  <a:txBody>
+                    <a:bodyPr/>
+                    <a:lstStyle/>
+                    <a:p>
+                      <a:pPr algn="ctr" fontAlgn="b"/>
+                      <a:r>
+                        <a:rPr lang="en-IN" sz="1200" b="1" i="0" u="none" strike="noStrike">
+                          <a:solidFill>
+                            <a:srgbClr val="FFFFFF"/>
+                          </a:solidFill>
+                          <a:effectLst/>
+                          <a:latin typeface="Calibri" panose="020F0502020204030204" pitchFamily="34" charset="0"/>
+                        </a:rPr>
+                        <a:t>%features</a:t>
+                      </a:r>
+                    </a:p>
+                  </a:txBody>
+                  <a:tcPr marL="9525" marR="9525" marT="9525" marB="0" anchor="b">
+                    <a:lnL>
+                      <a:noFill/>
+                    </a:lnL>
+                    <a:lnR>
+                      <a:noFill/>
+                    </a:lnR>
+                    <a:lnT w="6350" cap="flat" cmpd="sng" algn="ctr">
+                      <a:solidFill>
+                        <a:srgbClr val="8EA9DB"/>
+                      </a:solidFill>
+                      <a:prstDash val="solid"/>
+                      <a:round/>
+                      <a:headEnd type="none" w="med" len="med"/>
+                      <a:tailEnd type="none" w="med" len="med"/>
+                    </a:lnT>
+                    <a:lnB w="6350" cap="flat" cmpd="sng" algn="ctr">
+                      <a:solidFill>
+                        <a:srgbClr val="8EA9DB"/>
+                      </a:solidFill>
+                      <a:prstDash val="solid"/>
+                      <a:round/>
+                      <a:headEnd type="none" w="med" len="med"/>
+                      <a:tailEnd type="none" w="med" len="med"/>
+                    </a:lnB>
+                    <a:solidFill>
+                      <a:srgbClr val="4472C4"/>
+                    </a:solidFill>
+                  </a:tcPr>
+                </a:tc>
+                <a:tc>
+                  <a:txBody>
+                    <a:bodyPr/>
+                    <a:lstStyle/>
+                    <a:p>
+                      <a:pPr algn="ctr" fontAlgn="b"/>
+                      <a:r>
+                        <a:rPr lang="en-IN" sz="1200" b="1" i="0" u="none" strike="noStrike">
+                          <a:solidFill>
+                            <a:srgbClr val="FFFFFF"/>
+                          </a:solidFill>
+                          <a:effectLst/>
+                          <a:latin typeface="Calibri" panose="020F0502020204030204" pitchFamily="34" charset="0"/>
+                        </a:rPr>
+                        <a:t>Default Weight</a:t>
+                      </a:r>
+                    </a:p>
+                  </a:txBody>
+                  <a:tcPr marL="9525" marR="9525" marT="9525" marB="0" anchor="b">
+                    <a:lnL>
+                      <a:noFill/>
+                    </a:lnL>
+                    <a:lnR>
+                      <a:noFill/>
+                    </a:lnR>
+                    <a:lnT w="6350" cap="flat" cmpd="sng" algn="ctr">
+                      <a:solidFill>
+                        <a:srgbClr val="8EA9DB"/>
+                      </a:solidFill>
+                      <a:prstDash val="solid"/>
+                      <a:round/>
+                      <a:headEnd type="none" w="med" len="med"/>
+                      <a:tailEnd type="none" w="med" len="med"/>
+                    </a:lnT>
+                    <a:lnB w="6350" cap="flat" cmpd="sng" algn="ctr">
+                      <a:solidFill>
+                        <a:srgbClr val="8EA9DB"/>
+                      </a:solidFill>
+                      <a:prstDash val="solid"/>
+                      <a:round/>
+                      <a:headEnd type="none" w="med" len="med"/>
+                      <a:tailEnd type="none" w="med" len="med"/>
+                    </a:lnB>
+                    <a:solidFill>
+                      <a:srgbClr val="4472C4"/>
+                    </a:solidFill>
+                  </a:tcPr>
+                </a:tc>
+                <a:tc>
+                  <a:txBody>
+                    <a:bodyPr/>
+                    <a:lstStyle/>
+                    <a:p>
+                      <a:pPr algn="ctr" fontAlgn="b"/>
+                      <a:r>
+                        <a:rPr lang="en-IN" sz="1200" b="1" i="0" u="none" strike="noStrike">
+                          <a:solidFill>
+                            <a:srgbClr val="FFFFFF"/>
+                          </a:solidFill>
+                          <a:effectLst/>
+                          <a:latin typeface="Calibri" panose="020F0502020204030204" pitchFamily="34" charset="0"/>
+                        </a:rPr>
+                        <a:t>AUC Train</a:t>
+                      </a:r>
+                    </a:p>
+                  </a:txBody>
+                  <a:tcPr marL="9525" marR="9525" marT="9525" marB="0" anchor="b">
+                    <a:lnL>
+                      <a:noFill/>
+                    </a:lnL>
+                    <a:lnR>
+                      <a:noFill/>
+                    </a:lnR>
+                    <a:lnT w="6350" cap="flat" cmpd="sng" algn="ctr">
+                      <a:solidFill>
+                        <a:srgbClr val="8EA9DB"/>
+                      </a:solidFill>
+                      <a:prstDash val="solid"/>
+                      <a:round/>
+                      <a:headEnd type="none" w="med" len="med"/>
+                      <a:tailEnd type="none" w="med" len="med"/>
+                    </a:lnT>
+                    <a:lnB w="6350" cap="flat" cmpd="sng" algn="ctr">
+                      <a:solidFill>
+                        <a:srgbClr val="8EA9DB"/>
+                      </a:solidFill>
+                      <a:prstDash val="solid"/>
+                      <a:round/>
+                      <a:headEnd type="none" w="med" len="med"/>
+                      <a:tailEnd type="none" w="med" len="med"/>
+                    </a:lnB>
+                    <a:solidFill>
+                      <a:srgbClr val="4472C4"/>
+                    </a:solidFill>
+                  </a:tcPr>
+                </a:tc>
+                <a:tc>
+                  <a:txBody>
+                    <a:bodyPr/>
+                    <a:lstStyle/>
+                    <a:p>
+                      <a:pPr algn="ctr" fontAlgn="b"/>
+                      <a:r>
+                        <a:rPr lang="en-IN" sz="1200" b="1" i="0" u="none" strike="noStrike">
+                          <a:solidFill>
+                            <a:srgbClr val="FFFFFF"/>
+                          </a:solidFill>
+                          <a:effectLst/>
+                          <a:latin typeface="Calibri" panose="020F0502020204030204" pitchFamily="34" charset="0"/>
+                        </a:rPr>
+                        <a:t>AUC Test1</a:t>
+                      </a:r>
+                    </a:p>
+                  </a:txBody>
+                  <a:tcPr marL="9525" marR="9525" marT="9525" marB="0" anchor="b">
+                    <a:lnL>
+                      <a:noFill/>
+                    </a:lnL>
+                    <a:lnR>
+                      <a:noFill/>
+                    </a:lnR>
+                    <a:lnT w="6350" cap="flat" cmpd="sng" algn="ctr">
+                      <a:solidFill>
+                        <a:srgbClr val="8EA9DB"/>
+                      </a:solidFill>
+                      <a:prstDash val="solid"/>
+                      <a:round/>
+                      <a:headEnd type="none" w="med" len="med"/>
+                      <a:tailEnd type="none" w="med" len="med"/>
+                    </a:lnT>
+                    <a:lnB w="6350" cap="flat" cmpd="sng" algn="ctr">
+                      <a:solidFill>
+                        <a:srgbClr val="8EA9DB"/>
+                      </a:solidFill>
+                      <a:prstDash val="solid"/>
+                      <a:round/>
+                      <a:headEnd type="none" w="med" len="med"/>
+                      <a:tailEnd type="none" w="med" len="med"/>
+                    </a:lnB>
+                    <a:solidFill>
+                      <a:srgbClr val="4472C4"/>
+                    </a:solidFill>
+                  </a:tcPr>
+                </a:tc>
+                <a:tc>
+                  <a:txBody>
+                    <a:bodyPr/>
+                    <a:lstStyle/>
+                    <a:p>
+                      <a:pPr algn="ctr" fontAlgn="b"/>
+                      <a:r>
+                        <a:rPr lang="en-IN" sz="1200" b="1" i="0" u="none" strike="noStrike">
+                          <a:solidFill>
+                            <a:srgbClr val="FFFFFF"/>
+                          </a:solidFill>
+                          <a:effectLst/>
+                          <a:latin typeface="Calibri" panose="020F0502020204030204" pitchFamily="34" charset="0"/>
+                        </a:rPr>
+                        <a:t>AUC Test2</a:t>
+                      </a:r>
+                    </a:p>
+                  </a:txBody>
+                  <a:tcPr marL="9525" marR="9525" marT="9525" marB="0" anchor="b">
+                    <a:lnL>
+                      <a:noFill/>
+                    </a:lnL>
+                    <a:lnR w="6350" cap="flat" cmpd="sng" algn="ctr">
+                      <a:solidFill>
+                        <a:srgbClr val="8EA9DB"/>
+                      </a:solidFill>
+                      <a:prstDash val="solid"/>
+                      <a:round/>
+                      <a:headEnd type="none" w="med" len="med"/>
+                      <a:tailEnd type="none" w="med" len="med"/>
+                    </a:lnR>
+                    <a:lnT w="6350" cap="flat" cmpd="sng" algn="ctr">
+                      <a:solidFill>
+                        <a:srgbClr val="8EA9DB"/>
+                      </a:solidFill>
+                      <a:prstDash val="solid"/>
+                      <a:round/>
+                      <a:headEnd type="none" w="med" len="med"/>
+                      <a:tailEnd type="none" w="med" len="med"/>
+                    </a:lnT>
+                    <a:lnB w="6350" cap="flat" cmpd="sng" algn="ctr">
+                      <a:solidFill>
+                        <a:srgbClr val="8EA9DB"/>
+                      </a:solidFill>
+                      <a:prstDash val="solid"/>
+                      <a:round/>
+                      <a:headEnd type="none" w="med" len="med"/>
+                      <a:tailEnd type="none" w="med" len="med"/>
+                    </a:lnB>
+                    <a:solidFill>
+                      <a:srgbClr val="4472C4"/>
+                    </a:solidFill>
+                  </a:tcPr>
+                </a:tc>
+                <a:extLst>
+                  <a:ext uri="{0D108BD9-81ED-4DB2-BD59-A6C34878D82A}">
+                    <a16:rowId xmlns:a16="http://schemas.microsoft.com/office/drawing/2014/main" val="4039376368"/>
+                  </a:ext>
+                </a:extLst>
+              </a:tr>
+              <a:tr h="203200">
+                <a:tc>
+                  <a:txBody>
+                    <a:bodyPr/>
+                    <a:lstStyle/>
+                    <a:p>
+                      <a:pPr algn="ctr" fontAlgn="b"/>
+                      <a:r>
+                        <a:rPr lang="en-IN" sz="1200" b="0" i="0" u="none" strike="noStrike">
+                          <a:solidFill>
+                            <a:srgbClr val="000000"/>
+                          </a:solidFill>
+                          <a:effectLst/>
+                          <a:latin typeface="Calibri" panose="020F0502020204030204" pitchFamily="34" charset="0"/>
+                        </a:rPr>
+                        <a:t>300</a:t>
+                      </a:r>
+                    </a:p>
+                  </a:txBody>
+                  <a:tcPr marL="9525" marR="9525" marT="9525" marB="0" anchor="b">
+                    <a:lnL w="6350" cap="flat" cmpd="sng" algn="ctr">
+                      <a:solidFill>
+                        <a:srgbClr val="8EA9DB"/>
+                      </a:solidFill>
+                      <a:prstDash val="solid"/>
+                      <a:round/>
+                      <a:headEnd type="none" w="med" len="med"/>
+                      <a:tailEnd type="none" w="med" len="med"/>
+                    </a:lnL>
+                    <a:lnR>
+                      <a:noFill/>
+                    </a:lnR>
+                    <a:lnT w="6350" cap="flat" cmpd="sng" algn="ctr">
+                      <a:solidFill>
+                        <a:srgbClr val="8EA9DB"/>
+                      </a:solidFill>
+                      <a:prstDash val="solid"/>
+                      <a:round/>
+                      <a:headEnd type="none" w="med" len="med"/>
+                      <a:tailEnd type="none" w="med" len="med"/>
+                    </a:lnT>
+                    <a:lnB w="6350" cap="flat" cmpd="sng" algn="ctr">
+                      <a:solidFill>
+                        <a:srgbClr val="8EA9DB"/>
+                      </a:solidFill>
+                      <a:prstDash val="solid"/>
+                      <a:round/>
+                      <a:headEnd type="none" w="med" len="med"/>
+                      <a:tailEnd type="none" w="med" len="med"/>
+                    </a:lnB>
+                    <a:solidFill>
+                      <a:srgbClr val="D9E1F2"/>
+                    </a:solidFill>
+                  </a:tcPr>
+                </a:tc>
+                <a:tc>
+                  <a:txBody>
+                    <a:bodyPr/>
+                    <a:lstStyle/>
+                    <a:p>
+                      <a:pPr algn="ctr" fontAlgn="b"/>
+                      <a:r>
+                        <a:rPr lang="en-IN" sz="1200" b="0" i="0" u="none" strike="noStrike" dirty="0">
+                          <a:solidFill>
+                            <a:srgbClr val="000000"/>
+                          </a:solidFill>
+                          <a:effectLst/>
+                          <a:latin typeface="Calibri" panose="020F0502020204030204" pitchFamily="34" charset="0"/>
+                        </a:rPr>
+                        <a:t>0.1</a:t>
+                      </a:r>
+                    </a:p>
+                  </a:txBody>
+                  <a:tcPr marL="9525" marR="9525" marT="9525" marB="0" anchor="b">
+                    <a:lnL>
+                      <a:noFill/>
+                    </a:lnL>
+                    <a:lnR>
+                      <a:noFill/>
+                    </a:lnR>
+                    <a:lnT w="6350" cap="flat" cmpd="sng" algn="ctr">
+                      <a:solidFill>
+                        <a:srgbClr val="8EA9DB"/>
+                      </a:solidFill>
+                      <a:prstDash val="solid"/>
+                      <a:round/>
+                      <a:headEnd type="none" w="med" len="med"/>
+                      <a:tailEnd type="none" w="med" len="med"/>
+                    </a:lnT>
+                    <a:lnB w="6350" cap="flat" cmpd="sng" algn="ctr">
+                      <a:solidFill>
+                        <a:srgbClr val="8EA9DB"/>
+                      </a:solidFill>
+                      <a:prstDash val="solid"/>
+                      <a:round/>
+                      <a:headEnd type="none" w="med" len="med"/>
+                      <a:tailEnd type="none" w="med" len="med"/>
+                    </a:lnB>
+                    <a:solidFill>
+                      <a:srgbClr val="D9E1F2"/>
+                    </a:solidFill>
+                  </a:tcPr>
+                </a:tc>
+                <a:tc>
+                  <a:txBody>
+                    <a:bodyPr/>
+                    <a:lstStyle/>
+                    <a:p>
+                      <a:pPr algn="ctr" fontAlgn="b"/>
+                      <a:r>
+                        <a:rPr lang="en-IN" sz="1200" b="0" i="0" u="none" strike="noStrike">
+                          <a:solidFill>
+                            <a:srgbClr val="000000"/>
+                          </a:solidFill>
+                          <a:effectLst/>
+                          <a:latin typeface="Calibri" panose="020F0502020204030204" pitchFamily="34" charset="0"/>
+                        </a:rPr>
+                        <a:t>0.8</a:t>
+                      </a:r>
+                    </a:p>
+                  </a:txBody>
+                  <a:tcPr marL="9525" marR="9525" marT="9525" marB="0" anchor="b">
+                    <a:lnL>
+                      <a:noFill/>
+                    </a:lnL>
+                    <a:lnR>
+                      <a:noFill/>
+                    </a:lnR>
+                    <a:lnT w="6350" cap="flat" cmpd="sng" algn="ctr">
+                      <a:solidFill>
+                        <a:srgbClr val="8EA9DB"/>
+                      </a:solidFill>
+                      <a:prstDash val="solid"/>
+                      <a:round/>
+                      <a:headEnd type="none" w="med" len="med"/>
+                      <a:tailEnd type="none" w="med" len="med"/>
+                    </a:lnT>
+                    <a:lnB w="6350" cap="flat" cmpd="sng" algn="ctr">
+                      <a:solidFill>
+                        <a:srgbClr val="8EA9DB"/>
+                      </a:solidFill>
+                      <a:prstDash val="solid"/>
+                      <a:round/>
+                      <a:headEnd type="none" w="med" len="med"/>
+                      <a:tailEnd type="none" w="med" len="med"/>
+                    </a:lnB>
+                    <a:solidFill>
+                      <a:srgbClr val="D9E1F2"/>
+                    </a:solidFill>
+                  </a:tcPr>
+                </a:tc>
+                <a:tc>
+                  <a:txBody>
+                    <a:bodyPr/>
+                    <a:lstStyle/>
+                    <a:p>
+                      <a:pPr algn="ctr" fontAlgn="b"/>
+                      <a:r>
+                        <a:rPr lang="en-IN" sz="1200" b="0" i="0" u="none" strike="noStrike">
+                          <a:solidFill>
+                            <a:srgbClr val="000000"/>
+                          </a:solidFill>
+                          <a:effectLst/>
+                          <a:latin typeface="Calibri" panose="020F0502020204030204" pitchFamily="34" charset="0"/>
+                        </a:rPr>
+                        <a:t>1</a:t>
+                      </a:r>
+                    </a:p>
+                  </a:txBody>
+                  <a:tcPr marL="9525" marR="9525" marT="9525" marB="0" anchor="b">
+                    <a:lnL>
+                      <a:noFill/>
+                    </a:lnL>
+                    <a:lnR>
+                      <a:noFill/>
+                    </a:lnR>
+                    <a:lnT w="6350" cap="flat" cmpd="sng" algn="ctr">
+                      <a:solidFill>
+                        <a:srgbClr val="8EA9DB"/>
+                      </a:solidFill>
+                      <a:prstDash val="solid"/>
+                      <a:round/>
+                      <a:headEnd type="none" w="med" len="med"/>
+                      <a:tailEnd type="none" w="med" len="med"/>
+                    </a:lnT>
+                    <a:lnB w="6350" cap="flat" cmpd="sng" algn="ctr">
+                      <a:solidFill>
+                        <a:srgbClr val="8EA9DB"/>
+                      </a:solidFill>
+                      <a:prstDash val="solid"/>
+                      <a:round/>
+                      <a:headEnd type="none" w="med" len="med"/>
+                      <a:tailEnd type="none" w="med" len="med"/>
+                    </a:lnB>
+                    <a:solidFill>
+                      <a:srgbClr val="D9E1F2"/>
+                    </a:solidFill>
+                  </a:tcPr>
+                </a:tc>
+                <a:tc>
+                  <a:txBody>
+                    <a:bodyPr/>
+                    <a:lstStyle/>
+                    <a:p>
+                      <a:pPr algn="ctr" fontAlgn="b"/>
+                      <a:r>
+                        <a:rPr lang="en-IN" sz="1200" b="0" i="0" u="none" strike="noStrike">
+                          <a:solidFill>
+                            <a:srgbClr val="000000"/>
+                          </a:solidFill>
+                          <a:effectLst/>
+                          <a:latin typeface="Calibri" panose="020F0502020204030204" pitchFamily="34" charset="0"/>
+                        </a:rPr>
+                        <a:t>1</a:t>
+                      </a:r>
+                    </a:p>
+                  </a:txBody>
+                  <a:tcPr marL="9525" marR="9525" marT="9525" marB="0" anchor="b">
+                    <a:lnL>
+                      <a:noFill/>
+                    </a:lnL>
+                    <a:lnR>
+                      <a:noFill/>
+                    </a:lnR>
+                    <a:lnT w="6350" cap="flat" cmpd="sng" algn="ctr">
+                      <a:solidFill>
+                        <a:srgbClr val="8EA9DB"/>
+                      </a:solidFill>
+                      <a:prstDash val="solid"/>
+                      <a:round/>
+                      <a:headEnd type="none" w="med" len="med"/>
+                      <a:tailEnd type="none" w="med" len="med"/>
+                    </a:lnT>
+                    <a:lnB w="6350" cap="flat" cmpd="sng" algn="ctr">
+                      <a:solidFill>
+                        <a:srgbClr val="8EA9DB"/>
+                      </a:solidFill>
+                      <a:prstDash val="solid"/>
+                      <a:round/>
+                      <a:headEnd type="none" w="med" len="med"/>
+                      <a:tailEnd type="none" w="med" len="med"/>
+                    </a:lnB>
+                    <a:solidFill>
+                      <a:srgbClr val="D9E1F2"/>
+                    </a:solidFill>
+                  </a:tcPr>
+                </a:tc>
+                <a:tc>
+                  <a:txBody>
+                    <a:bodyPr/>
+                    <a:lstStyle/>
+                    <a:p>
+                      <a:pPr algn="ctr" fontAlgn="b"/>
+                      <a:r>
+                        <a:rPr lang="en-IN" sz="1200" b="0" i="0" u="none" strike="noStrike">
+                          <a:solidFill>
+                            <a:srgbClr val="000000"/>
+                          </a:solidFill>
+                          <a:effectLst/>
+                          <a:latin typeface="Calibri" panose="020F0502020204030204" pitchFamily="34" charset="0"/>
+                        </a:rPr>
+                        <a:t>0.957044159</a:t>
+                      </a:r>
+                    </a:p>
+                  </a:txBody>
+                  <a:tcPr marL="9525" marR="9525" marT="9525" marB="0" anchor="b">
+                    <a:lnL>
+                      <a:noFill/>
+                    </a:lnL>
+                    <a:lnR>
+                      <a:noFill/>
+                    </a:lnR>
+                    <a:lnT w="6350" cap="flat" cmpd="sng" algn="ctr">
+                      <a:solidFill>
+                        <a:srgbClr val="8EA9DB"/>
+                      </a:solidFill>
+                      <a:prstDash val="solid"/>
+                      <a:round/>
+                      <a:headEnd type="none" w="med" len="med"/>
+                      <a:tailEnd type="none" w="med" len="med"/>
+                    </a:lnT>
+                    <a:lnB w="6350" cap="flat" cmpd="sng" algn="ctr">
+                      <a:solidFill>
+                        <a:srgbClr val="8EA9DB"/>
+                      </a:solidFill>
+                      <a:prstDash val="solid"/>
+                      <a:round/>
+                      <a:headEnd type="none" w="med" len="med"/>
+                      <a:tailEnd type="none" w="med" len="med"/>
+                    </a:lnB>
+                    <a:solidFill>
+                      <a:srgbClr val="D9E1F2"/>
+                    </a:solidFill>
+                  </a:tcPr>
+                </a:tc>
+                <a:tc>
+                  <a:txBody>
+                    <a:bodyPr/>
+                    <a:lstStyle/>
+                    <a:p>
+                      <a:pPr algn="ctr" fontAlgn="b"/>
+                      <a:r>
+                        <a:rPr lang="en-IN" sz="1200" b="0" i="0" u="none" strike="noStrike">
+                          <a:solidFill>
+                            <a:srgbClr val="000000"/>
+                          </a:solidFill>
+                          <a:effectLst/>
+                          <a:latin typeface="Calibri" panose="020F0502020204030204" pitchFamily="34" charset="0"/>
+                        </a:rPr>
+                        <a:t>0.931342344</a:t>
+                      </a:r>
+                    </a:p>
+                  </a:txBody>
+                  <a:tcPr marL="9525" marR="9525" marT="9525" marB="0" anchor="b">
+                    <a:lnL>
+                      <a:noFill/>
+                    </a:lnL>
+                    <a:lnR>
+                      <a:noFill/>
+                    </a:lnR>
+                    <a:lnT w="6350" cap="flat" cmpd="sng" algn="ctr">
+                      <a:solidFill>
+                        <a:srgbClr val="8EA9DB"/>
+                      </a:solidFill>
+                      <a:prstDash val="solid"/>
+                      <a:round/>
+                      <a:headEnd type="none" w="med" len="med"/>
+                      <a:tailEnd type="none" w="med" len="med"/>
+                    </a:lnT>
+                    <a:lnB w="6350" cap="flat" cmpd="sng" algn="ctr">
+                      <a:solidFill>
+                        <a:srgbClr val="8EA9DB"/>
+                      </a:solidFill>
+                      <a:prstDash val="solid"/>
+                      <a:round/>
+                      <a:headEnd type="none" w="med" len="med"/>
+                      <a:tailEnd type="none" w="med" len="med"/>
+                    </a:lnB>
+                    <a:solidFill>
+                      <a:srgbClr val="D9E1F2"/>
+                    </a:solidFill>
+                  </a:tcPr>
+                </a:tc>
+                <a:tc>
+                  <a:txBody>
+                    <a:bodyPr/>
+                    <a:lstStyle/>
+                    <a:p>
+                      <a:pPr algn="ctr" fontAlgn="b"/>
+                      <a:r>
+                        <a:rPr lang="en-IN" sz="1200" b="0" i="0" u="none" strike="noStrike" dirty="0">
+                          <a:solidFill>
+                            <a:srgbClr val="000000"/>
+                          </a:solidFill>
+                          <a:effectLst/>
+                          <a:latin typeface="Calibri" panose="020F0502020204030204" pitchFamily="34" charset="0"/>
+                        </a:rPr>
+                        <a:t>0.942403852</a:t>
+                      </a:r>
+                    </a:p>
+                  </a:txBody>
+                  <a:tcPr marL="9525" marR="9525" marT="9525" marB="0" anchor="b">
+                    <a:lnL>
+                      <a:noFill/>
+                    </a:lnL>
+                    <a:lnR w="6350" cap="flat" cmpd="sng" algn="ctr">
+                      <a:solidFill>
+                        <a:srgbClr val="8EA9DB"/>
+                      </a:solidFill>
+                      <a:prstDash val="solid"/>
+                      <a:round/>
+                      <a:headEnd type="none" w="med" len="med"/>
+                      <a:tailEnd type="none" w="med" len="med"/>
+                    </a:lnR>
+                    <a:lnT w="6350" cap="flat" cmpd="sng" algn="ctr">
+                      <a:solidFill>
+                        <a:srgbClr val="8EA9DB"/>
+                      </a:solidFill>
+                      <a:prstDash val="solid"/>
+                      <a:round/>
+                      <a:headEnd type="none" w="med" len="med"/>
+                      <a:tailEnd type="none" w="med" len="med"/>
+                    </a:lnT>
+                    <a:lnB w="6350" cap="flat" cmpd="sng" algn="ctr">
+                      <a:solidFill>
+                        <a:srgbClr val="8EA9DB"/>
+                      </a:solidFill>
+                      <a:prstDash val="solid"/>
+                      <a:round/>
+                      <a:headEnd type="none" w="med" len="med"/>
+                      <a:tailEnd type="none" w="med" len="med"/>
+                    </a:lnB>
+                    <a:solidFill>
+                      <a:srgbClr val="D9E1F2"/>
+                    </a:solidFill>
+                  </a:tcPr>
+                </a:tc>
+                <a:extLst>
+                  <a:ext uri="{0D108BD9-81ED-4DB2-BD59-A6C34878D82A}">
+                    <a16:rowId xmlns:a16="http://schemas.microsoft.com/office/drawing/2014/main" val="847104710"/>
+                  </a:ext>
+                </a:extLst>
+              </a:tr>
+            </a:tbl>
+          </a:graphicData>
+        </a:graphic>
+      </p:graphicFrame>
       <p:pic>
         <p:nvPicPr>
           <p:cNvPr id="8" name="Picture 7" descr="Chart, histogram&#10;&#10;Description automatically generated">
@@ -15806,7 +16702,7 @@
         </p:blipFill>
         <p:spPr>
           <a:xfrm>
-            <a:off x="952500" y="2624558"/>
+            <a:off x="838200" y="2608380"/>
             <a:ext cx="5211956" cy="3476625"/>
           </a:xfrm>
           <a:prstGeom prst="rect">
@@ -15842,8 +16738,8 @@
         </p:blipFill>
         <p:spPr>
           <a:xfrm>
-            <a:off x="7242372" y="2117410"/>
-            <a:ext cx="4092378" cy="2229282"/>
+            <a:off x="6800006" y="2093042"/>
+            <a:ext cx="3496434" cy="2229282"/>
           </a:xfrm>
           <a:prstGeom prst="rect">
             <a:avLst/>
@@ -15878,910 +16774,14 @@
         </p:blipFill>
         <p:spPr>
           <a:xfrm>
-            <a:off x="7299016" y="4362871"/>
-            <a:ext cx="4035734" cy="2332289"/>
+            <a:off x="6800006" y="4362871"/>
+            <a:ext cx="3496434" cy="2332289"/>
           </a:xfrm>
           <a:prstGeom prst="rect">
             <a:avLst/>
           </a:prstGeom>
         </p:spPr>
       </p:pic>
-      <p:graphicFrame>
-        <p:nvGraphicFramePr>
-          <p:cNvPr id="16" name="Table 15">
-            <a:extLst>
-              <a:ext uri="{FF2B5EF4-FFF2-40B4-BE49-F238E27FC236}">
-                <a16:creationId xmlns:a16="http://schemas.microsoft.com/office/drawing/2014/main" id="{EC940AE2-5A04-0BC3-A2EB-E5AB4ABE0B1F}"/>
-              </a:ext>
-            </a:extLst>
-          </p:cNvPr>
-          <p:cNvGraphicFramePr>
-            <a:graphicFrameLocks noGrp="1"/>
-          </p:cNvGraphicFramePr>
-          <p:nvPr>
-            <p:extLst>
-              <p:ext uri="{D42A27DB-BD31-4B8C-83A1-F6EECF244321}">
-                <p14:modId xmlns:p14="http://schemas.microsoft.com/office/powerpoint/2010/main" val="3226724969"/>
-              </p:ext>
-            </p:extLst>
-          </p:nvPr>
-        </p:nvGraphicFramePr>
-        <p:xfrm>
-          <a:off x="1630555" y="1557499"/>
-          <a:ext cx="8839201" cy="406400"/>
-        </p:xfrm>
-        <a:graphic>
-          <a:graphicData uri="http://schemas.openxmlformats.org/drawingml/2006/table">
-            <a:tbl>
-              <a:tblPr/>
-              <a:tblGrid>
-                <a:gridCol w="1056137">
-                  <a:extLst>
-                    <a:ext uri="{9D8B030D-6E8A-4147-A177-3AD203B41FA5}">
-                      <a16:colId xmlns:a16="http://schemas.microsoft.com/office/drawing/2014/main" val="1863532973"/>
-                    </a:ext>
-                  </a:extLst>
-                </a:gridCol>
-                <a:gridCol w="1246432">
-                  <a:extLst>
-                    <a:ext uri="{9D8B030D-6E8A-4147-A177-3AD203B41FA5}">
-                      <a16:colId xmlns:a16="http://schemas.microsoft.com/office/drawing/2014/main" val="2239407877"/>
-                    </a:ext>
-                  </a:extLst>
-                </a:gridCol>
-                <a:gridCol w="1170314">
-                  <a:extLst>
-                    <a:ext uri="{9D8B030D-6E8A-4147-A177-3AD203B41FA5}">
-                      <a16:colId xmlns:a16="http://schemas.microsoft.com/office/drawing/2014/main" val="65662274"/>
-                    </a:ext>
-                  </a:extLst>
-                </a:gridCol>
-                <a:gridCol w="926102">
-                  <a:extLst>
-                    <a:ext uri="{9D8B030D-6E8A-4147-A177-3AD203B41FA5}">
-                      <a16:colId xmlns:a16="http://schemas.microsoft.com/office/drawing/2014/main" val="1780957370"/>
-                    </a:ext>
-                  </a:extLst>
-                </a:gridCol>
-                <a:gridCol w="1217888">
-                  <a:extLst>
-                    <a:ext uri="{9D8B030D-6E8A-4147-A177-3AD203B41FA5}">
-                      <a16:colId xmlns:a16="http://schemas.microsoft.com/office/drawing/2014/main" val="1358414322"/>
-                    </a:ext>
-                  </a:extLst>
-                </a:gridCol>
-                <a:gridCol w="926102">
-                  <a:extLst>
-                    <a:ext uri="{9D8B030D-6E8A-4147-A177-3AD203B41FA5}">
-                      <a16:colId xmlns:a16="http://schemas.microsoft.com/office/drawing/2014/main" val="3382774182"/>
-                    </a:ext>
-                  </a:extLst>
-                </a:gridCol>
-                <a:gridCol w="1217888">
-                  <a:extLst>
-                    <a:ext uri="{9D8B030D-6E8A-4147-A177-3AD203B41FA5}">
-                      <a16:colId xmlns:a16="http://schemas.microsoft.com/office/drawing/2014/main" val="2704942538"/>
-                    </a:ext>
-                  </a:extLst>
-                </a:gridCol>
-                <a:gridCol w="1078338">
-                  <a:extLst>
-                    <a:ext uri="{9D8B030D-6E8A-4147-A177-3AD203B41FA5}">
-                      <a16:colId xmlns:a16="http://schemas.microsoft.com/office/drawing/2014/main" val="831956238"/>
-                    </a:ext>
-                  </a:extLst>
-                </a:gridCol>
-              </a:tblGrid>
-              <a:tr h="203200">
-                <a:tc>
-                  <a:txBody>
-                    <a:bodyPr/>
-                    <a:lstStyle/>
-                    <a:p>
-                      <a:pPr algn="ctr" fontAlgn="b"/>
-                      <a:r>
-                        <a:rPr lang="en-IN" sz="1200" b="1" i="0" u="none" strike="noStrike">
-                          <a:solidFill>
-                            <a:srgbClr val="FFFFFF"/>
-                          </a:solidFill>
-                          <a:effectLst/>
-                          <a:latin typeface="Calibri" panose="020F0502020204030204" pitchFamily="34" charset="0"/>
-                        </a:rPr>
-                        <a:t>No. of Trees</a:t>
-                      </a:r>
-                    </a:p>
-                  </a:txBody>
-                  <a:tcPr marL="9525" marR="9525" marT="9525" marB="0" anchor="b">
-                    <a:lnL w="6350" cap="flat" cmpd="sng" algn="ctr">
-                      <a:solidFill>
-                        <a:srgbClr val="8EA9DB"/>
-                      </a:solidFill>
-                      <a:prstDash val="solid"/>
-                      <a:round/>
-                      <a:headEnd type="none" w="med" len="med"/>
-                      <a:tailEnd type="none" w="med" len="med"/>
-                    </a:lnL>
-                    <a:lnR>
-                      <a:noFill/>
-                    </a:lnR>
-                    <a:lnT w="6350" cap="flat" cmpd="sng" algn="ctr">
-                      <a:solidFill>
-                        <a:srgbClr val="8EA9DB"/>
-                      </a:solidFill>
-                      <a:prstDash val="solid"/>
-                      <a:round/>
-                      <a:headEnd type="none" w="med" len="med"/>
-                      <a:tailEnd type="none" w="med" len="med"/>
-                    </a:lnT>
-                    <a:lnB w="6350" cap="flat" cmpd="sng" algn="ctr">
-                      <a:solidFill>
-                        <a:srgbClr val="8EA9DB"/>
-                      </a:solidFill>
-                      <a:prstDash val="solid"/>
-                      <a:round/>
-                      <a:headEnd type="none" w="med" len="med"/>
-                      <a:tailEnd type="none" w="med" len="med"/>
-                    </a:lnB>
-                    <a:solidFill>
-                      <a:srgbClr val="4472C4"/>
-                    </a:solidFill>
-                  </a:tcPr>
-                </a:tc>
-                <a:tc>
-                  <a:txBody>
-                    <a:bodyPr/>
-                    <a:lstStyle/>
-                    <a:p>
-                      <a:pPr algn="ctr" fontAlgn="b"/>
-                      <a:r>
-                        <a:rPr lang="en-IN" sz="1200" b="1" i="0" u="none" strike="noStrike">
-                          <a:solidFill>
-                            <a:srgbClr val="FFFFFF"/>
-                          </a:solidFill>
-                          <a:effectLst/>
-                          <a:latin typeface="Calibri" panose="020F0502020204030204" pitchFamily="34" charset="0"/>
-                        </a:rPr>
-                        <a:t>LR</a:t>
-                      </a:r>
-                    </a:p>
-                  </a:txBody>
-                  <a:tcPr marL="9525" marR="9525" marT="9525" marB="0" anchor="b">
-                    <a:lnL>
-                      <a:noFill/>
-                    </a:lnL>
-                    <a:lnR>
-                      <a:noFill/>
-                    </a:lnR>
-                    <a:lnT w="6350" cap="flat" cmpd="sng" algn="ctr">
-                      <a:solidFill>
-                        <a:srgbClr val="8EA9DB"/>
-                      </a:solidFill>
-                      <a:prstDash val="solid"/>
-                      <a:round/>
-                      <a:headEnd type="none" w="med" len="med"/>
-                      <a:tailEnd type="none" w="med" len="med"/>
-                    </a:lnT>
-                    <a:lnB w="6350" cap="flat" cmpd="sng" algn="ctr">
-                      <a:solidFill>
-                        <a:srgbClr val="8EA9DB"/>
-                      </a:solidFill>
-                      <a:prstDash val="solid"/>
-                      <a:round/>
-                      <a:headEnd type="none" w="med" len="med"/>
-                      <a:tailEnd type="none" w="med" len="med"/>
-                    </a:lnB>
-                    <a:solidFill>
-                      <a:srgbClr val="4472C4"/>
-                    </a:solidFill>
-                  </a:tcPr>
-                </a:tc>
-                <a:tc>
-                  <a:txBody>
-                    <a:bodyPr/>
-                    <a:lstStyle/>
-                    <a:p>
-                      <a:pPr algn="ctr" fontAlgn="b"/>
-                      <a:r>
-                        <a:rPr lang="en-IN" sz="1200" b="1" i="0" u="none" strike="noStrike">
-                          <a:solidFill>
-                            <a:srgbClr val="FFFFFF"/>
-                          </a:solidFill>
-                          <a:effectLst/>
-                          <a:latin typeface="Calibri" panose="020F0502020204030204" pitchFamily="34" charset="0"/>
-                        </a:rPr>
-                        <a:t>Subsample</a:t>
-                      </a:r>
-                    </a:p>
-                  </a:txBody>
-                  <a:tcPr marL="9525" marR="9525" marT="9525" marB="0" anchor="b">
-                    <a:lnL>
-                      <a:noFill/>
-                    </a:lnL>
-                    <a:lnR>
-                      <a:noFill/>
-                    </a:lnR>
-                    <a:lnT w="6350" cap="flat" cmpd="sng" algn="ctr">
-                      <a:solidFill>
-                        <a:srgbClr val="8EA9DB"/>
-                      </a:solidFill>
-                      <a:prstDash val="solid"/>
-                      <a:round/>
-                      <a:headEnd type="none" w="med" len="med"/>
-                      <a:tailEnd type="none" w="med" len="med"/>
-                    </a:lnT>
-                    <a:lnB w="6350" cap="flat" cmpd="sng" algn="ctr">
-                      <a:solidFill>
-                        <a:srgbClr val="8EA9DB"/>
-                      </a:solidFill>
-                      <a:prstDash val="solid"/>
-                      <a:round/>
-                      <a:headEnd type="none" w="med" len="med"/>
-                      <a:tailEnd type="none" w="med" len="med"/>
-                    </a:lnB>
-                    <a:solidFill>
-                      <a:srgbClr val="4472C4"/>
-                    </a:solidFill>
-                  </a:tcPr>
-                </a:tc>
-                <a:tc>
-                  <a:txBody>
-                    <a:bodyPr/>
-                    <a:lstStyle/>
-                    <a:p>
-                      <a:pPr algn="ctr" fontAlgn="b"/>
-                      <a:r>
-                        <a:rPr lang="en-IN" sz="1200" b="1" i="0" u="none" strike="noStrike">
-                          <a:solidFill>
-                            <a:srgbClr val="FFFFFF"/>
-                          </a:solidFill>
-                          <a:effectLst/>
-                          <a:latin typeface="Calibri" panose="020F0502020204030204" pitchFamily="34" charset="0"/>
-                        </a:rPr>
-                        <a:t>%features</a:t>
-                      </a:r>
-                    </a:p>
-                  </a:txBody>
-                  <a:tcPr marL="9525" marR="9525" marT="9525" marB="0" anchor="b">
-                    <a:lnL>
-                      <a:noFill/>
-                    </a:lnL>
-                    <a:lnR>
-                      <a:noFill/>
-                    </a:lnR>
-                    <a:lnT w="6350" cap="flat" cmpd="sng" algn="ctr">
-                      <a:solidFill>
-                        <a:srgbClr val="8EA9DB"/>
-                      </a:solidFill>
-                      <a:prstDash val="solid"/>
-                      <a:round/>
-                      <a:headEnd type="none" w="med" len="med"/>
-                      <a:tailEnd type="none" w="med" len="med"/>
-                    </a:lnT>
-                    <a:lnB w="6350" cap="flat" cmpd="sng" algn="ctr">
-                      <a:solidFill>
-                        <a:srgbClr val="8EA9DB"/>
-                      </a:solidFill>
-                      <a:prstDash val="solid"/>
-                      <a:round/>
-                      <a:headEnd type="none" w="med" len="med"/>
-                      <a:tailEnd type="none" w="med" len="med"/>
-                    </a:lnB>
-                    <a:solidFill>
-                      <a:srgbClr val="4472C4"/>
-                    </a:solidFill>
-                  </a:tcPr>
-                </a:tc>
-                <a:tc>
-                  <a:txBody>
-                    <a:bodyPr/>
-                    <a:lstStyle/>
-                    <a:p>
-                      <a:pPr algn="ctr" fontAlgn="b"/>
-                      <a:r>
-                        <a:rPr lang="en-IN" sz="1200" b="1" i="0" u="none" strike="noStrike" dirty="0">
-                          <a:solidFill>
-                            <a:srgbClr val="FFFFFF"/>
-                          </a:solidFill>
-                          <a:effectLst/>
-                          <a:latin typeface="Calibri" panose="020F0502020204030204" pitchFamily="34" charset="0"/>
-                        </a:rPr>
-                        <a:t>Default Weight</a:t>
-                      </a:r>
-                    </a:p>
-                  </a:txBody>
-                  <a:tcPr marL="9525" marR="9525" marT="9525" marB="0" anchor="b">
-                    <a:lnL>
-                      <a:noFill/>
-                    </a:lnL>
-                    <a:lnR>
-                      <a:noFill/>
-                    </a:lnR>
-                    <a:lnT w="6350" cap="flat" cmpd="sng" algn="ctr">
-                      <a:solidFill>
-                        <a:srgbClr val="8EA9DB"/>
-                      </a:solidFill>
-                      <a:prstDash val="solid"/>
-                      <a:round/>
-                      <a:headEnd type="none" w="med" len="med"/>
-                      <a:tailEnd type="none" w="med" len="med"/>
-                    </a:lnT>
-                    <a:lnB w="6350" cap="flat" cmpd="sng" algn="ctr">
-                      <a:solidFill>
-                        <a:srgbClr val="8EA9DB"/>
-                      </a:solidFill>
-                      <a:prstDash val="solid"/>
-                      <a:round/>
-                      <a:headEnd type="none" w="med" len="med"/>
-                      <a:tailEnd type="none" w="med" len="med"/>
-                    </a:lnB>
-                    <a:solidFill>
-                      <a:srgbClr val="4472C4"/>
-                    </a:solidFill>
-                  </a:tcPr>
-                </a:tc>
-                <a:tc>
-                  <a:txBody>
-                    <a:bodyPr/>
-                    <a:lstStyle/>
-                    <a:p>
-                      <a:pPr algn="ctr" fontAlgn="b"/>
-                      <a:r>
-                        <a:rPr lang="en-IN" sz="1200" b="1" i="0" u="none" strike="noStrike">
-                          <a:solidFill>
-                            <a:srgbClr val="FFFFFF"/>
-                          </a:solidFill>
-                          <a:effectLst/>
-                          <a:latin typeface="Calibri" panose="020F0502020204030204" pitchFamily="34" charset="0"/>
-                        </a:rPr>
-                        <a:t>AUC Train</a:t>
-                      </a:r>
-                    </a:p>
-                  </a:txBody>
-                  <a:tcPr marL="9525" marR="9525" marT="9525" marB="0" anchor="b">
-                    <a:lnL>
-                      <a:noFill/>
-                    </a:lnL>
-                    <a:lnR>
-                      <a:noFill/>
-                    </a:lnR>
-                    <a:lnT w="6350" cap="flat" cmpd="sng" algn="ctr">
-                      <a:solidFill>
-                        <a:srgbClr val="8EA9DB"/>
-                      </a:solidFill>
-                      <a:prstDash val="solid"/>
-                      <a:round/>
-                      <a:headEnd type="none" w="med" len="med"/>
-                      <a:tailEnd type="none" w="med" len="med"/>
-                    </a:lnT>
-                    <a:lnB w="6350" cap="flat" cmpd="sng" algn="ctr">
-                      <a:solidFill>
-                        <a:srgbClr val="8EA9DB"/>
-                      </a:solidFill>
-                      <a:prstDash val="solid"/>
-                      <a:round/>
-                      <a:headEnd type="none" w="med" len="med"/>
-                      <a:tailEnd type="none" w="med" len="med"/>
-                    </a:lnB>
-                    <a:solidFill>
-                      <a:srgbClr val="4472C4"/>
-                    </a:solidFill>
-                  </a:tcPr>
-                </a:tc>
-                <a:tc>
-                  <a:txBody>
-                    <a:bodyPr/>
-                    <a:lstStyle/>
-                    <a:p>
-                      <a:pPr algn="ctr" fontAlgn="b"/>
-                      <a:r>
-                        <a:rPr lang="en-IN" sz="1200" b="1" i="0" u="none" strike="noStrike">
-                          <a:solidFill>
-                            <a:srgbClr val="FFFFFF"/>
-                          </a:solidFill>
-                          <a:effectLst/>
-                          <a:latin typeface="Calibri" panose="020F0502020204030204" pitchFamily="34" charset="0"/>
-                        </a:rPr>
-                        <a:t>AUC Test1</a:t>
-                      </a:r>
-                    </a:p>
-                  </a:txBody>
-                  <a:tcPr marL="9525" marR="9525" marT="9525" marB="0" anchor="b">
-                    <a:lnL>
-                      <a:noFill/>
-                    </a:lnL>
-                    <a:lnR>
-                      <a:noFill/>
-                    </a:lnR>
-                    <a:lnT w="6350" cap="flat" cmpd="sng" algn="ctr">
-                      <a:solidFill>
-                        <a:srgbClr val="8EA9DB"/>
-                      </a:solidFill>
-                      <a:prstDash val="solid"/>
-                      <a:round/>
-                      <a:headEnd type="none" w="med" len="med"/>
-                      <a:tailEnd type="none" w="med" len="med"/>
-                    </a:lnT>
-                    <a:lnB w="6350" cap="flat" cmpd="sng" algn="ctr">
-                      <a:solidFill>
-                        <a:srgbClr val="8EA9DB"/>
-                      </a:solidFill>
-                      <a:prstDash val="solid"/>
-                      <a:round/>
-                      <a:headEnd type="none" w="med" len="med"/>
-                      <a:tailEnd type="none" w="med" len="med"/>
-                    </a:lnB>
-                    <a:solidFill>
-                      <a:srgbClr val="4472C4"/>
-                    </a:solidFill>
-                  </a:tcPr>
-                </a:tc>
-                <a:tc>
-                  <a:txBody>
-                    <a:bodyPr/>
-                    <a:lstStyle/>
-                    <a:p>
-                      <a:pPr algn="ctr" fontAlgn="b"/>
-                      <a:r>
-                        <a:rPr lang="en-IN" sz="1200" b="1" i="0" u="none" strike="noStrike">
-                          <a:solidFill>
-                            <a:srgbClr val="FFFFFF"/>
-                          </a:solidFill>
-                          <a:effectLst/>
-                          <a:latin typeface="Calibri" panose="020F0502020204030204" pitchFamily="34" charset="0"/>
-                        </a:rPr>
-                        <a:t>AUC Test2</a:t>
-                      </a:r>
-                    </a:p>
-                  </a:txBody>
-                  <a:tcPr marL="9525" marR="9525" marT="9525" marB="0" anchor="b">
-                    <a:lnL>
-                      <a:noFill/>
-                    </a:lnL>
-                    <a:lnR w="6350" cap="flat" cmpd="sng" algn="ctr">
-                      <a:solidFill>
-                        <a:srgbClr val="8EA9DB"/>
-                      </a:solidFill>
-                      <a:prstDash val="solid"/>
-                      <a:round/>
-                      <a:headEnd type="none" w="med" len="med"/>
-                      <a:tailEnd type="none" w="med" len="med"/>
-                    </a:lnR>
-                    <a:lnT w="6350" cap="flat" cmpd="sng" algn="ctr">
-                      <a:solidFill>
-                        <a:srgbClr val="8EA9DB"/>
-                      </a:solidFill>
-                      <a:prstDash val="solid"/>
-                      <a:round/>
-                      <a:headEnd type="none" w="med" len="med"/>
-                      <a:tailEnd type="none" w="med" len="med"/>
-                    </a:lnT>
-                    <a:lnB w="6350" cap="flat" cmpd="sng" algn="ctr">
-                      <a:solidFill>
-                        <a:srgbClr val="8EA9DB"/>
-                      </a:solidFill>
-                      <a:prstDash val="solid"/>
-                      <a:round/>
-                      <a:headEnd type="none" w="med" len="med"/>
-                      <a:tailEnd type="none" w="med" len="med"/>
-                    </a:lnB>
-                    <a:solidFill>
-                      <a:srgbClr val="4472C4"/>
-                    </a:solidFill>
-                  </a:tcPr>
-                </a:tc>
-                <a:extLst>
-                  <a:ext uri="{0D108BD9-81ED-4DB2-BD59-A6C34878D82A}">
-                    <a16:rowId xmlns:a16="http://schemas.microsoft.com/office/drawing/2014/main" val="4037740087"/>
-                  </a:ext>
-                </a:extLst>
-              </a:tr>
-              <a:tr h="203200">
-                <a:tc>
-                  <a:txBody>
-                    <a:bodyPr/>
-                    <a:lstStyle/>
-                    <a:p>
-                      <a:pPr algn="ctr" fontAlgn="b"/>
-                      <a:r>
-                        <a:rPr lang="en-IN" sz="1200" b="0" i="0" u="none" strike="noStrike">
-                          <a:solidFill>
-                            <a:srgbClr val="000000"/>
-                          </a:solidFill>
-                          <a:effectLst/>
-                          <a:latin typeface="Calibri" panose="020F0502020204030204" pitchFamily="34" charset="0"/>
-                        </a:rPr>
-                        <a:t>300</a:t>
-                      </a:r>
-                    </a:p>
-                  </a:txBody>
-                  <a:tcPr marL="9525" marR="9525" marT="9525" marB="0" anchor="b">
-                    <a:lnL w="6350" cap="flat" cmpd="sng" algn="ctr">
-                      <a:solidFill>
-                        <a:srgbClr val="8EA9DB"/>
-                      </a:solidFill>
-                      <a:prstDash val="solid"/>
-                      <a:round/>
-                      <a:headEnd type="none" w="med" len="med"/>
-                      <a:tailEnd type="none" w="med" len="med"/>
-                    </a:lnL>
-                    <a:lnR>
-                      <a:noFill/>
-                    </a:lnR>
-                    <a:lnT w="6350" cap="flat" cmpd="sng" algn="ctr">
-                      <a:solidFill>
-                        <a:srgbClr val="8EA9DB"/>
-                      </a:solidFill>
-                      <a:prstDash val="solid"/>
-                      <a:round/>
-                      <a:headEnd type="none" w="med" len="med"/>
-                      <a:tailEnd type="none" w="med" len="med"/>
-                    </a:lnT>
-                    <a:lnB w="6350" cap="flat" cmpd="sng" algn="ctr">
-                      <a:solidFill>
-                        <a:srgbClr val="8EA9DB"/>
-                      </a:solidFill>
-                      <a:prstDash val="solid"/>
-                      <a:round/>
-                      <a:headEnd type="none" w="med" len="med"/>
-                      <a:tailEnd type="none" w="med" len="med"/>
-                    </a:lnB>
-                    <a:solidFill>
-                      <a:srgbClr val="D9E1F2"/>
-                    </a:solidFill>
-                  </a:tcPr>
-                </a:tc>
-                <a:tc>
-                  <a:txBody>
-                    <a:bodyPr/>
-                    <a:lstStyle/>
-                    <a:p>
-                      <a:pPr algn="ctr" fontAlgn="b"/>
-                      <a:r>
-                        <a:rPr lang="en-IN" sz="1200" b="0" i="0" u="none" strike="noStrike">
-                          <a:solidFill>
-                            <a:srgbClr val="000000"/>
-                          </a:solidFill>
-                          <a:effectLst/>
-                          <a:latin typeface="Calibri" panose="020F0502020204030204" pitchFamily="34" charset="0"/>
-                        </a:rPr>
-                        <a:t>0.1</a:t>
-                      </a:r>
-                    </a:p>
-                  </a:txBody>
-                  <a:tcPr marL="9525" marR="9525" marT="9525" marB="0" anchor="b">
-                    <a:lnL>
-                      <a:noFill/>
-                    </a:lnL>
-                    <a:lnR>
-                      <a:noFill/>
-                    </a:lnR>
-                    <a:lnT w="6350" cap="flat" cmpd="sng" algn="ctr">
-                      <a:solidFill>
-                        <a:srgbClr val="8EA9DB"/>
-                      </a:solidFill>
-                      <a:prstDash val="solid"/>
-                      <a:round/>
-                      <a:headEnd type="none" w="med" len="med"/>
-                      <a:tailEnd type="none" w="med" len="med"/>
-                    </a:lnT>
-                    <a:lnB w="6350" cap="flat" cmpd="sng" algn="ctr">
-                      <a:solidFill>
-                        <a:srgbClr val="8EA9DB"/>
-                      </a:solidFill>
-                      <a:prstDash val="solid"/>
-                      <a:round/>
-                      <a:headEnd type="none" w="med" len="med"/>
-                      <a:tailEnd type="none" w="med" len="med"/>
-                    </a:lnB>
-                    <a:solidFill>
-                      <a:srgbClr val="D9E1F2"/>
-                    </a:solidFill>
-                  </a:tcPr>
-                </a:tc>
-                <a:tc>
-                  <a:txBody>
-                    <a:bodyPr/>
-                    <a:lstStyle/>
-                    <a:p>
-                      <a:pPr algn="ctr" fontAlgn="b"/>
-                      <a:r>
-                        <a:rPr lang="en-IN" sz="1200" b="0" i="0" u="none" strike="noStrike">
-                          <a:solidFill>
-                            <a:srgbClr val="000000"/>
-                          </a:solidFill>
-                          <a:effectLst/>
-                          <a:latin typeface="Calibri" panose="020F0502020204030204" pitchFamily="34" charset="0"/>
-                        </a:rPr>
-                        <a:t>0.8</a:t>
-                      </a:r>
-                    </a:p>
-                  </a:txBody>
-                  <a:tcPr marL="9525" marR="9525" marT="9525" marB="0" anchor="b">
-                    <a:lnL>
-                      <a:noFill/>
-                    </a:lnL>
-                    <a:lnR>
-                      <a:noFill/>
-                    </a:lnR>
-                    <a:lnT w="6350" cap="flat" cmpd="sng" algn="ctr">
-                      <a:solidFill>
-                        <a:srgbClr val="8EA9DB"/>
-                      </a:solidFill>
-                      <a:prstDash val="solid"/>
-                      <a:round/>
-                      <a:headEnd type="none" w="med" len="med"/>
-                      <a:tailEnd type="none" w="med" len="med"/>
-                    </a:lnT>
-                    <a:lnB w="6350" cap="flat" cmpd="sng" algn="ctr">
-                      <a:solidFill>
-                        <a:srgbClr val="8EA9DB"/>
-                      </a:solidFill>
-                      <a:prstDash val="solid"/>
-                      <a:round/>
-                      <a:headEnd type="none" w="med" len="med"/>
-                      <a:tailEnd type="none" w="med" len="med"/>
-                    </a:lnB>
-                    <a:solidFill>
-                      <a:srgbClr val="D9E1F2"/>
-                    </a:solidFill>
-                  </a:tcPr>
-                </a:tc>
-                <a:tc>
-                  <a:txBody>
-                    <a:bodyPr/>
-                    <a:lstStyle/>
-                    <a:p>
-                      <a:pPr algn="ctr" fontAlgn="b"/>
-                      <a:r>
-                        <a:rPr lang="en-IN" sz="1200" b="0" i="0" u="none" strike="noStrike">
-                          <a:solidFill>
-                            <a:srgbClr val="000000"/>
-                          </a:solidFill>
-                          <a:effectLst/>
-                          <a:latin typeface="Calibri" panose="020F0502020204030204" pitchFamily="34" charset="0"/>
-                        </a:rPr>
-                        <a:t>1</a:t>
-                      </a:r>
-                    </a:p>
-                  </a:txBody>
-                  <a:tcPr marL="9525" marR="9525" marT="9525" marB="0" anchor="b">
-                    <a:lnL>
-                      <a:noFill/>
-                    </a:lnL>
-                    <a:lnR>
-                      <a:noFill/>
-                    </a:lnR>
-                    <a:lnT w="6350" cap="flat" cmpd="sng" algn="ctr">
-                      <a:solidFill>
-                        <a:srgbClr val="8EA9DB"/>
-                      </a:solidFill>
-                      <a:prstDash val="solid"/>
-                      <a:round/>
-                      <a:headEnd type="none" w="med" len="med"/>
-                      <a:tailEnd type="none" w="med" len="med"/>
-                    </a:lnT>
-                    <a:lnB w="6350" cap="flat" cmpd="sng" algn="ctr">
-                      <a:solidFill>
-                        <a:srgbClr val="8EA9DB"/>
-                      </a:solidFill>
-                      <a:prstDash val="solid"/>
-                      <a:round/>
-                      <a:headEnd type="none" w="med" len="med"/>
-                      <a:tailEnd type="none" w="med" len="med"/>
-                    </a:lnB>
-                    <a:solidFill>
-                      <a:srgbClr val="D9E1F2"/>
-                    </a:solidFill>
-                  </a:tcPr>
-                </a:tc>
-                <a:tc>
-                  <a:txBody>
-                    <a:bodyPr/>
-                    <a:lstStyle/>
-                    <a:p>
-                      <a:pPr algn="ctr" fontAlgn="b"/>
-                      <a:r>
-                        <a:rPr lang="en-IN" sz="1200" b="0" i="0" u="none" strike="noStrike">
-                          <a:solidFill>
-                            <a:srgbClr val="000000"/>
-                          </a:solidFill>
-                          <a:effectLst/>
-                          <a:latin typeface="Calibri" panose="020F0502020204030204" pitchFamily="34" charset="0"/>
-                        </a:rPr>
-                        <a:t>1</a:t>
-                      </a:r>
-                    </a:p>
-                  </a:txBody>
-                  <a:tcPr marL="9525" marR="9525" marT="9525" marB="0" anchor="b">
-                    <a:lnL>
-                      <a:noFill/>
-                    </a:lnL>
-                    <a:lnR>
-                      <a:noFill/>
-                    </a:lnR>
-                    <a:lnT w="6350" cap="flat" cmpd="sng" algn="ctr">
-                      <a:solidFill>
-                        <a:srgbClr val="8EA9DB"/>
-                      </a:solidFill>
-                      <a:prstDash val="solid"/>
-                      <a:round/>
-                      <a:headEnd type="none" w="med" len="med"/>
-                      <a:tailEnd type="none" w="med" len="med"/>
-                    </a:lnT>
-                    <a:lnB w="6350" cap="flat" cmpd="sng" algn="ctr">
-                      <a:solidFill>
-                        <a:srgbClr val="8EA9DB"/>
-                      </a:solidFill>
-                      <a:prstDash val="solid"/>
-                      <a:round/>
-                      <a:headEnd type="none" w="med" len="med"/>
-                      <a:tailEnd type="none" w="med" len="med"/>
-                    </a:lnB>
-                    <a:solidFill>
-                      <a:srgbClr val="D9E1F2"/>
-                    </a:solidFill>
-                  </a:tcPr>
-                </a:tc>
-                <a:tc>
-                  <a:txBody>
-                    <a:bodyPr/>
-                    <a:lstStyle/>
-                    <a:p>
-                      <a:pPr algn="ctr" fontAlgn="b"/>
-                      <a:r>
-                        <a:rPr lang="en-IN" sz="1200" b="0" i="0" u="none" strike="noStrike">
-                          <a:solidFill>
-                            <a:srgbClr val="000000"/>
-                          </a:solidFill>
-                          <a:effectLst/>
-                          <a:latin typeface="Calibri" panose="020F0502020204030204" pitchFamily="34" charset="0"/>
-                        </a:rPr>
-                        <a:t>95.704%</a:t>
-                      </a:r>
-                    </a:p>
-                  </a:txBody>
-                  <a:tcPr marL="9525" marR="9525" marT="9525" marB="0" anchor="b">
-                    <a:lnL>
-                      <a:noFill/>
-                    </a:lnL>
-                    <a:lnR>
-                      <a:noFill/>
-                    </a:lnR>
-                    <a:lnT w="6350" cap="flat" cmpd="sng" algn="ctr">
-                      <a:solidFill>
-                        <a:srgbClr val="8EA9DB"/>
-                      </a:solidFill>
-                      <a:prstDash val="solid"/>
-                      <a:round/>
-                      <a:headEnd type="none" w="med" len="med"/>
-                      <a:tailEnd type="none" w="med" len="med"/>
-                    </a:lnT>
-                    <a:lnB w="6350" cap="flat" cmpd="sng" algn="ctr">
-                      <a:solidFill>
-                        <a:srgbClr val="8EA9DB"/>
-                      </a:solidFill>
-                      <a:prstDash val="solid"/>
-                      <a:round/>
-                      <a:headEnd type="none" w="med" len="med"/>
-                      <a:tailEnd type="none" w="med" len="med"/>
-                    </a:lnB>
-                    <a:solidFill>
-                      <a:srgbClr val="D9E1F2"/>
-                    </a:solidFill>
-                  </a:tcPr>
-                </a:tc>
-                <a:tc>
-                  <a:txBody>
-                    <a:bodyPr/>
-                    <a:lstStyle/>
-                    <a:p>
-                      <a:pPr algn="ctr" fontAlgn="b"/>
-                      <a:r>
-                        <a:rPr lang="en-IN" sz="1200" b="0" i="0" u="none" strike="noStrike">
-                          <a:solidFill>
-                            <a:srgbClr val="000000"/>
-                          </a:solidFill>
-                          <a:effectLst/>
-                          <a:latin typeface="Calibri" panose="020F0502020204030204" pitchFamily="34" charset="0"/>
-                        </a:rPr>
-                        <a:t>93.134%</a:t>
-                      </a:r>
-                    </a:p>
-                  </a:txBody>
-                  <a:tcPr marL="9525" marR="9525" marT="9525" marB="0" anchor="b">
-                    <a:lnL>
-                      <a:noFill/>
-                    </a:lnL>
-                    <a:lnR>
-                      <a:noFill/>
-                    </a:lnR>
-                    <a:lnT w="6350" cap="flat" cmpd="sng" algn="ctr">
-                      <a:solidFill>
-                        <a:srgbClr val="8EA9DB"/>
-                      </a:solidFill>
-                      <a:prstDash val="solid"/>
-                      <a:round/>
-                      <a:headEnd type="none" w="med" len="med"/>
-                      <a:tailEnd type="none" w="med" len="med"/>
-                    </a:lnT>
-                    <a:lnB w="6350" cap="flat" cmpd="sng" algn="ctr">
-                      <a:solidFill>
-                        <a:srgbClr val="8EA9DB"/>
-                      </a:solidFill>
-                      <a:prstDash val="solid"/>
-                      <a:round/>
-                      <a:headEnd type="none" w="med" len="med"/>
-                      <a:tailEnd type="none" w="med" len="med"/>
-                    </a:lnB>
-                    <a:solidFill>
-                      <a:srgbClr val="D9E1F2"/>
-                    </a:solidFill>
-                  </a:tcPr>
-                </a:tc>
-                <a:tc>
-                  <a:txBody>
-                    <a:bodyPr/>
-                    <a:lstStyle/>
-                    <a:p>
-                      <a:pPr algn="ctr" fontAlgn="b"/>
-                      <a:r>
-                        <a:rPr lang="en-IN" sz="1200" b="0" i="0" u="none" strike="noStrike" dirty="0">
-                          <a:solidFill>
-                            <a:srgbClr val="000000"/>
-                          </a:solidFill>
-                          <a:effectLst/>
-                          <a:latin typeface="Calibri" panose="020F0502020204030204" pitchFamily="34" charset="0"/>
-                        </a:rPr>
-                        <a:t>94.240%</a:t>
-                      </a:r>
-                    </a:p>
-                  </a:txBody>
-                  <a:tcPr marL="9525" marR="9525" marT="9525" marB="0" anchor="b">
-                    <a:lnL>
-                      <a:noFill/>
-                    </a:lnL>
-                    <a:lnR w="6350" cap="flat" cmpd="sng" algn="ctr">
-                      <a:solidFill>
-                        <a:srgbClr val="8EA9DB"/>
-                      </a:solidFill>
-                      <a:prstDash val="solid"/>
-                      <a:round/>
-                      <a:headEnd type="none" w="med" len="med"/>
-                      <a:tailEnd type="none" w="med" len="med"/>
-                    </a:lnR>
-                    <a:lnT w="6350" cap="flat" cmpd="sng" algn="ctr">
-                      <a:solidFill>
-                        <a:srgbClr val="8EA9DB"/>
-                      </a:solidFill>
-                      <a:prstDash val="solid"/>
-                      <a:round/>
-                      <a:headEnd type="none" w="med" len="med"/>
-                      <a:tailEnd type="none" w="med" len="med"/>
-                    </a:lnT>
-                    <a:lnB w="6350" cap="flat" cmpd="sng" algn="ctr">
-                      <a:solidFill>
-                        <a:srgbClr val="8EA9DB"/>
-                      </a:solidFill>
-                      <a:prstDash val="solid"/>
-                      <a:round/>
-                      <a:headEnd type="none" w="med" len="med"/>
-                      <a:tailEnd type="none" w="med" len="med"/>
-                    </a:lnB>
-                    <a:solidFill>
-                      <a:srgbClr val="D9E1F2"/>
-                    </a:solidFill>
-                  </a:tcPr>
-                </a:tc>
-                <a:extLst>
-                  <a:ext uri="{0D108BD9-81ED-4DB2-BD59-A6C34878D82A}">
-                    <a16:rowId xmlns:a16="http://schemas.microsoft.com/office/drawing/2014/main" val="3474587755"/>
-                  </a:ext>
-                </a:extLst>
-              </a:tr>
-            </a:tbl>
-          </a:graphicData>
-        </a:graphic>
-      </p:graphicFrame>
     </p:spTree>
     <p:extLst>
       <p:ext uri="{BB962C8B-B14F-4D97-AF65-F5344CB8AC3E}">
@@ -17580,8 +17580,8 @@
         </p:nvSpPr>
         <p:spPr>
           <a:xfrm>
-            <a:off x="952500" y="1444274"/>
-            <a:ext cx="10382250" cy="4821000"/>
+            <a:off x="838200" y="1631673"/>
+            <a:ext cx="10382250" cy="3953583"/>
           </a:xfrm>
           <a:prstGeom prst="rect">
             <a:avLst/>
@@ -17602,15 +17602,15 @@
               <a:buAutoNum type="arabicPeriod"/>
             </a:pPr>
             <a:r>
-              <a:rPr lang="en-US" dirty="0">
+              <a:rPr lang="en-US" sz="1400" dirty="0">
                 <a:effectLst/>
                 <a:latin typeface="Calibri" panose="020F0502020204030204" pitchFamily="34" charset="0"/>
                 <a:ea typeface="Calibri" panose="020F0502020204030204" pitchFamily="34" charset="0"/>
                 <a:cs typeface="Arial" panose="020B0604020202020204" pitchFamily="34" charset="0"/>
               </a:rPr>
-              <a:t>Combination of Hyper-Parameters in the grid search:</a:t>
+              <a:t>the following combinations in the grid search:</a:t>
             </a:r>
-            <a:endParaRPr lang="en-IN" dirty="0">
+            <a:endParaRPr lang="en-IN" sz="1400" dirty="0">
               <a:latin typeface="Calibri" panose="020F0502020204030204" pitchFamily="34" charset="0"/>
               <a:ea typeface="Calibri" panose="020F0502020204030204" pitchFamily="34" charset="0"/>
               <a:cs typeface="Arial" panose="020B0604020202020204" pitchFamily="34" charset="0"/>
@@ -17625,24 +17625,15 @@
               <a:buChar char="•"/>
             </a:pPr>
             <a:r>
-              <a:rPr lang="en-US" b="1" dirty="0">
+              <a:rPr lang="en-US" sz="1400" dirty="0">
                 <a:effectLst/>
                 <a:latin typeface="Calibri" panose="020F0502020204030204" pitchFamily="34" charset="0"/>
                 <a:ea typeface="Calibri" panose="020F0502020204030204" pitchFamily="34" charset="0"/>
                 <a:cs typeface="Arial" panose="020B0604020202020204" pitchFamily="34" charset="0"/>
               </a:rPr>
-              <a:t>Number of hidden layers</a:t>
+              <a:t>Number of hidden layers: 2, 4 – 4 to increase the complexity to get low bias and 2 for faster runtime </a:t>
             </a:r>
-            <a:r>
-              <a:rPr lang="en-US" dirty="0">
-                <a:effectLst/>
-                <a:latin typeface="Calibri" panose="020F0502020204030204" pitchFamily="34" charset="0"/>
-                <a:ea typeface="Calibri" panose="020F0502020204030204" pitchFamily="34" charset="0"/>
-                <a:cs typeface="Arial" panose="020B0604020202020204" pitchFamily="34" charset="0"/>
-              </a:rPr>
-              <a:t>: 2, 4 – 4 to increase the complexity to get low bias and 2 for faster runtime </a:t>
-            </a:r>
-            <a:endParaRPr lang="en-IN" dirty="0">
+            <a:endParaRPr lang="en-IN" sz="1400" dirty="0">
               <a:latin typeface="Calibri" panose="020F0502020204030204" pitchFamily="34" charset="0"/>
               <a:ea typeface="Calibri" panose="020F0502020204030204" pitchFamily="34" charset="0"/>
               <a:cs typeface="Arial" panose="020B0604020202020204" pitchFamily="34" charset="0"/>
@@ -17657,24 +17648,15 @@
               <a:buChar char="•"/>
             </a:pPr>
             <a:r>
-              <a:rPr lang="en-US" b="1" dirty="0">
+              <a:rPr lang="en-US" sz="1400" dirty="0">
                 <a:effectLst/>
                 <a:latin typeface="Calibri" panose="020F0502020204030204" pitchFamily="34" charset="0"/>
                 <a:ea typeface="Calibri" panose="020F0502020204030204" pitchFamily="34" charset="0"/>
                 <a:cs typeface="Arial" panose="020B0604020202020204" pitchFamily="34" charset="0"/>
               </a:rPr>
-              <a:t># nodes in each hidden layer</a:t>
+              <a:t># nodes in each hidden layer: 4, 6 - </a:t>
             </a:r>
-            <a:r>
-              <a:rPr lang="en-US" dirty="0">
-                <a:effectLst/>
-                <a:latin typeface="Calibri" panose="020F0502020204030204" pitchFamily="34" charset="0"/>
-                <a:ea typeface="Calibri" panose="020F0502020204030204" pitchFamily="34" charset="0"/>
-                <a:cs typeface="Arial" panose="020B0604020202020204" pitchFamily="34" charset="0"/>
-              </a:rPr>
-              <a:t>: 4, 6 – 2 for simple neural network and 6 for complex neural network </a:t>
-            </a:r>
-            <a:endParaRPr lang="en-IN" dirty="0">
+            <a:endParaRPr lang="en-IN" sz="1400" dirty="0">
               <a:latin typeface="Calibri" panose="020F0502020204030204" pitchFamily="34" charset="0"/>
               <a:ea typeface="Calibri" panose="020F0502020204030204" pitchFamily="34" charset="0"/>
               <a:cs typeface="Arial" panose="020B0604020202020204" pitchFamily="34" charset="0"/>
@@ -17689,25 +17671,16 @@
               <a:buChar char="•"/>
             </a:pPr>
             <a:r>
-              <a:rPr lang="en-US" b="1" dirty="0">
+              <a:rPr lang="en-US" sz="1400" dirty="0">
                 <a:effectLst/>
                 <a:latin typeface="Calibri" panose="020F0502020204030204" pitchFamily="34" charset="0"/>
                 <a:ea typeface="Calibri" panose="020F0502020204030204" pitchFamily="34" charset="0"/>
                 <a:cs typeface="Arial" panose="020B0604020202020204" pitchFamily="34" charset="0"/>
               </a:rPr>
-              <a:t>Activation function</a:t>
+              <a:t>Activation function for hidden layers: </a:t>
             </a:r>
             <a:r>
-              <a:rPr lang="en-US" dirty="0">
-                <a:effectLst/>
-                <a:latin typeface="Calibri" panose="020F0502020204030204" pitchFamily="34" charset="0"/>
-                <a:ea typeface="Calibri" panose="020F0502020204030204" pitchFamily="34" charset="0"/>
-                <a:cs typeface="Arial" panose="020B0604020202020204" pitchFamily="34" charset="0"/>
-              </a:rPr>
-              <a:t>: </a:t>
-            </a:r>
-            <a:r>
-              <a:rPr lang="en-US" dirty="0" err="1">
+              <a:rPr lang="en-US" sz="1400" dirty="0" err="1">
                 <a:effectLst/>
                 <a:latin typeface="Calibri" panose="020F0502020204030204" pitchFamily="34" charset="0"/>
                 <a:ea typeface="Calibri" panose="020F0502020204030204" pitchFamily="34" charset="0"/>
@@ -17716,7 +17689,7 @@
               <a:t>ReLu</a:t>
             </a:r>
             <a:r>
-              <a:rPr lang="en-US" dirty="0">
+              <a:rPr lang="en-US" sz="1400" dirty="0">
                 <a:effectLst/>
                 <a:latin typeface="Calibri" panose="020F0502020204030204" pitchFamily="34" charset="0"/>
                 <a:ea typeface="Calibri" panose="020F0502020204030204" pitchFamily="34" charset="0"/>
@@ -17725,7 +17698,7 @@
               <a:t>, Tanh – </a:t>
             </a:r>
             <a:r>
-              <a:rPr lang="en-US" dirty="0" err="1">
+              <a:rPr lang="en-US" sz="1400" dirty="0" err="1">
                 <a:effectLst/>
                 <a:latin typeface="Calibri" panose="020F0502020204030204" pitchFamily="34" charset="0"/>
                 <a:ea typeface="Calibri" panose="020F0502020204030204" pitchFamily="34" charset="0"/>
@@ -17734,15 +17707,15 @@
               <a:t>ReLu</a:t>
             </a:r>
             <a:r>
-              <a:rPr lang="en-US" dirty="0">
+              <a:rPr lang="en-US" sz="1400" dirty="0">
                 <a:effectLst/>
                 <a:latin typeface="Calibri" panose="020F0502020204030204" pitchFamily="34" charset="0"/>
                 <a:ea typeface="Calibri" panose="020F0502020204030204" pitchFamily="34" charset="0"/>
                 <a:cs typeface="Arial" panose="020B0604020202020204" pitchFamily="34" charset="0"/>
               </a:rPr>
-              <a:t> isn’t saturated/zero-centered, tanh causes vanishing gradients </a:t>
+              <a:t> isn’t saturated or zero-centered, tanh causes exploding gradients </a:t>
             </a:r>
-            <a:endParaRPr lang="en-IN" dirty="0">
+            <a:endParaRPr lang="en-IN" sz="1400" dirty="0">
               <a:latin typeface="Calibri" panose="020F0502020204030204" pitchFamily="34" charset="0"/>
               <a:ea typeface="Calibri" panose="020F0502020204030204" pitchFamily="34" charset="0"/>
               <a:cs typeface="Arial" panose="020B0604020202020204" pitchFamily="34" charset="0"/>
@@ -17757,24 +17730,15 @@
               <a:buChar char="•"/>
             </a:pPr>
             <a:r>
-              <a:rPr lang="en-US" b="1" dirty="0">
+              <a:rPr lang="en-US" sz="1400" dirty="0">
                 <a:effectLst/>
                 <a:latin typeface="Calibri" panose="020F0502020204030204" pitchFamily="34" charset="0"/>
                 <a:ea typeface="Calibri" panose="020F0502020204030204" pitchFamily="34" charset="0"/>
                 <a:cs typeface="Arial" panose="020B0604020202020204" pitchFamily="34" charset="0"/>
               </a:rPr>
-              <a:t>Dropout regularization</a:t>
+              <a:t>Dropout regularization for hidden layers: 50%, 100% (no dropout) – 50% to decrease complexity and avoid overfitting</a:t>
             </a:r>
-            <a:r>
-              <a:rPr lang="en-US" dirty="0">
-                <a:effectLst/>
-                <a:latin typeface="Calibri" panose="020F0502020204030204" pitchFamily="34" charset="0"/>
-                <a:ea typeface="Calibri" panose="020F0502020204030204" pitchFamily="34" charset="0"/>
-                <a:cs typeface="Arial" panose="020B0604020202020204" pitchFamily="34" charset="0"/>
-              </a:rPr>
-              <a:t>: 50%, 100% (no dropout) – 50% to decrease complexity and avoid overfitting</a:t>
-            </a:r>
-            <a:endParaRPr lang="en-IN" dirty="0">
+            <a:endParaRPr lang="en-IN" sz="1400" dirty="0">
               <a:latin typeface="Calibri" panose="020F0502020204030204" pitchFamily="34" charset="0"/>
               <a:ea typeface="Calibri" panose="020F0502020204030204" pitchFamily="34" charset="0"/>
               <a:cs typeface="Arial" panose="020B0604020202020204" pitchFamily="34" charset="0"/>
@@ -17789,22 +17753,13 @@
               <a:buChar char="•"/>
             </a:pPr>
             <a:r>
-              <a:rPr lang="en-US" b="1" dirty="0">
+              <a:rPr lang="en-US" sz="1400" dirty="0">
                 <a:effectLst/>
                 <a:latin typeface="Calibri" panose="020F0502020204030204" pitchFamily="34" charset="0"/>
                 <a:ea typeface="Calibri" panose="020F0502020204030204" pitchFamily="34" charset="0"/>
                 <a:cs typeface="Arial" panose="020B0604020202020204" pitchFamily="34" charset="0"/>
               </a:rPr>
-              <a:t>Batch size</a:t>
-            </a:r>
-            <a:r>
-              <a:rPr lang="en-US" dirty="0">
-                <a:effectLst/>
-                <a:latin typeface="Calibri" panose="020F0502020204030204" pitchFamily="34" charset="0"/>
-                <a:ea typeface="Calibri" panose="020F0502020204030204" pitchFamily="34" charset="0"/>
-                <a:cs typeface="Arial" panose="020B0604020202020204" pitchFamily="34" charset="0"/>
-              </a:rPr>
-              <a:t>: 100, 10000 – 100 not low enough to overfit every batch and 10000 for faster processing </a:t>
+              <a:t>Batch size: 100, 10000 – 100 not low enough to overfit every batch and 10000 for faster processing </a:t>
             </a:r>
           </a:p>
           <a:p>
@@ -17815,7 +17770,7 @@
               <a:buFont typeface="Arial" panose="020B0604020202020204" pitchFamily="34" charset="0"/>
               <a:buChar char="•"/>
             </a:pPr>
-            <a:endParaRPr lang="en-US" dirty="0">
+            <a:endParaRPr lang="en-US" sz="1400" dirty="0">
               <a:latin typeface="Calibri" panose="020F0502020204030204" pitchFamily="34" charset="0"/>
               <a:ea typeface="Calibri" panose="020F0502020204030204" pitchFamily="34" charset="0"/>
               <a:cs typeface="Arial" panose="020B0604020202020204" pitchFamily="34" charset="0"/>
@@ -17830,12 +17785,12 @@
               <a:buAutoNum type="arabicPeriod"/>
             </a:pPr>
             <a:r>
-              <a:rPr lang="en-US" dirty="0">
+              <a:rPr lang="en-US" sz="1400" dirty="0">
                 <a:latin typeface="Calibri" panose="020F0502020204030204" pitchFamily="34" charset="0"/>
                 <a:ea typeface="Calibri" panose="020F0502020204030204" pitchFamily="34" charset="0"/>
                 <a:cs typeface="Arial" panose="020B0604020202020204" pitchFamily="34" charset="0"/>
               </a:rPr>
-              <a:t>Combination of hyper-parameters made us train 32 models</a:t>
+              <a:t>Above Combination of hyper-parameters make us train 32 models</a:t>
             </a:r>
           </a:p>
           <a:p>
@@ -17846,7 +17801,7 @@
               <a:buFont typeface="+mj-lt"/>
               <a:buAutoNum type="arabicPeriod"/>
             </a:pPr>
-            <a:endParaRPr lang="en-US" dirty="0">
+            <a:endParaRPr lang="en-US" sz="1400" dirty="0">
               <a:latin typeface="Calibri" panose="020F0502020204030204" pitchFamily="34" charset="0"/>
               <a:ea typeface="Calibri" panose="020F0502020204030204" pitchFamily="34" charset="0"/>
               <a:cs typeface="Arial" panose="020B0604020202020204" pitchFamily="34" charset="0"/>
@@ -17861,7 +17816,7 @@
               <a:buAutoNum type="arabicPeriod"/>
             </a:pPr>
             <a:r>
-              <a:rPr lang="en-US" dirty="0">
+              <a:rPr lang="en-US" sz="1400" dirty="0">
                 <a:effectLst/>
                 <a:latin typeface="Calibri" panose="020F0502020204030204" pitchFamily="34" charset="0"/>
                 <a:ea typeface="Calibri" panose="020F0502020204030204" pitchFamily="34" charset="0"/>
@@ -17870,7 +17825,7 @@
               <a:t>From the AUC of Train</a:t>
             </a:r>
             <a:r>
-              <a:rPr lang="en-US" dirty="0">
+              <a:rPr lang="en-US" sz="1400" dirty="0">
                 <a:latin typeface="Calibri" panose="020F0502020204030204" pitchFamily="34" charset="0"/>
                 <a:ea typeface="Calibri" panose="020F0502020204030204" pitchFamily="34" charset="0"/>
                 <a:cs typeface="Arial" panose="020B0604020202020204" pitchFamily="34" charset="0"/>
@@ -17886,7 +17841,7 @@
               <a:buFont typeface="+mj-lt"/>
               <a:buAutoNum type="arabicPeriod"/>
             </a:pPr>
-            <a:endParaRPr lang="en-US" dirty="0">
+            <a:endParaRPr lang="en-US" sz="1400" dirty="0">
               <a:effectLst/>
               <a:latin typeface="Calibri" panose="020F0502020204030204" pitchFamily="34" charset="0"/>
               <a:ea typeface="Calibri" panose="020F0502020204030204" pitchFamily="34" charset="0"/>
@@ -17902,7 +17857,7 @@
               <a:buAutoNum type="arabicPeriod"/>
             </a:pPr>
             <a:r>
-              <a:rPr lang="en-US" dirty="0">
+              <a:rPr lang="en-US" sz="1400" dirty="0">
                 <a:effectLst/>
                 <a:latin typeface="Calibri" panose="020F0502020204030204" pitchFamily="34" charset="0"/>
                 <a:ea typeface="Calibri" panose="020F0502020204030204" pitchFamily="34" charset="0"/>
@@ -17911,12 +17866,12 @@
               <a:t>Cho</a:t>
             </a:r>
             <a:r>
-              <a:rPr lang="en-US" dirty="0">
+              <a:rPr lang="en-US" sz="1400" dirty="0">
                 <a:latin typeface="Calibri" panose="020F0502020204030204" pitchFamily="34" charset="0"/>
                 <a:ea typeface="Calibri" panose="020F0502020204030204" pitchFamily="34" charset="0"/>
                 <a:cs typeface="Arial" panose="020B0604020202020204" pitchFamily="34" charset="0"/>
               </a:rPr>
-              <a:t>se model with lowest bias : Best Params (next slide)</a:t>
+              <a:t>se model with lowest bias : Best Params </a:t>
             </a:r>
           </a:p>
           <a:p>
@@ -17927,7 +17882,21 @@
               <a:buFont typeface="+mj-lt"/>
               <a:buAutoNum type="arabicPeriod"/>
             </a:pPr>
-            <a:endParaRPr lang="en-US" dirty="0">
+            <a:endParaRPr lang="en-US" sz="1400" dirty="0">
+              <a:latin typeface="Calibri" panose="020F0502020204030204" pitchFamily="34" charset="0"/>
+              <a:ea typeface="Calibri" panose="020F0502020204030204" pitchFamily="34" charset="0"/>
+              <a:cs typeface="Arial" panose="020B0604020202020204" pitchFamily="34" charset="0"/>
+            </a:endParaRPr>
+          </a:p>
+          <a:p>
+            <a:pPr marL="228600" lvl="0" indent="-228600">
+              <a:lnSpc>
+                <a:spcPct val="107000"/>
+              </a:lnSpc>
+              <a:buFont typeface="+mj-lt"/>
+              <a:buAutoNum type="arabicPeriod"/>
+            </a:pPr>
+            <a:endParaRPr lang="en-US" sz="1400" dirty="0">
               <a:latin typeface="Calibri" panose="020F0502020204030204" pitchFamily="34" charset="0"/>
               <a:ea typeface="Calibri" panose="020F0502020204030204" pitchFamily="34" charset="0"/>
               <a:cs typeface="Arial" panose="020B0604020202020204" pitchFamily="34" charset="0"/>
@@ -17940,7 +17909,7 @@
               </a:lnSpc>
             </a:pPr>
             <a:r>
-              <a:rPr lang="en-US" dirty="0">
+              <a:rPr lang="en-US" sz="1400" dirty="0">
                 <a:latin typeface="Calibri" panose="020F0502020204030204" pitchFamily="34" charset="0"/>
                 <a:ea typeface="Calibri" panose="020F0502020204030204" pitchFamily="34" charset="0"/>
                 <a:cs typeface="Arial" panose="020B0604020202020204" pitchFamily="34" charset="0"/>
@@ -17954,7 +17923,7 @@
                 <a:spcPct val="107000"/>
               </a:lnSpc>
             </a:pPr>
-            <a:endParaRPr lang="en-US" dirty="0">
+            <a:endParaRPr lang="en-US" sz="1100" dirty="0">
               <a:effectLst/>
               <a:latin typeface="Calibri" panose="020F0502020204030204" pitchFamily="34" charset="0"/>
               <a:ea typeface="Calibri" panose="020F0502020204030204" pitchFamily="34" charset="0"/>
@@ -17978,13 +17947,13 @@
           <p:nvPr>
             <p:extLst>
               <p:ext uri="{D42A27DB-BD31-4B8C-83A1-F6EECF244321}">
-                <p14:modId xmlns:p14="http://schemas.microsoft.com/office/powerpoint/2010/main" val="3097063538"/>
+                <p14:modId xmlns:p14="http://schemas.microsoft.com/office/powerpoint/2010/main" val="88801728"/>
               </p:ext>
             </p:extLst>
           </p:nvPr>
         </p:nvGraphicFramePr>
         <p:xfrm>
-          <a:off x="1615935" y="5529016"/>
+          <a:off x="1947708" y="4975656"/>
           <a:ext cx="965200" cy="609600"/>
         </p:xfrm>
         <a:graphic>
@@ -18012,7 +17981,7 @@
                     </p:blipFill>
                     <p:spPr>
                       <a:xfrm>
-                        <a:off x="1615935" y="5529016"/>
+                        <a:off x="1947708" y="4975656"/>
                         <a:ext cx="965200" cy="609600"/>
                       </a:xfrm>
                       <a:prstGeom prst="rect">
@@ -18149,7 +18118,7 @@
           <p:nvPr>
             <p:extLst>
               <p:ext uri="{D42A27DB-BD31-4B8C-83A1-F6EECF244321}">
-                <p14:modId xmlns:p14="http://schemas.microsoft.com/office/powerpoint/2010/main" val="3458153315"/>
+                <p14:modId xmlns:p14="http://schemas.microsoft.com/office/powerpoint/2010/main" val="1225325238"/>
               </p:ext>
             </p:extLst>
           </p:nvPr>
@@ -18179,7 +18148,7 @@
           <p:nvPr>
             <p:extLst>
               <p:ext uri="{D42A27DB-BD31-4B8C-83A1-F6EECF244321}">
-                <p14:modId xmlns:p14="http://schemas.microsoft.com/office/powerpoint/2010/main" val="4174343419"/>
+                <p14:modId xmlns:p14="http://schemas.microsoft.com/office/powerpoint/2010/main" val="1065533535"/>
               </p:ext>
             </p:extLst>
           </p:nvPr>
@@ -18480,7 +18449,7 @@
           <p:nvPr>
             <p:extLst>
               <p:ext uri="{D42A27DB-BD31-4B8C-83A1-F6EECF244321}">
-                <p14:modId xmlns:p14="http://schemas.microsoft.com/office/powerpoint/2010/main" val="2785447124"/>
+                <p14:modId xmlns:p14="http://schemas.microsoft.com/office/powerpoint/2010/main" val="4148390854"/>
               </p:ext>
             </p:extLst>
           </p:nvPr>
@@ -18571,7 +18540,7 @@
                     <a:bodyPr/>
                     <a:lstStyle/>
                     <a:p>
-                      <a:pPr algn="ctr" fontAlgn="b"/>
+                      <a:pPr algn="l" fontAlgn="b"/>
                       <a:r>
                         <a:rPr lang="en-IN" sz="1200" b="1" i="0" u="none" strike="noStrike">
                           <a:solidFill>
@@ -18625,9 +18594,9 @@
                     <a:bodyPr/>
                     <a:lstStyle/>
                     <a:p>
-                      <a:pPr algn="ctr" fontAlgn="b"/>
-                      <a:r>
-                        <a:rPr lang="en-IN" sz="1200" b="1" i="0" u="none" strike="noStrike" dirty="0">
+                      <a:pPr algn="l" fontAlgn="b"/>
+                      <a:r>
+                        <a:rPr lang="en-IN" sz="1200" b="1" i="0" u="none" strike="noStrike">
                           <a:solidFill>
                             <a:srgbClr val="FFFFFF"/>
                           </a:solidFill>
@@ -18673,7 +18642,7 @@
                     <a:bodyPr/>
                     <a:lstStyle/>
                     <a:p>
-                      <a:pPr algn="ctr" fontAlgn="b"/>
+                      <a:pPr algn="l" fontAlgn="b"/>
                       <a:r>
                         <a:rPr lang="en-IN" sz="1200" b="1" i="0" u="none" strike="noStrike">
                           <a:solidFill>
@@ -18721,7 +18690,7 @@
                     <a:bodyPr/>
                     <a:lstStyle/>
                     <a:p>
-                      <a:pPr algn="ctr" fontAlgn="b"/>
+                      <a:pPr algn="l" fontAlgn="b"/>
                       <a:r>
                         <a:rPr lang="en-IN" sz="1200" b="1" i="0" u="none" strike="noStrike">
                           <a:solidFill>
@@ -18769,7 +18738,7 @@
                     <a:bodyPr/>
                     <a:lstStyle/>
                     <a:p>
-                      <a:pPr algn="ctr" fontAlgn="b"/>
+                      <a:pPr algn="l" fontAlgn="b"/>
                       <a:r>
                         <a:rPr lang="en-IN" sz="1200" b="1" i="0" u="none" strike="noStrike">
                           <a:solidFill>
@@ -18817,7 +18786,7 @@
                     <a:bodyPr/>
                     <a:lstStyle/>
                     <a:p>
-                      <a:pPr algn="ctr" fontAlgn="b"/>
+                      <a:pPr algn="l" fontAlgn="b"/>
                       <a:r>
                         <a:rPr lang="en-IN" sz="1200" b="1" i="0" u="none" strike="noStrike">
                           <a:solidFill>
@@ -18865,7 +18834,7 @@
                     <a:bodyPr/>
                     <a:lstStyle/>
                     <a:p>
-                      <a:pPr algn="ctr" fontAlgn="b"/>
+                      <a:pPr algn="l" fontAlgn="b"/>
                       <a:r>
                         <a:rPr lang="en-IN" sz="1200" b="1" i="0" u="none" strike="noStrike">
                           <a:solidFill>
@@ -18913,7 +18882,7 @@
                     <a:bodyPr/>
                     <a:lstStyle/>
                     <a:p>
-                      <a:pPr algn="ctr" fontAlgn="b"/>
+                      <a:pPr algn="l" fontAlgn="b"/>
                       <a:r>
                         <a:rPr lang="en-IN" sz="1200" b="1" i="0" u="none" strike="noStrike">
                           <a:solidFill>
@@ -18961,7 +18930,7 @@
                     <a:bodyPr/>
                     <a:lstStyle/>
                     <a:p>
-                      <a:pPr algn="ctr" fontAlgn="b"/>
+                      <a:pPr algn="l" fontAlgn="b"/>
                       <a:r>
                         <a:rPr lang="en-IN" sz="1200" b="1" i="0" u="none" strike="noStrike">
                           <a:solidFill>
@@ -19009,7 +18978,7 @@
                     <a:bodyPr/>
                     <a:lstStyle/>
                     <a:p>
-                      <a:pPr algn="ctr" fontAlgn="b"/>
+                      <a:pPr algn="l" fontAlgn="b"/>
                       <a:r>
                         <a:rPr lang="en-IN" sz="1200" b="1" i="0" u="none" strike="noStrike">
                           <a:solidFill>
@@ -19070,7 +19039,7 @@
                     <a:bodyPr/>
                     <a:lstStyle/>
                     <a:p>
-                      <a:pPr algn="ctr" fontAlgn="b"/>
+                      <a:pPr algn="r" fontAlgn="b"/>
                       <a:r>
                         <a:rPr lang="en-IN" sz="1200" b="0" i="0" u="none" strike="noStrike">
                           <a:solidFill>
@@ -19124,9 +19093,9 @@
                     <a:bodyPr/>
                     <a:lstStyle/>
                     <a:p>
-                      <a:pPr algn="ctr" fontAlgn="b"/>
-                      <a:r>
-                        <a:rPr lang="en-IN" sz="1200" b="0" i="0" u="none" strike="noStrike" dirty="0">
+                      <a:pPr algn="r" fontAlgn="b"/>
+                      <a:r>
+                        <a:rPr lang="en-IN" sz="1200" b="0" i="0" u="none" strike="noStrike">
                           <a:solidFill>
                             <a:srgbClr val="000000"/>
                           </a:solidFill>
@@ -19172,7 +19141,7 @@
                     <a:bodyPr/>
                     <a:lstStyle/>
                     <a:p>
-                      <a:pPr algn="ctr" fontAlgn="b"/>
+                      <a:pPr algn="l" fontAlgn="b"/>
                       <a:r>
                         <a:rPr lang="en-IN" sz="1200" b="0" i="0" u="none" strike="noStrike">
                           <a:solidFill>
@@ -19220,7 +19189,7 @@
                     <a:bodyPr/>
                     <a:lstStyle/>
                     <a:p>
-                      <a:pPr algn="ctr" fontAlgn="b"/>
+                      <a:pPr algn="r" fontAlgn="b"/>
                       <a:r>
                         <a:rPr lang="en-IN" sz="1200" b="0" i="0" u="none" strike="noStrike">
                           <a:solidFill>
@@ -19268,7 +19237,7 @@
                     <a:bodyPr/>
                     <a:lstStyle/>
                     <a:p>
-                      <a:pPr algn="ctr" fontAlgn="b"/>
+                      <a:pPr algn="r" fontAlgn="b"/>
                       <a:r>
                         <a:rPr lang="en-IN" sz="1200" b="0" i="0" u="none" strike="noStrike">
                           <a:solidFill>
@@ -19316,7 +19285,7 @@
                     <a:bodyPr/>
                     <a:lstStyle/>
                     <a:p>
-                      <a:pPr algn="ctr" fontAlgn="b"/>
+                      <a:pPr algn="r" fontAlgn="b"/>
                       <a:r>
                         <a:rPr lang="en-IN" sz="1200" b="0" i="0" u="none" strike="noStrike">
                           <a:solidFill>
@@ -19364,7 +19333,7 @@
                     <a:bodyPr/>
                     <a:lstStyle/>
                     <a:p>
-                      <a:pPr algn="ctr" fontAlgn="b"/>
+                      <a:pPr algn="r" fontAlgn="b"/>
                       <a:r>
                         <a:rPr lang="en-IN" sz="1200" b="0" i="0" u="none" strike="noStrike">
                           <a:solidFill>
@@ -19412,7 +19381,7 @@
                     <a:bodyPr/>
                     <a:lstStyle/>
                     <a:p>
-                      <a:pPr algn="ctr" fontAlgn="b"/>
+                      <a:pPr algn="r" fontAlgn="b"/>
                       <a:r>
                         <a:rPr lang="en-IN" sz="1200" b="0" i="0" u="none" strike="noStrike">
                           <a:solidFill>
@@ -19460,7 +19429,7 @@
                     <a:bodyPr/>
                     <a:lstStyle/>
                     <a:p>
-                      <a:pPr algn="ctr" fontAlgn="b"/>
+                      <a:pPr algn="r" fontAlgn="b"/>
                       <a:r>
                         <a:rPr lang="en-IN" sz="1200" b="0" i="0" u="none" strike="noStrike">
                           <a:solidFill>
@@ -19508,7 +19477,7 @@
                     <a:bodyPr/>
                     <a:lstStyle/>
                     <a:p>
-                      <a:pPr algn="ctr" fontAlgn="b"/>
+                      <a:pPr algn="r" fontAlgn="b"/>
                       <a:r>
                         <a:rPr lang="en-IN" sz="1200" b="0" i="0" u="none" strike="noStrike" dirty="0">
                           <a:solidFill>
@@ -19517,7 +19486,7 @@
                           <a:effectLst/>
                           <a:latin typeface="Calibri" panose="020F0502020204030204" pitchFamily="34" charset="0"/>
                         </a:rPr>
-                        <a:t>0.008</a:t>
+                        <a:t>0.008004121</a:t>
                       </a:r>
                     </a:p>
                   </a:txBody>
@@ -19689,7 +19658,7 @@
         </p:nvSpPr>
         <p:spPr>
           <a:xfrm>
-            <a:off x="952500" y="2579638"/>
+            <a:off x="952500" y="2495347"/>
             <a:ext cx="4539632" cy="2308324"/>
           </a:xfrm>
           <a:prstGeom prst="rect">
@@ -19790,7 +19759,7 @@
           <p:nvPr>
             <p:extLst>
               <p:ext uri="{D42A27DB-BD31-4B8C-83A1-F6EECF244321}">
-                <p14:modId xmlns:p14="http://schemas.microsoft.com/office/powerpoint/2010/main" val="1948194669"/>
+                <p14:modId xmlns:p14="http://schemas.microsoft.com/office/powerpoint/2010/main" val="1704538619"/>
               </p:ext>
             </p:extLst>
           </p:nvPr>
@@ -20451,7 +20420,7 @@
                     <a:p>
                       <a:pPr algn="ctr" fontAlgn="b"/>
                       <a:r>
-                        <a:rPr lang="en-IN" sz="1200" b="0" i="0" u="none" strike="noStrike" dirty="0">
+                        <a:rPr lang="en-IN" sz="1200" b="0" i="0" u="none" strike="noStrike">
                           <a:solidFill>
                             <a:srgbClr val="000000"/>
                           </a:solidFill>
@@ -20511,14 +20480,14 @@
                     <a:p>
                       <a:pPr algn="ctr" fontAlgn="b"/>
                       <a:r>
-                        <a:rPr lang="en-IN" sz="1200" b="0" i="0" u="none" strike="noStrike" dirty="0">
+                        <a:rPr lang="en-IN" sz="1200" b="0" i="0" u="none" strike="noStrike">
                           <a:solidFill>
                             <a:srgbClr val="000000"/>
                           </a:solidFill>
                           <a:effectLst/>
                           <a:latin typeface="Calibri" panose="020F0502020204030204" pitchFamily="34" charset="0"/>
                         </a:rPr>
-                        <a:t>0.01289</a:t>
+                        <a:t>0.01289237</a:t>
                       </a:r>
                     </a:p>
                   </a:txBody>
@@ -20867,7 +20836,7 @@
                           <a:effectLst/>
                           <a:latin typeface="Calibri" panose="020F0502020204030204" pitchFamily="34" charset="0"/>
                         </a:rPr>
-                        <a:t>0.00800</a:t>
+                        <a:t>0.00800412</a:t>
                       </a:r>
                     </a:p>
                   </a:txBody>
@@ -21046,14 +21015,14 @@
           <p:nvPr>
             <p:extLst>
               <p:ext uri="{D42A27DB-BD31-4B8C-83A1-F6EECF244321}">
-                <p14:modId xmlns:p14="http://schemas.microsoft.com/office/powerpoint/2010/main" val="4028944"/>
+                <p14:modId xmlns:p14="http://schemas.microsoft.com/office/powerpoint/2010/main" val="2842926988"/>
               </p:ext>
             </p:extLst>
           </p:nvPr>
         </p:nvGraphicFramePr>
         <p:xfrm>
           <a:off x="873014" y="3924289"/>
-          <a:ext cx="10515601" cy="2809240"/>
+          <a:ext cx="10515601" cy="2641600"/>
         </p:xfrm>
         <a:graphic>
           <a:graphicData uri="http://schemas.openxmlformats.org/drawingml/2006/table">
@@ -21360,16 +21329,6 @@
                         </a:rPr>
                         <a:t> X, Actual &amp; Prediction</a:t>
                       </a:r>
-                    </a:p>
-                    <a:p>
-                      <a:pPr rtl="0" fontAlgn="t">
-                        <a:spcBef>
-                          <a:spcPts val="0"/>
-                        </a:spcBef>
-                        <a:spcAft>
-                          <a:spcPts val="0"/>
-                        </a:spcAft>
-                      </a:pPr>
                       <a:br>
                         <a:rPr lang="en-IN" sz="1100" b="0" i="0" u="none" strike="noStrike" dirty="0">
                           <a:solidFill>
@@ -22575,13 +22534,13 @@
           <p:nvPr>
             <p:extLst>
               <p:ext uri="{D42A27DB-BD31-4B8C-83A1-F6EECF244321}">
-                <p14:modId xmlns:p14="http://schemas.microsoft.com/office/powerpoint/2010/main" val="756888855"/>
+                <p14:modId xmlns:p14="http://schemas.microsoft.com/office/powerpoint/2010/main" val="643250409"/>
               </p:ext>
             </p:extLst>
           </p:nvPr>
         </p:nvGraphicFramePr>
         <p:xfrm>
-          <a:off x="885824" y="1465476"/>
+          <a:off x="838200" y="1462277"/>
           <a:ext cx="10515601" cy="2079300"/>
         </p:xfrm>
         <a:graphic>
@@ -22687,7 +22646,7 @@
                     <a:bodyPr/>
                     <a:lstStyle/>
                     <a:p>
-                      <a:pPr algn="ctr" fontAlgn="b"/>
+                      <a:pPr algn="l" fontAlgn="b"/>
                       <a:endParaRPr lang="en-IN" sz="1000" b="0" i="0" u="none" strike="noStrike">
                         <a:solidFill>
                           <a:srgbClr val="000000"/>
@@ -23068,9 +23027,9 @@
                     <a:bodyPr/>
                     <a:lstStyle/>
                     <a:p>
-                      <a:pPr algn="ctr" fontAlgn="b"/>
-                      <a:r>
-                        <a:rPr lang="en-IN" sz="1000" b="1" i="0" u="none" strike="noStrike" dirty="0">
+                      <a:pPr algn="l" fontAlgn="b"/>
+                      <a:r>
+                        <a:rPr lang="en-IN" sz="1000" b="1" i="0" u="none" strike="noStrike">
                           <a:solidFill>
                             <a:srgbClr val="FFFFFF"/>
                           </a:solidFill>
@@ -23128,7 +23087,7 @@
                     <a:bodyPr/>
                     <a:lstStyle/>
                     <a:p>
-                      <a:pPr algn="ctr" fontAlgn="b"/>
+                      <a:pPr algn="l" fontAlgn="b"/>
                       <a:r>
                         <a:rPr lang="en-IN" sz="1000" b="1" i="0" u="none" strike="noStrike" dirty="0">
                           <a:solidFill>
@@ -23182,7 +23141,7 @@
                     <a:bodyPr/>
                     <a:lstStyle/>
                     <a:p>
-                      <a:pPr algn="ctr" fontAlgn="b"/>
+                      <a:pPr algn="l" fontAlgn="b"/>
                       <a:r>
                         <a:rPr lang="en-IN" sz="1000" b="1" i="0" u="none" strike="noStrike">
                           <a:solidFill>
@@ -23230,7 +23189,7 @@
                     <a:bodyPr/>
                     <a:lstStyle/>
                     <a:p>
-                      <a:pPr algn="ctr" fontAlgn="b"/>
+                      <a:pPr algn="l" fontAlgn="b"/>
                       <a:r>
                         <a:rPr lang="en-IN" sz="1000" b="1" i="0" u="none" strike="noStrike">
                           <a:solidFill>
@@ -23284,7 +23243,7 @@
                     <a:bodyPr/>
                     <a:lstStyle/>
                     <a:p>
-                      <a:pPr algn="ctr" fontAlgn="b"/>
+                      <a:pPr algn="l" fontAlgn="b"/>
                       <a:r>
                         <a:rPr lang="en-IN" sz="1000" b="1" i="0" u="none" strike="noStrike">
                           <a:solidFill>
@@ -23338,7 +23297,7 @@
                     <a:bodyPr/>
                     <a:lstStyle/>
                     <a:p>
-                      <a:pPr algn="ctr" fontAlgn="b"/>
+                      <a:pPr algn="l" fontAlgn="b"/>
                       <a:r>
                         <a:rPr lang="en-IN" sz="1000" b="1" i="0" u="none" strike="noStrike">
                           <a:solidFill>
@@ -23386,7 +23345,7 @@
                     <a:bodyPr/>
                     <a:lstStyle/>
                     <a:p>
-                      <a:pPr algn="ctr" fontAlgn="b"/>
+                      <a:pPr algn="l" fontAlgn="b"/>
                       <a:r>
                         <a:rPr lang="en-IN" sz="1000" b="1" i="0" u="none" strike="noStrike">
                           <a:solidFill>
@@ -23440,7 +23399,7 @@
                     <a:bodyPr/>
                     <a:lstStyle/>
                     <a:p>
-                      <a:pPr algn="ctr" fontAlgn="b"/>
+                      <a:pPr algn="l" fontAlgn="b"/>
                       <a:r>
                         <a:rPr lang="en-IN" sz="1000" b="1" i="0" u="none" strike="noStrike">
                           <a:solidFill>
@@ -23494,7 +23453,7 @@
                     <a:bodyPr/>
                     <a:lstStyle/>
                     <a:p>
-                      <a:pPr algn="ctr" fontAlgn="b"/>
+                      <a:pPr algn="l" fontAlgn="b"/>
                       <a:r>
                         <a:rPr lang="en-IN" sz="1000" b="1" i="0" u="none" strike="noStrike">
                           <a:solidFill>
@@ -23542,7 +23501,7 @@
                     <a:bodyPr/>
                     <a:lstStyle/>
                     <a:p>
-                      <a:pPr algn="ctr" fontAlgn="b"/>
+                      <a:pPr algn="l" fontAlgn="b"/>
                       <a:r>
                         <a:rPr lang="en-IN" sz="1000" b="1" i="0" u="none" strike="noStrike">
                           <a:solidFill>
@@ -23596,7 +23555,7 @@
                     <a:bodyPr/>
                     <a:lstStyle/>
                     <a:p>
-                      <a:pPr algn="ctr" fontAlgn="b"/>
+                      <a:pPr algn="l" fontAlgn="b"/>
                       <a:r>
                         <a:rPr lang="en-IN" sz="1000" b="1" i="0" u="none" strike="noStrike">
                           <a:solidFill>
@@ -23650,7 +23609,7 @@
                     <a:bodyPr/>
                     <a:lstStyle/>
                     <a:p>
-                      <a:pPr algn="ctr" fontAlgn="b"/>
+                      <a:pPr algn="l" fontAlgn="b"/>
                       <a:r>
                         <a:rPr lang="en-IN" sz="1000" b="1" i="0" u="none" strike="noStrike">
                           <a:solidFill>
@@ -23698,7 +23657,7 @@
                     <a:bodyPr/>
                     <a:lstStyle/>
                     <a:p>
-                      <a:pPr algn="ctr" fontAlgn="b"/>
+                      <a:pPr algn="l" fontAlgn="b"/>
                       <a:r>
                         <a:rPr lang="en-IN" sz="1000" b="1" i="0" u="none" strike="noStrike">
                           <a:solidFill>
@@ -23759,7 +23718,7 @@
                     <a:bodyPr/>
                     <a:lstStyle/>
                     <a:p>
-                      <a:pPr algn="ctr" fontAlgn="b"/>
+                      <a:pPr algn="r" fontAlgn="b"/>
                       <a:r>
                         <a:rPr lang="en-IN" sz="1000" b="0" i="0" u="none" strike="noStrike">
                           <a:solidFill>
@@ -23816,16 +23775,16 @@
                     <a:bodyPr/>
                     <a:lstStyle/>
                     <a:p>
-                      <a:pPr algn="ctr" fontAlgn="b"/>
-                      <a:r>
-                        <a:rPr lang="en-IN" sz="1000" b="0" i="0" u="none" strike="noStrike" dirty="0">
+                      <a:pPr algn="r" fontAlgn="b"/>
+                      <a:r>
+                        <a:rPr lang="en-IN" sz="1000" b="0" i="0" u="none" strike="noStrike">
                           <a:solidFill>
                             <a:srgbClr val="000000"/>
                           </a:solidFill>
                           <a:effectLst/>
                           <a:latin typeface="Calibri" panose="020F0502020204030204" pitchFamily="34" charset="0"/>
                         </a:rPr>
-                        <a:t>172,995</a:t>
+                        <a:t>172995</a:t>
                       </a:r>
                     </a:p>
                   </a:txBody>
@@ -23867,7 +23826,7 @@
                     <a:bodyPr/>
                     <a:lstStyle/>
                     <a:p>
-                      <a:pPr algn="ctr" fontAlgn="b"/>
+                      <a:pPr algn="r" fontAlgn="b"/>
                       <a:r>
                         <a:rPr lang="en-IN" sz="1000" b="0" i="0" u="none" strike="noStrike">
                           <a:solidFill>
@@ -23912,7 +23871,7 @@
                     <a:bodyPr/>
                     <a:lstStyle/>
                     <a:p>
-                      <a:pPr algn="ctr" fontAlgn="b"/>
+                      <a:pPr algn="r" fontAlgn="b"/>
                       <a:r>
                         <a:rPr lang="en-IN" sz="1000" b="0" i="0" u="none" strike="noStrike">
                           <a:solidFill>
@@ -23963,7 +23922,7 @@
                     <a:bodyPr/>
                     <a:lstStyle/>
                     <a:p>
-                      <a:pPr algn="ctr" fontAlgn="b"/>
+                      <a:pPr algn="r" fontAlgn="b"/>
                       <a:r>
                         <a:rPr lang="en-IN" sz="1000" b="0" i="0" u="none" strike="noStrike" dirty="0">
                           <a:solidFill>
@@ -24014,7 +23973,7 @@
                     <a:bodyPr/>
                     <a:lstStyle/>
                     <a:p>
-                      <a:pPr algn="ctr" fontAlgn="b"/>
+                      <a:pPr algn="r" fontAlgn="b"/>
                       <a:r>
                         <a:rPr lang="en-IN" sz="1000" b="0" i="0" u="none" strike="noStrike" dirty="0">
                           <a:solidFill>
@@ -24059,7 +24018,7 @@
                     <a:bodyPr/>
                     <a:lstStyle/>
                     <a:p>
-                      <a:pPr algn="ctr" fontAlgn="b"/>
+                      <a:pPr algn="r" fontAlgn="b"/>
                       <a:r>
                         <a:rPr lang="en-IN" sz="1000" b="0" i="0" u="none" strike="noStrike">
                           <a:solidFill>
@@ -24110,7 +24069,7 @@
                     <a:bodyPr/>
                     <a:lstStyle/>
                     <a:p>
-                      <a:pPr algn="ctr" fontAlgn="b"/>
+                      <a:pPr algn="r" fontAlgn="b"/>
                       <a:r>
                         <a:rPr lang="en-IN" sz="1000" b="0" i="0" u="none" strike="noStrike" dirty="0">
                           <a:solidFill>
@@ -24161,7 +24120,7 @@
                     <a:bodyPr/>
                     <a:lstStyle/>
                     <a:p>
-                      <a:pPr algn="ctr" fontAlgn="b"/>
+                      <a:pPr algn="r" fontAlgn="b"/>
                       <a:r>
                         <a:rPr lang="en-IN" sz="1000" b="0" i="0" u="none" strike="noStrike">
                           <a:solidFill>
@@ -24206,7 +24165,7 @@
                     <a:bodyPr/>
                     <a:lstStyle/>
                     <a:p>
-                      <a:pPr algn="ctr" fontAlgn="b"/>
+                      <a:pPr algn="r" fontAlgn="b"/>
                       <a:r>
                         <a:rPr lang="en-IN" sz="1000" b="0" i="0" u="none" strike="noStrike">
                           <a:solidFill>
@@ -24257,7 +24216,7 @@
                     <a:bodyPr/>
                     <a:lstStyle/>
                     <a:p>
-                      <a:pPr algn="ctr" fontAlgn="b"/>
+                      <a:pPr algn="r" fontAlgn="b"/>
                       <a:r>
                         <a:rPr lang="en-IN" sz="1000" b="0" i="0" u="none" strike="noStrike" dirty="0">
                           <a:solidFill>
@@ -24308,7 +24267,7 @@
                     <a:bodyPr/>
                     <a:lstStyle/>
                     <a:p>
-                      <a:pPr algn="ctr" fontAlgn="b"/>
+                      <a:pPr algn="r" fontAlgn="b"/>
                       <a:r>
                         <a:rPr lang="en-IN" sz="1000" b="0" i="0" u="none" strike="noStrike">
                           <a:solidFill>
@@ -24353,7 +24312,7 @@
                     <a:bodyPr/>
                     <a:lstStyle/>
                     <a:p>
-                      <a:pPr algn="ctr" fontAlgn="b"/>
+                      <a:pPr algn="r" fontAlgn="b"/>
                       <a:r>
                         <a:rPr lang="en-IN" sz="1000" b="0" i="0" u="none" strike="noStrike">
                           <a:solidFill>
@@ -24411,7 +24370,7 @@
                     <a:bodyPr/>
                     <a:lstStyle/>
                     <a:p>
-                      <a:pPr algn="ctr" fontAlgn="b"/>
+                      <a:pPr algn="r" fontAlgn="b"/>
                       <a:r>
                         <a:rPr lang="en-IN" sz="1000" b="0" i="0" u="none" strike="noStrike">
                           <a:solidFill>
@@ -24468,16 +24427,16 @@
                     <a:bodyPr/>
                     <a:lstStyle/>
                     <a:p>
-                      <a:pPr algn="ctr" fontAlgn="b"/>
-                      <a:r>
-                        <a:rPr lang="en-IN" sz="1000" b="0" i="0" u="none" strike="noStrike" dirty="0">
+                      <a:pPr algn="r" fontAlgn="b"/>
+                      <a:r>
+                        <a:rPr lang="en-IN" sz="1000" b="0" i="0" u="none" strike="noStrike">
                           <a:solidFill>
                             <a:srgbClr val="000000"/>
                           </a:solidFill>
                           <a:effectLst/>
                           <a:latin typeface="Calibri" panose="020F0502020204030204" pitchFamily="34" charset="0"/>
                         </a:rPr>
-                        <a:t>191,455</a:t>
+                        <a:t>191455</a:t>
                       </a:r>
                     </a:p>
                   </a:txBody>
@@ -24519,7 +24478,7 @@
                     <a:bodyPr/>
                     <a:lstStyle/>
                     <a:p>
-                      <a:pPr algn="ctr" fontAlgn="b"/>
+                      <a:pPr algn="r" fontAlgn="b"/>
                       <a:r>
                         <a:rPr lang="en-IN" sz="1000" b="0" i="0" u="none" strike="noStrike" dirty="0">
                           <a:solidFill>
@@ -24564,7 +24523,7 @@
                     <a:bodyPr/>
                     <a:lstStyle/>
                     <a:p>
-                      <a:pPr algn="ctr" fontAlgn="b"/>
+                      <a:pPr algn="r" fontAlgn="b"/>
                       <a:r>
                         <a:rPr lang="en-IN" sz="1000" b="0" i="0" u="none" strike="noStrike">
                           <a:solidFill>
@@ -24615,7 +24574,7 @@
                     <a:bodyPr/>
                     <a:lstStyle/>
                     <a:p>
-                      <a:pPr algn="ctr" fontAlgn="b"/>
+                      <a:pPr algn="r" fontAlgn="b"/>
                       <a:r>
                         <a:rPr lang="en-IN" sz="1000" b="0" i="0" u="none" strike="noStrike" dirty="0">
                           <a:solidFill>
@@ -24666,7 +24625,7 @@
                     <a:bodyPr/>
                     <a:lstStyle/>
                     <a:p>
-                      <a:pPr algn="ctr" fontAlgn="b"/>
+                      <a:pPr algn="r" fontAlgn="b"/>
                       <a:r>
                         <a:rPr lang="en-IN" sz="1000" b="0" i="0" u="none" strike="noStrike">
                           <a:solidFill>
@@ -24711,7 +24670,7 @@
                     <a:bodyPr/>
                     <a:lstStyle/>
                     <a:p>
-                      <a:pPr algn="ctr" fontAlgn="b"/>
+                      <a:pPr algn="r" fontAlgn="b"/>
                       <a:r>
                         <a:rPr lang="en-IN" sz="1000" b="0" i="0" u="none" strike="noStrike">
                           <a:solidFill>
@@ -24762,7 +24721,7 @@
                     <a:bodyPr/>
                     <a:lstStyle/>
                     <a:p>
-                      <a:pPr algn="ctr" fontAlgn="b"/>
+                      <a:pPr algn="r" fontAlgn="b"/>
                       <a:r>
                         <a:rPr lang="en-IN" sz="1000" b="0" i="0" u="none" strike="noStrike" dirty="0">
                           <a:solidFill>
@@ -24813,7 +24772,7 @@
                     <a:bodyPr/>
                     <a:lstStyle/>
                     <a:p>
-                      <a:pPr algn="ctr" fontAlgn="b"/>
+                      <a:pPr algn="r" fontAlgn="b"/>
                       <a:r>
                         <a:rPr lang="en-IN" sz="1000" b="0" i="0" u="none" strike="noStrike">
                           <a:solidFill>
@@ -24858,7 +24817,7 @@
                     <a:bodyPr/>
                     <a:lstStyle/>
                     <a:p>
-                      <a:pPr algn="ctr" fontAlgn="b"/>
+                      <a:pPr algn="r" fontAlgn="b"/>
                       <a:r>
                         <a:rPr lang="en-IN" sz="1000" b="0" i="0" u="none" strike="noStrike">
                           <a:solidFill>
@@ -24909,7 +24868,7 @@
                     <a:bodyPr/>
                     <a:lstStyle/>
                     <a:p>
-                      <a:pPr algn="ctr" fontAlgn="b"/>
+                      <a:pPr algn="r" fontAlgn="b"/>
                       <a:r>
                         <a:rPr lang="en-IN" sz="1000" b="0" i="0" u="none" strike="noStrike" dirty="0">
                           <a:solidFill>
@@ -24960,7 +24919,7 @@
                     <a:bodyPr/>
                     <a:lstStyle/>
                     <a:p>
-                      <a:pPr algn="ctr" fontAlgn="b"/>
+                      <a:pPr algn="r" fontAlgn="b"/>
                       <a:r>
                         <a:rPr lang="en-IN" sz="1000" b="0" i="0" u="none" strike="noStrike">
                           <a:solidFill>
@@ -25005,7 +24964,7 @@
                     <a:bodyPr/>
                     <a:lstStyle/>
                     <a:p>
-                      <a:pPr algn="ctr" fontAlgn="b"/>
+                      <a:pPr algn="r" fontAlgn="b"/>
                       <a:r>
                         <a:rPr lang="en-IN" sz="1000" b="0" i="0" u="none" strike="noStrike">
                           <a:solidFill>
@@ -25063,7 +25022,7 @@
                     <a:bodyPr/>
                     <a:lstStyle/>
                     <a:p>
-                      <a:pPr algn="ctr" fontAlgn="b"/>
+                      <a:pPr algn="r" fontAlgn="b"/>
                       <a:r>
                         <a:rPr lang="en-IN" sz="1000" b="0" i="0" u="none" strike="noStrike">
                           <a:solidFill>
@@ -25123,16 +25082,16 @@
                     <a:bodyPr/>
                     <a:lstStyle/>
                     <a:p>
-                      <a:pPr algn="ctr" fontAlgn="b"/>
-                      <a:r>
-                        <a:rPr lang="en-IN" sz="1000" b="0" i="0" u="none" strike="noStrike" dirty="0">
+                      <a:pPr algn="r" fontAlgn="b"/>
+                      <a:r>
+                        <a:rPr lang="en-IN" sz="1000" b="0" i="0" u="none" strike="noStrike">
                           <a:solidFill>
                             <a:srgbClr val="000000"/>
                           </a:solidFill>
                           <a:effectLst/>
                           <a:latin typeface="Calibri" panose="020F0502020204030204" pitchFamily="34" charset="0"/>
                         </a:rPr>
-                        <a:t>204,573</a:t>
+                        <a:t>204573</a:t>
                       </a:r>
                     </a:p>
                   </a:txBody>
@@ -25174,7 +25133,7 @@
                     <a:bodyPr/>
                     <a:lstStyle/>
                     <a:p>
-                      <a:pPr algn="ctr" fontAlgn="b"/>
+                      <a:pPr algn="r" fontAlgn="b"/>
                       <a:r>
                         <a:rPr lang="en-IN" sz="1000" b="0" i="0" u="none" strike="noStrike">
                           <a:solidFill>
@@ -25219,7 +25178,7 @@
                     <a:bodyPr/>
                     <a:lstStyle/>
                     <a:p>
-                      <a:pPr algn="ctr" fontAlgn="b"/>
+                      <a:pPr algn="r" fontAlgn="b"/>
                       <a:r>
                         <a:rPr lang="en-IN" sz="1000" b="0" i="0" u="none" strike="noStrike">
                           <a:solidFill>
@@ -25270,7 +25229,7 @@
                     <a:bodyPr/>
                     <a:lstStyle/>
                     <a:p>
-                      <a:pPr algn="ctr" fontAlgn="b"/>
+                      <a:pPr algn="r" fontAlgn="b"/>
                       <a:r>
                         <a:rPr lang="en-IN" sz="1000" b="0" i="0" u="none" strike="noStrike" dirty="0">
                           <a:solidFill>
@@ -25321,7 +25280,7 @@
                     <a:bodyPr/>
                     <a:lstStyle/>
                     <a:p>
-                      <a:pPr algn="ctr" fontAlgn="b"/>
+                      <a:pPr algn="r" fontAlgn="b"/>
                       <a:r>
                         <a:rPr lang="en-IN" sz="1000" b="0" i="0" u="none" strike="noStrike">
                           <a:solidFill>
@@ -25366,7 +25325,7 @@
                     <a:bodyPr/>
                     <a:lstStyle/>
                     <a:p>
-                      <a:pPr algn="ctr" fontAlgn="b"/>
+                      <a:pPr algn="r" fontAlgn="b"/>
                       <a:r>
                         <a:rPr lang="en-IN" sz="1000" b="0" i="0" u="none" strike="noStrike">
                           <a:solidFill>
@@ -25417,7 +25376,7 @@
                     <a:bodyPr/>
                     <a:lstStyle/>
                     <a:p>
-                      <a:pPr algn="ctr" fontAlgn="b"/>
+                      <a:pPr algn="r" fontAlgn="b"/>
                       <a:r>
                         <a:rPr lang="en-IN" sz="1000" b="0" i="0" u="none" strike="noStrike" dirty="0">
                           <a:solidFill>
@@ -25468,7 +25427,7 @@
                     <a:bodyPr/>
                     <a:lstStyle/>
                     <a:p>
-                      <a:pPr algn="ctr" fontAlgn="b"/>
+                      <a:pPr algn="r" fontAlgn="b"/>
                       <a:r>
                         <a:rPr lang="en-IN" sz="1000" b="0" i="0" u="none" strike="noStrike">
                           <a:solidFill>
@@ -25513,7 +25472,7 @@
                     <a:bodyPr/>
                     <a:lstStyle/>
                     <a:p>
-                      <a:pPr algn="ctr" fontAlgn="b"/>
+                      <a:pPr algn="r" fontAlgn="b"/>
                       <a:r>
                         <a:rPr lang="en-IN" sz="1000" b="0" i="0" u="none" strike="noStrike">
                           <a:solidFill>
@@ -25564,7 +25523,7 @@
                     <a:bodyPr/>
                     <a:lstStyle/>
                     <a:p>
-                      <a:pPr algn="ctr" fontAlgn="b"/>
+                      <a:pPr algn="r" fontAlgn="b"/>
                       <a:r>
                         <a:rPr lang="en-IN" sz="1000" b="0" i="0" u="none" strike="noStrike" dirty="0">
                           <a:solidFill>
@@ -25615,7 +25574,7 @@
                     <a:bodyPr/>
                     <a:lstStyle/>
                     <a:p>
-                      <a:pPr algn="ctr" fontAlgn="b"/>
+                      <a:pPr algn="r" fontAlgn="b"/>
                       <a:r>
                         <a:rPr lang="en-IN" sz="1000" b="0" i="0" u="none" strike="noStrike">
                           <a:solidFill>
@@ -25660,7 +25619,7 @@
                     <a:bodyPr/>
                     <a:lstStyle/>
                     <a:p>
-                      <a:pPr algn="ctr" fontAlgn="b"/>
+                      <a:pPr algn="r" fontAlgn="b"/>
                       <a:r>
                         <a:rPr lang="en-IN" sz="1000" b="0" i="0" u="none" strike="noStrike">
                           <a:solidFill>
@@ -25718,7 +25677,7 @@
                     <a:bodyPr/>
                     <a:lstStyle/>
                     <a:p>
-                      <a:pPr algn="ctr" fontAlgn="b"/>
+                      <a:pPr algn="r" fontAlgn="b"/>
                       <a:r>
                         <a:rPr lang="en-IN" sz="1000" b="0" i="0" u="none" strike="noStrike">
                           <a:solidFill>
@@ -25778,16 +25737,16 @@
                     <a:bodyPr/>
                     <a:lstStyle/>
                     <a:p>
-                      <a:pPr algn="ctr" fontAlgn="b"/>
-                      <a:r>
-                        <a:rPr lang="en-IN" sz="1000" b="0" i="0" u="none" strike="noStrike" dirty="0">
+                      <a:pPr algn="r" fontAlgn="b"/>
+                      <a:r>
+                        <a:rPr lang="en-IN" sz="1000" b="0" i="0" u="none" strike="noStrike">
                           <a:solidFill>
                             <a:srgbClr val="000000"/>
                           </a:solidFill>
                           <a:effectLst/>
                           <a:latin typeface="Calibri" panose="020F0502020204030204" pitchFamily="34" charset="0"/>
                         </a:rPr>
-                        <a:t>216,506</a:t>
+                        <a:t>216506</a:t>
                       </a:r>
                     </a:p>
                   </a:txBody>
@@ -25829,7 +25788,7 @@
                     <a:bodyPr/>
                     <a:lstStyle/>
                     <a:p>
-                      <a:pPr algn="ctr" fontAlgn="b"/>
+                      <a:pPr algn="r" fontAlgn="b"/>
                       <a:r>
                         <a:rPr lang="en-IN" sz="1000" b="0" i="0" u="none" strike="noStrike" dirty="0">
                           <a:solidFill>
@@ -25874,7 +25833,7 @@
                     <a:bodyPr/>
                     <a:lstStyle/>
                     <a:p>
-                      <a:pPr algn="ctr" fontAlgn="b"/>
+                      <a:pPr algn="r" fontAlgn="b"/>
                       <a:r>
                         <a:rPr lang="en-IN" sz="1000" b="0" i="0" u="none" strike="noStrike">
                           <a:solidFill>
@@ -25925,7 +25884,7 @@
                     <a:bodyPr/>
                     <a:lstStyle/>
                     <a:p>
-                      <a:pPr algn="ctr" fontAlgn="b"/>
+                      <a:pPr algn="r" fontAlgn="b"/>
                       <a:r>
                         <a:rPr lang="en-IN" sz="1000" b="0" i="0" u="none" strike="noStrike" dirty="0">
                           <a:solidFill>
@@ -25976,7 +25935,7 @@
                     <a:bodyPr/>
                     <a:lstStyle/>
                     <a:p>
-                      <a:pPr algn="ctr" fontAlgn="b"/>
+                      <a:pPr algn="r" fontAlgn="b"/>
                       <a:r>
                         <a:rPr lang="en-IN" sz="1000" b="0" i="0" u="none" strike="noStrike">
                           <a:solidFill>
@@ -26021,7 +25980,7 @@
                     <a:bodyPr/>
                     <a:lstStyle/>
                     <a:p>
-                      <a:pPr algn="ctr" fontAlgn="b"/>
+                      <a:pPr algn="r" fontAlgn="b"/>
                       <a:r>
                         <a:rPr lang="en-IN" sz="1000" b="0" i="0" u="none" strike="noStrike" dirty="0">
                           <a:solidFill>
@@ -26072,7 +26031,7 @@
                     <a:bodyPr/>
                     <a:lstStyle/>
                     <a:p>
-                      <a:pPr algn="ctr" fontAlgn="b"/>
+                      <a:pPr algn="r" fontAlgn="b"/>
                       <a:r>
                         <a:rPr lang="en-IN" sz="1000" b="0" i="0" u="none" strike="noStrike" dirty="0">
                           <a:solidFill>
@@ -26123,7 +26082,7 @@
                     <a:bodyPr/>
                     <a:lstStyle/>
                     <a:p>
-                      <a:pPr algn="ctr" fontAlgn="b"/>
+                      <a:pPr algn="r" fontAlgn="b"/>
                       <a:r>
                         <a:rPr lang="en-IN" sz="1000" b="0" i="0" u="none" strike="noStrike">
                           <a:solidFill>
@@ -26168,7 +26127,7 @@
                     <a:bodyPr/>
                     <a:lstStyle/>
                     <a:p>
-                      <a:pPr algn="ctr" fontAlgn="b"/>
+                      <a:pPr algn="r" fontAlgn="b"/>
                       <a:r>
                         <a:rPr lang="en-IN" sz="1000" b="0" i="0" u="none" strike="noStrike" dirty="0">
                           <a:solidFill>
@@ -26219,7 +26178,7 @@
                     <a:bodyPr/>
                     <a:lstStyle/>
                     <a:p>
-                      <a:pPr algn="ctr" fontAlgn="b"/>
+                      <a:pPr algn="r" fontAlgn="b"/>
                       <a:r>
                         <a:rPr lang="en-IN" sz="1000" b="0" i="0" u="none" strike="noStrike" dirty="0">
                           <a:solidFill>
@@ -26270,7 +26229,7 @@
                     <a:bodyPr/>
                     <a:lstStyle/>
                     <a:p>
-                      <a:pPr algn="ctr" fontAlgn="b"/>
+                      <a:pPr algn="r" fontAlgn="b"/>
                       <a:r>
                         <a:rPr lang="en-IN" sz="1000" b="0" i="0" u="none" strike="noStrike">
                           <a:solidFill>
@@ -26315,7 +26274,7 @@
                     <a:bodyPr/>
                     <a:lstStyle/>
                     <a:p>
-                      <a:pPr algn="ctr" fontAlgn="b"/>
+                      <a:pPr algn="r" fontAlgn="b"/>
                       <a:r>
                         <a:rPr lang="en-IN" sz="1000" b="0" i="0" u="none" strike="noStrike">
                           <a:solidFill>
@@ -26373,7 +26332,7 @@
                     <a:bodyPr/>
                     <a:lstStyle/>
                     <a:p>
-                      <a:pPr algn="ctr" fontAlgn="b"/>
+                      <a:pPr algn="r" fontAlgn="b"/>
                       <a:r>
                         <a:rPr lang="en-IN" sz="1000" b="0" i="0" u="none" strike="noStrike">
                           <a:solidFill>
@@ -26433,16 +26392,16 @@
                     <a:bodyPr/>
                     <a:lstStyle/>
                     <a:p>
-                      <a:pPr algn="ctr" fontAlgn="b"/>
-                      <a:r>
-                        <a:rPr lang="en-IN" sz="1000" b="0" i="0" u="none" strike="noStrike" dirty="0">
+                      <a:pPr algn="r" fontAlgn="b"/>
+                      <a:r>
+                        <a:rPr lang="en-IN" sz="1000" b="0" i="0" u="none" strike="noStrike">
                           <a:solidFill>
                             <a:srgbClr val="000000"/>
                           </a:solidFill>
                           <a:effectLst/>
                           <a:latin typeface="Calibri" panose="020F0502020204030204" pitchFamily="34" charset="0"/>
                         </a:rPr>
-                        <a:t>228,384</a:t>
+                        <a:t>228384</a:t>
                       </a:r>
                     </a:p>
                   </a:txBody>
@@ -26484,7 +26443,7 @@
                     <a:bodyPr/>
                     <a:lstStyle/>
                     <a:p>
-                      <a:pPr algn="ctr" fontAlgn="b"/>
+                      <a:pPr algn="r" fontAlgn="b"/>
                       <a:r>
                         <a:rPr lang="en-IN" sz="1000" b="0" i="0" u="none" strike="noStrike" dirty="0">
                           <a:solidFill>
@@ -26529,7 +26488,7 @@
                     <a:bodyPr/>
                     <a:lstStyle/>
                     <a:p>
-                      <a:pPr algn="ctr" fontAlgn="b"/>
+                      <a:pPr algn="r" fontAlgn="b"/>
                       <a:r>
                         <a:rPr lang="en-IN" sz="1000" b="0" i="0" u="none" strike="noStrike">
                           <a:solidFill>
@@ -26580,7 +26539,7 @@
                     <a:bodyPr/>
                     <a:lstStyle/>
                     <a:p>
-                      <a:pPr algn="ctr" fontAlgn="b"/>
+                      <a:pPr algn="r" fontAlgn="b"/>
                       <a:r>
                         <a:rPr lang="en-IN" sz="1000" b="0" i="0" u="none" strike="noStrike" dirty="0">
                           <a:solidFill>
@@ -26631,7 +26590,7 @@
                     <a:bodyPr/>
                     <a:lstStyle/>
                     <a:p>
-                      <a:pPr algn="ctr" fontAlgn="b"/>
+                      <a:pPr algn="r" fontAlgn="b"/>
                       <a:r>
                         <a:rPr lang="en-IN" sz="1000" b="0" i="0" u="none" strike="noStrike">
                           <a:solidFill>
@@ -26676,7 +26635,7 @@
                     <a:bodyPr/>
                     <a:lstStyle/>
                     <a:p>
-                      <a:pPr algn="ctr" fontAlgn="b"/>
+                      <a:pPr algn="r" fontAlgn="b"/>
                       <a:r>
                         <a:rPr lang="en-IN" sz="1000" b="0" i="0" u="none" strike="noStrike" dirty="0">
                           <a:solidFill>
@@ -26727,7 +26686,7 @@
                     <a:bodyPr/>
                     <a:lstStyle/>
                     <a:p>
-                      <a:pPr algn="ctr" fontAlgn="b"/>
+                      <a:pPr algn="r" fontAlgn="b"/>
                       <a:r>
                         <a:rPr lang="en-IN" sz="1000" b="0" i="0" u="none" strike="noStrike" dirty="0">
                           <a:solidFill>
@@ -26778,7 +26737,7 @@
                     <a:bodyPr/>
                     <a:lstStyle/>
                     <a:p>
-                      <a:pPr algn="ctr" fontAlgn="b"/>
+                      <a:pPr algn="r" fontAlgn="b"/>
                       <a:r>
                         <a:rPr lang="en-IN" sz="1000" b="0" i="0" u="none" strike="noStrike">
                           <a:solidFill>
@@ -26823,7 +26782,7 @@
                     <a:bodyPr/>
                     <a:lstStyle/>
                     <a:p>
-                      <a:pPr algn="ctr" fontAlgn="b"/>
+                      <a:pPr algn="r" fontAlgn="b"/>
                       <a:r>
                         <a:rPr lang="en-IN" sz="1000" b="0" i="0" u="none" strike="noStrike">
                           <a:solidFill>
@@ -26874,7 +26833,7 @@
                     <a:bodyPr/>
                     <a:lstStyle/>
                     <a:p>
-                      <a:pPr algn="ctr" fontAlgn="b"/>
+                      <a:pPr algn="r" fontAlgn="b"/>
                       <a:r>
                         <a:rPr lang="en-IN" sz="1000" b="0" i="0" u="none" strike="noStrike" dirty="0">
                           <a:solidFill>
@@ -26925,7 +26884,7 @@
                     <a:bodyPr/>
                     <a:lstStyle/>
                     <a:p>
-                      <a:pPr algn="ctr" fontAlgn="b"/>
+                      <a:pPr algn="r" fontAlgn="b"/>
                       <a:r>
                         <a:rPr lang="en-IN" sz="1000" b="0" i="0" u="none" strike="noStrike">
                           <a:solidFill>
@@ -26970,7 +26929,7 @@
                     <a:bodyPr/>
                     <a:lstStyle/>
                     <a:p>
-                      <a:pPr algn="ctr" fontAlgn="b"/>
+                      <a:pPr algn="r" fontAlgn="b"/>
                       <a:r>
                         <a:rPr lang="en-IN" sz="1000" b="0" i="0" u="none" strike="noStrike">
                           <a:solidFill>
@@ -27028,7 +26987,7 @@
                     <a:bodyPr/>
                     <a:lstStyle/>
                     <a:p>
-                      <a:pPr algn="ctr" fontAlgn="b"/>
+                      <a:pPr algn="r" fontAlgn="b"/>
                       <a:r>
                         <a:rPr lang="en-IN" sz="1000" b="0" i="0" u="none" strike="noStrike">
                           <a:solidFill>
@@ -27085,16 +27044,16 @@
                     <a:bodyPr/>
                     <a:lstStyle/>
                     <a:p>
-                      <a:pPr algn="ctr" fontAlgn="b"/>
-                      <a:r>
-                        <a:rPr lang="en-IN" sz="1000" b="0" i="0" u="none" strike="noStrike" dirty="0">
+                      <a:pPr algn="r" fontAlgn="b"/>
+                      <a:r>
+                        <a:rPr lang="en-IN" sz="1000" b="0" i="0" u="none" strike="noStrike">
                           <a:solidFill>
                             <a:srgbClr val="000000"/>
                           </a:solidFill>
                           <a:effectLst/>
                           <a:latin typeface="Calibri" panose="020F0502020204030204" pitchFamily="34" charset="0"/>
                         </a:rPr>
-                        <a:t>240,891</a:t>
+                        <a:t>240891</a:t>
                       </a:r>
                     </a:p>
                   </a:txBody>
@@ -27136,7 +27095,7 @@
                     <a:bodyPr/>
                     <a:lstStyle/>
                     <a:p>
-                      <a:pPr algn="ctr" fontAlgn="b"/>
+                      <a:pPr algn="r" fontAlgn="b"/>
                       <a:r>
                         <a:rPr lang="en-IN" sz="1000" b="0" i="0" u="none" strike="noStrike" dirty="0">
                           <a:solidFill>
@@ -27181,7 +27140,7 @@
                     <a:bodyPr/>
                     <a:lstStyle/>
                     <a:p>
-                      <a:pPr algn="ctr" fontAlgn="b"/>
+                      <a:pPr algn="r" fontAlgn="b"/>
                       <a:r>
                         <a:rPr lang="en-IN" sz="1000" b="0" i="0" u="none" strike="noStrike">
                           <a:solidFill>
@@ -27232,7 +27191,7 @@
                     <a:bodyPr/>
                     <a:lstStyle/>
                     <a:p>
-                      <a:pPr algn="ctr" fontAlgn="b"/>
+                      <a:pPr algn="r" fontAlgn="b"/>
                       <a:r>
                         <a:rPr lang="en-IN" sz="1000" b="0" i="0" u="none" strike="noStrike" dirty="0">
                           <a:solidFill>
@@ -27283,7 +27242,7 @@
                     <a:bodyPr/>
                     <a:lstStyle/>
                     <a:p>
-                      <a:pPr algn="ctr" fontAlgn="b"/>
+                      <a:pPr algn="r" fontAlgn="b"/>
                       <a:r>
                         <a:rPr lang="en-IN" sz="1000" b="0" i="0" u="none" strike="noStrike">
                           <a:solidFill>
@@ -27328,7 +27287,7 @@
                     <a:bodyPr/>
                     <a:lstStyle/>
                     <a:p>
-                      <a:pPr algn="ctr" fontAlgn="b"/>
+                      <a:pPr algn="r" fontAlgn="b"/>
                       <a:r>
                         <a:rPr lang="en-IN" sz="1000" b="0" i="0" u="none" strike="noStrike" dirty="0">
                           <a:solidFill>
@@ -27379,7 +27338,7 @@
                     <a:bodyPr/>
                     <a:lstStyle/>
                     <a:p>
-                      <a:pPr algn="ctr" fontAlgn="b"/>
+                      <a:pPr algn="r" fontAlgn="b"/>
                       <a:r>
                         <a:rPr lang="en-IN" sz="1000" b="0" i="0" u="none" strike="noStrike" dirty="0">
                           <a:solidFill>
@@ -27430,7 +27389,7 @@
                     <a:bodyPr/>
                     <a:lstStyle/>
                     <a:p>
-                      <a:pPr algn="ctr" fontAlgn="b"/>
+                      <a:pPr algn="r" fontAlgn="b"/>
                       <a:r>
                         <a:rPr lang="en-IN" sz="1000" b="0" i="0" u="none" strike="noStrike">
                           <a:solidFill>
@@ -27475,7 +27434,7 @@
                     <a:bodyPr/>
                     <a:lstStyle/>
                     <a:p>
-                      <a:pPr algn="ctr" fontAlgn="b"/>
+                      <a:pPr algn="r" fontAlgn="b"/>
                       <a:r>
                         <a:rPr lang="en-IN" sz="1000" b="0" i="0" u="none" strike="noStrike" dirty="0">
                           <a:solidFill>
@@ -27526,7 +27485,7 @@
                     <a:bodyPr/>
                     <a:lstStyle/>
                     <a:p>
-                      <a:pPr algn="ctr" fontAlgn="b"/>
+                      <a:pPr algn="r" fontAlgn="b"/>
                       <a:r>
                         <a:rPr lang="en-IN" sz="1000" b="0" i="0" u="none" strike="noStrike" dirty="0">
                           <a:solidFill>
@@ -27577,7 +27536,7 @@
                     <a:bodyPr/>
                     <a:lstStyle/>
                     <a:p>
-                      <a:pPr algn="ctr" fontAlgn="b"/>
+                      <a:pPr algn="r" fontAlgn="b"/>
                       <a:r>
                         <a:rPr lang="en-IN" sz="1000" b="0" i="0" u="none" strike="noStrike">
                           <a:solidFill>
@@ -27622,7 +27581,7 @@
                     <a:bodyPr/>
                     <a:lstStyle/>
                     <a:p>
-                      <a:pPr algn="ctr" fontAlgn="b"/>
+                      <a:pPr algn="r" fontAlgn="b"/>
                       <a:r>
                         <a:rPr lang="en-IN" sz="1000" b="0" i="0" u="none" strike="noStrike">
                           <a:solidFill>
@@ -27680,7 +27639,7 @@
                     <a:bodyPr/>
                     <a:lstStyle/>
                     <a:p>
-                      <a:pPr algn="ctr" fontAlgn="b"/>
+                      <a:pPr algn="r" fontAlgn="b"/>
                       <a:r>
                         <a:rPr lang="en-IN" sz="1000" b="0" i="0" u="none" strike="noStrike">
                           <a:solidFill>
@@ -27737,16 +27696,16 @@
                     <a:bodyPr/>
                     <a:lstStyle/>
                     <a:p>
-                      <a:pPr algn="ctr" fontAlgn="b"/>
-                      <a:r>
-                        <a:rPr lang="en-IN" sz="1000" b="0" i="0" u="none" strike="noStrike" dirty="0">
+                      <a:pPr algn="r" fontAlgn="b"/>
+                      <a:r>
+                        <a:rPr lang="en-IN" sz="1000" b="0" i="0" u="none" strike="noStrike">
                           <a:solidFill>
                             <a:srgbClr val="000000"/>
                           </a:solidFill>
                           <a:effectLst/>
                           <a:latin typeface="Calibri" panose="020F0502020204030204" pitchFamily="34" charset="0"/>
                         </a:rPr>
-                        <a:t>254,848</a:t>
+                        <a:t>254848</a:t>
                       </a:r>
                     </a:p>
                   </a:txBody>
@@ -27788,7 +27747,7 @@
                     <a:bodyPr/>
                     <a:lstStyle/>
                     <a:p>
-                      <a:pPr algn="ctr" fontAlgn="b"/>
+                      <a:pPr algn="r" fontAlgn="b"/>
                       <a:r>
                         <a:rPr lang="en-IN" sz="1000" b="0" i="0" u="none" strike="noStrike" dirty="0">
                           <a:solidFill>
@@ -27833,7 +27792,7 @@
                     <a:bodyPr/>
                     <a:lstStyle/>
                     <a:p>
-                      <a:pPr algn="ctr" fontAlgn="b"/>
+                      <a:pPr algn="r" fontAlgn="b"/>
                       <a:r>
                         <a:rPr lang="en-IN" sz="1000" b="0" i="0" u="none" strike="noStrike" dirty="0">
                           <a:solidFill>
@@ -27884,7 +27843,7 @@
                     <a:bodyPr/>
                     <a:lstStyle/>
                     <a:p>
-                      <a:pPr algn="ctr" fontAlgn="b"/>
+                      <a:pPr algn="r" fontAlgn="b"/>
                       <a:r>
                         <a:rPr lang="en-IN" sz="1000" b="0" i="0" u="none" strike="noStrike" dirty="0">
                           <a:solidFill>
@@ -27935,7 +27894,7 @@
                     <a:bodyPr/>
                     <a:lstStyle/>
                     <a:p>
-                      <a:pPr algn="ctr" fontAlgn="b"/>
+                      <a:pPr algn="r" fontAlgn="b"/>
                       <a:r>
                         <a:rPr lang="en-IN" sz="1000" b="0" i="0" u="none" strike="noStrike">
                           <a:solidFill>
@@ -27980,7 +27939,7 @@
                     <a:bodyPr/>
                     <a:lstStyle/>
                     <a:p>
-                      <a:pPr algn="ctr" fontAlgn="b"/>
+                      <a:pPr algn="r" fontAlgn="b"/>
                       <a:r>
                         <a:rPr lang="en-IN" sz="1000" b="0" i="0" u="none" strike="noStrike" dirty="0">
                           <a:solidFill>
@@ -28031,7 +27990,7 @@
                     <a:bodyPr/>
                     <a:lstStyle/>
                     <a:p>
-                      <a:pPr algn="ctr" fontAlgn="b"/>
+                      <a:pPr algn="r" fontAlgn="b"/>
                       <a:r>
                         <a:rPr lang="en-IN" sz="1000" b="0" i="0" u="none" strike="noStrike" dirty="0">
                           <a:solidFill>
@@ -28082,7 +28041,7 @@
                     <a:bodyPr/>
                     <a:lstStyle/>
                     <a:p>
-                      <a:pPr algn="ctr" fontAlgn="b"/>
+                      <a:pPr algn="r" fontAlgn="b"/>
                       <a:r>
                         <a:rPr lang="en-IN" sz="1000" b="0" i="0" u="none" strike="noStrike">
                           <a:solidFill>
@@ -28127,7 +28086,7 @@
                     <a:bodyPr/>
                     <a:lstStyle/>
                     <a:p>
-                      <a:pPr algn="ctr" fontAlgn="b"/>
+                      <a:pPr algn="r" fontAlgn="b"/>
                       <a:r>
                         <a:rPr lang="en-IN" sz="1000" b="0" i="0" u="none" strike="noStrike" dirty="0">
                           <a:solidFill>
@@ -28178,7 +28137,7 @@
                     <a:bodyPr/>
                     <a:lstStyle/>
                     <a:p>
-                      <a:pPr algn="ctr" fontAlgn="b"/>
+                      <a:pPr algn="r" fontAlgn="b"/>
                       <a:r>
                         <a:rPr lang="en-IN" sz="1000" b="0" i="0" u="none" strike="noStrike" dirty="0">
                           <a:solidFill>
@@ -28229,7 +28188,7 @@
                     <a:bodyPr/>
                     <a:lstStyle/>
                     <a:p>
-                      <a:pPr algn="ctr" fontAlgn="b"/>
+                      <a:pPr algn="r" fontAlgn="b"/>
                       <a:r>
                         <a:rPr lang="en-IN" sz="1000" b="0" i="0" u="none" strike="noStrike">
                           <a:solidFill>
@@ -28274,7 +28233,7 @@
                     <a:bodyPr/>
                     <a:lstStyle/>
                     <a:p>
-                      <a:pPr algn="ctr" fontAlgn="b"/>
+                      <a:pPr algn="r" fontAlgn="b"/>
                       <a:r>
                         <a:rPr lang="en-IN" sz="1000" b="0" i="0" u="none" strike="noStrike">
                           <a:solidFill>
@@ -28332,7 +28291,7 @@
                     <a:bodyPr/>
                     <a:lstStyle/>
                     <a:p>
-                      <a:pPr algn="ctr" fontAlgn="b"/>
+                      <a:pPr algn="r" fontAlgn="b"/>
                       <a:r>
                         <a:rPr lang="en-IN" sz="1000" b="0" i="0" u="none" strike="noStrike">
                           <a:solidFill>
@@ -28389,16 +28348,16 @@
                     <a:bodyPr/>
                     <a:lstStyle/>
                     <a:p>
-                      <a:pPr algn="ctr" fontAlgn="b"/>
-                      <a:r>
-                        <a:rPr lang="en-IN" sz="1000" b="0" i="0" u="none" strike="noStrike" dirty="0">
+                      <a:pPr algn="r" fontAlgn="b"/>
+                      <a:r>
+                        <a:rPr lang="en-IN" sz="1000" b="0" i="0" u="none" strike="noStrike">
                           <a:solidFill>
                             <a:srgbClr val="000000"/>
                           </a:solidFill>
                           <a:effectLst/>
                           <a:latin typeface="Calibri" panose="020F0502020204030204" pitchFamily="34" charset="0"/>
                         </a:rPr>
-                        <a:t>271,002</a:t>
+                        <a:t>271002</a:t>
                       </a:r>
                     </a:p>
                   </a:txBody>
@@ -28440,7 +28399,7 @@
                     <a:bodyPr/>
                     <a:lstStyle/>
                     <a:p>
-                      <a:pPr algn="ctr" fontAlgn="b"/>
+                      <a:pPr algn="r" fontAlgn="b"/>
                       <a:r>
                         <a:rPr lang="en-IN" sz="1000" b="0" i="0" u="none" strike="noStrike">
                           <a:solidFill>
@@ -28485,7 +28444,7 @@
                     <a:bodyPr/>
                     <a:lstStyle/>
                     <a:p>
-                      <a:pPr algn="ctr" fontAlgn="b"/>
+                      <a:pPr algn="r" fontAlgn="b"/>
                       <a:r>
                         <a:rPr lang="en-IN" sz="1000" b="0" i="0" u="none" strike="noStrike" dirty="0">
                           <a:solidFill>
@@ -28536,7 +28495,7 @@
                     <a:bodyPr/>
                     <a:lstStyle/>
                     <a:p>
-                      <a:pPr algn="ctr" fontAlgn="b"/>
+                      <a:pPr algn="r" fontAlgn="b"/>
                       <a:r>
                         <a:rPr lang="en-IN" sz="1000" b="0" i="0" u="none" strike="noStrike" dirty="0">
                           <a:solidFill>
@@ -28587,7 +28546,7 @@
                     <a:bodyPr/>
                     <a:lstStyle/>
                     <a:p>
-                      <a:pPr algn="ctr" fontAlgn="b"/>
+                      <a:pPr algn="r" fontAlgn="b"/>
                       <a:r>
                         <a:rPr lang="en-IN" sz="1000" b="0" i="0" u="none" strike="noStrike">
                           <a:solidFill>
@@ -28632,7 +28591,7 @@
                     <a:bodyPr/>
                     <a:lstStyle/>
                     <a:p>
-                      <a:pPr algn="ctr" fontAlgn="b"/>
+                      <a:pPr algn="r" fontAlgn="b"/>
                       <a:r>
                         <a:rPr lang="en-IN" sz="1000" b="0" i="0" u="none" strike="noStrike" dirty="0">
                           <a:solidFill>
@@ -28683,7 +28642,7 @@
                     <a:bodyPr/>
                     <a:lstStyle/>
                     <a:p>
-                      <a:pPr algn="ctr" fontAlgn="b"/>
+                      <a:pPr algn="r" fontAlgn="b"/>
                       <a:r>
                         <a:rPr lang="en-IN" sz="1000" b="0" i="0" u="none" strike="noStrike" dirty="0">
                           <a:solidFill>
@@ -28734,7 +28693,7 @@
                     <a:bodyPr/>
                     <a:lstStyle/>
                     <a:p>
-                      <a:pPr algn="ctr" fontAlgn="b"/>
+                      <a:pPr algn="r" fontAlgn="b"/>
                       <a:r>
                         <a:rPr lang="en-IN" sz="1000" b="0" i="0" u="none" strike="noStrike">
                           <a:solidFill>
@@ -28779,7 +28738,7 @@
                     <a:bodyPr/>
                     <a:lstStyle/>
                     <a:p>
-                      <a:pPr algn="ctr" fontAlgn="b"/>
+                      <a:pPr algn="r" fontAlgn="b"/>
                       <a:r>
                         <a:rPr lang="en-IN" sz="1000" b="0" i="0" u="none" strike="noStrike" dirty="0">
                           <a:solidFill>
@@ -28830,7 +28789,7 @@
                     <a:bodyPr/>
                     <a:lstStyle/>
                     <a:p>
-                      <a:pPr algn="ctr" fontAlgn="b"/>
+                      <a:pPr algn="r" fontAlgn="b"/>
                       <a:r>
                         <a:rPr lang="en-IN" sz="1000" b="0" i="0" u="none" strike="noStrike" dirty="0">
                           <a:solidFill>
@@ -28881,7 +28840,7 @@
                     <a:bodyPr/>
                     <a:lstStyle/>
                     <a:p>
-                      <a:pPr algn="ctr" fontAlgn="b"/>
+                      <a:pPr algn="r" fontAlgn="b"/>
                       <a:r>
                         <a:rPr lang="en-IN" sz="1000" b="0" i="0" u="none" strike="noStrike">
                           <a:solidFill>
@@ -28926,7 +28885,7 @@
                     <a:bodyPr/>
                     <a:lstStyle/>
                     <a:p>
-                      <a:pPr algn="ctr" fontAlgn="b"/>
+                      <a:pPr algn="r" fontAlgn="b"/>
                       <a:r>
                         <a:rPr lang="en-IN" sz="1000" b="0" i="0" u="none" strike="noStrike">
                           <a:solidFill>
@@ -28984,7 +28943,7 @@
                     <a:bodyPr/>
                     <a:lstStyle/>
                     <a:p>
-                      <a:pPr algn="ctr" fontAlgn="b"/>
+                      <a:pPr algn="r" fontAlgn="b"/>
                       <a:r>
                         <a:rPr lang="en-IN" sz="1000" b="0" i="0" u="none" strike="noStrike">
                           <a:solidFill>
@@ -29041,16 +29000,16 @@
                     <a:bodyPr/>
                     <a:lstStyle/>
                     <a:p>
-                      <a:pPr algn="ctr" fontAlgn="b"/>
-                      <a:r>
-                        <a:rPr lang="en-IN" sz="1000" b="0" i="0" u="none" strike="noStrike" dirty="0">
+                      <a:pPr algn="r" fontAlgn="b"/>
+                      <a:r>
+                        <a:rPr lang="en-IN" sz="1000" b="0" i="0" u="none" strike="noStrike">
                           <a:solidFill>
                             <a:srgbClr val="000000"/>
                           </a:solidFill>
                           <a:effectLst/>
                           <a:latin typeface="Calibri" panose="020F0502020204030204" pitchFamily="34" charset="0"/>
                         </a:rPr>
-                        <a:t>290,154</a:t>
+                        <a:t>290154</a:t>
                       </a:r>
                     </a:p>
                   </a:txBody>
@@ -29092,7 +29051,7 @@
                     <a:bodyPr/>
                     <a:lstStyle/>
                     <a:p>
-                      <a:pPr algn="ctr" fontAlgn="b"/>
+                      <a:pPr algn="r" fontAlgn="b"/>
                       <a:r>
                         <a:rPr lang="en-IN" sz="1000" b="0" i="0" u="none" strike="noStrike">
                           <a:solidFill>
@@ -29137,7 +29096,7 @@
                     <a:bodyPr/>
                     <a:lstStyle/>
                     <a:p>
-                      <a:pPr algn="ctr" fontAlgn="b"/>
+                      <a:pPr algn="r" fontAlgn="b"/>
                       <a:r>
                         <a:rPr lang="en-IN" sz="1000" b="0" i="0" u="none" strike="noStrike" dirty="0">
                           <a:solidFill>
@@ -29188,7 +29147,7 @@
                     <a:bodyPr/>
                     <a:lstStyle/>
                     <a:p>
-                      <a:pPr algn="ctr" fontAlgn="b"/>
+                      <a:pPr algn="r" fontAlgn="b"/>
                       <a:r>
                         <a:rPr lang="en-IN" sz="1000" b="0" i="0" u="none" strike="noStrike" dirty="0">
                           <a:solidFill>
@@ -29239,7 +29198,7 @@
                     <a:bodyPr/>
                     <a:lstStyle/>
                     <a:p>
-                      <a:pPr algn="ctr" fontAlgn="b"/>
+                      <a:pPr algn="r" fontAlgn="b"/>
                       <a:r>
                         <a:rPr lang="en-IN" sz="1000" b="0" i="0" u="none" strike="noStrike">
                           <a:solidFill>
@@ -29284,7 +29243,7 @@
                     <a:bodyPr/>
                     <a:lstStyle/>
                     <a:p>
-                      <a:pPr algn="ctr" fontAlgn="b"/>
+                      <a:pPr algn="r" fontAlgn="b"/>
                       <a:r>
                         <a:rPr lang="en-IN" sz="1000" b="0" i="0" u="none" strike="noStrike" dirty="0">
                           <a:solidFill>
@@ -29335,7 +29294,7 @@
                     <a:bodyPr/>
                     <a:lstStyle/>
                     <a:p>
-                      <a:pPr algn="ctr" fontAlgn="b"/>
+                      <a:pPr algn="r" fontAlgn="b"/>
                       <a:r>
                         <a:rPr lang="en-IN" sz="1000" b="0" i="0" u="none" strike="noStrike" dirty="0">
                           <a:solidFill>
@@ -29386,7 +29345,7 @@
                     <a:bodyPr/>
                     <a:lstStyle/>
                     <a:p>
-                      <a:pPr algn="ctr" fontAlgn="b"/>
+                      <a:pPr algn="r" fontAlgn="b"/>
                       <a:r>
                         <a:rPr lang="en-IN" sz="1000" b="0" i="0" u="none" strike="noStrike">
                           <a:solidFill>
@@ -29431,7 +29390,7 @@
                     <a:bodyPr/>
                     <a:lstStyle/>
                     <a:p>
-                      <a:pPr algn="ctr" fontAlgn="b"/>
+                      <a:pPr algn="r" fontAlgn="b"/>
                       <a:r>
                         <a:rPr lang="en-IN" sz="1000" b="0" i="0" u="none" strike="noStrike" dirty="0">
                           <a:solidFill>
@@ -29482,7 +29441,7 @@
                     <a:bodyPr/>
                     <a:lstStyle/>
                     <a:p>
-                      <a:pPr algn="ctr" fontAlgn="b"/>
+                      <a:pPr algn="r" fontAlgn="b"/>
                       <a:r>
                         <a:rPr lang="en-IN" sz="1000" b="0" i="0" u="none" strike="noStrike" dirty="0">
                           <a:solidFill>
@@ -29533,7 +29492,7 @@
                     <a:bodyPr/>
                     <a:lstStyle/>
                     <a:p>
-                      <a:pPr algn="ctr" fontAlgn="b"/>
+                      <a:pPr algn="r" fontAlgn="b"/>
                       <a:r>
                         <a:rPr lang="en-IN" sz="1000" b="0" i="0" u="none" strike="noStrike">
                           <a:solidFill>
@@ -29578,7 +29537,7 @@
                     <a:bodyPr/>
                     <a:lstStyle/>
                     <a:p>
-                      <a:pPr algn="ctr" fontAlgn="b"/>
+                      <a:pPr algn="r" fontAlgn="b"/>
                       <a:r>
                         <a:rPr lang="en-IN" sz="1000" b="0" i="0" u="none" strike="noStrike">
                           <a:solidFill>
@@ -29636,7 +29595,7 @@
                     <a:bodyPr/>
                     <a:lstStyle/>
                     <a:p>
-                      <a:pPr algn="ctr" fontAlgn="b"/>
+                      <a:pPr algn="r" fontAlgn="b"/>
                       <a:r>
                         <a:rPr lang="en-IN" sz="1000" b="0" i="0" u="none" strike="noStrike">
                           <a:solidFill>
@@ -29693,16 +29652,16 @@
                     <a:bodyPr/>
                     <a:lstStyle/>
                     <a:p>
-                      <a:pPr algn="ctr" fontAlgn="b"/>
-                      <a:r>
-                        <a:rPr lang="en-IN" sz="1000" b="0" i="0" u="none" strike="noStrike" dirty="0">
+                      <a:pPr algn="r" fontAlgn="b"/>
+                      <a:r>
+                        <a:rPr lang="en-IN" sz="1000" b="0" i="0" u="none" strike="noStrike">
                           <a:solidFill>
                             <a:srgbClr val="000000"/>
                           </a:solidFill>
                           <a:effectLst/>
                           <a:latin typeface="Calibri" panose="020F0502020204030204" pitchFamily="34" charset="0"/>
                         </a:rPr>
-                        <a:t>308,200</a:t>
+                        <a:t>308200</a:t>
                       </a:r>
                     </a:p>
                   </a:txBody>
@@ -29744,7 +29703,7 @@
                     <a:bodyPr/>
                     <a:lstStyle/>
                     <a:p>
-                      <a:pPr algn="ctr" fontAlgn="b"/>
+                      <a:pPr algn="r" fontAlgn="b"/>
                       <a:r>
                         <a:rPr lang="en-IN" sz="1000" b="0" i="0" u="none" strike="noStrike">
                           <a:solidFill>
@@ -29789,7 +29748,7 @@
                     <a:bodyPr/>
                     <a:lstStyle/>
                     <a:p>
-                      <a:pPr algn="ctr" fontAlgn="b"/>
+                      <a:pPr algn="r" fontAlgn="b"/>
                       <a:r>
                         <a:rPr lang="en-IN" sz="1000" b="0" i="0" u="none" strike="noStrike" dirty="0">
                           <a:solidFill>
@@ -29840,7 +29799,7 @@
                     <a:bodyPr/>
                     <a:lstStyle/>
                     <a:p>
-                      <a:pPr algn="ctr" fontAlgn="b"/>
+                      <a:pPr algn="r" fontAlgn="b"/>
                       <a:r>
                         <a:rPr lang="en-IN" sz="1000" b="0" i="0" u="none" strike="noStrike" dirty="0">
                           <a:solidFill>
@@ -29891,7 +29850,7 @@
                     <a:bodyPr/>
                     <a:lstStyle/>
                     <a:p>
-                      <a:pPr algn="ctr" fontAlgn="b"/>
+                      <a:pPr algn="r" fontAlgn="b"/>
                       <a:r>
                         <a:rPr lang="en-IN" sz="1000" b="0" i="0" u="none" strike="noStrike">
                           <a:solidFill>
@@ -29936,7 +29895,7 @@
                     <a:bodyPr/>
                     <a:lstStyle/>
                     <a:p>
-                      <a:pPr algn="ctr" fontAlgn="b"/>
+                      <a:pPr algn="r" fontAlgn="b"/>
                       <a:r>
                         <a:rPr lang="en-IN" sz="1000" b="0" i="0" u="none" strike="noStrike" dirty="0">
                           <a:solidFill>
@@ -29987,7 +29946,7 @@
                     <a:bodyPr/>
                     <a:lstStyle/>
                     <a:p>
-                      <a:pPr algn="ctr" fontAlgn="b"/>
+                      <a:pPr algn="r" fontAlgn="b"/>
                       <a:r>
                         <a:rPr lang="en-IN" sz="1000" b="0" i="0" u="none" strike="noStrike" dirty="0">
                           <a:solidFill>
@@ -30038,7 +29997,7 @@
                     <a:bodyPr/>
                     <a:lstStyle/>
                     <a:p>
-                      <a:pPr algn="ctr" fontAlgn="b"/>
+                      <a:pPr algn="r" fontAlgn="b"/>
                       <a:r>
                         <a:rPr lang="en-IN" sz="1000" b="0" i="0" u="none" strike="noStrike">
                           <a:solidFill>
@@ -30083,7 +30042,7 @@
                     <a:bodyPr/>
                     <a:lstStyle/>
                     <a:p>
-                      <a:pPr algn="ctr" fontAlgn="b"/>
+                      <a:pPr algn="r" fontAlgn="b"/>
                       <a:r>
                         <a:rPr lang="en-IN" sz="1000" b="0" i="0" u="none" strike="noStrike" dirty="0">
                           <a:solidFill>
@@ -30134,7 +30093,7 @@
                     <a:bodyPr/>
                     <a:lstStyle/>
                     <a:p>
-                      <a:pPr algn="ctr" fontAlgn="b"/>
+                      <a:pPr algn="r" fontAlgn="b"/>
                       <a:r>
                         <a:rPr lang="en-IN" sz="1000" b="0" i="0" u="none" strike="noStrike" dirty="0">
                           <a:solidFill>
@@ -30185,7 +30144,7 @@
                     <a:bodyPr/>
                     <a:lstStyle/>
                     <a:p>
-                      <a:pPr algn="ctr" fontAlgn="b"/>
+                      <a:pPr algn="r" fontAlgn="b"/>
                       <a:r>
                         <a:rPr lang="en-IN" sz="1000" b="0" i="0" u="none" strike="noStrike">
                           <a:solidFill>
@@ -30230,7 +30189,7 @@
                     <a:bodyPr/>
                     <a:lstStyle/>
                     <a:p>
-                      <a:pPr algn="ctr" fontAlgn="b"/>
+                      <a:pPr algn="r" fontAlgn="b"/>
                       <a:r>
                         <a:rPr lang="en-IN" sz="1000" b="0" i="0" u="none" strike="noStrike" dirty="0">
                           <a:solidFill>
@@ -30431,14 +30390,14 @@
           <p:nvPr>
             <p:extLst>
               <p:ext uri="{D42A27DB-BD31-4B8C-83A1-F6EECF244321}">
-                <p14:modId xmlns:p14="http://schemas.microsoft.com/office/powerpoint/2010/main" val="3595586697"/>
+                <p14:modId xmlns:p14="http://schemas.microsoft.com/office/powerpoint/2010/main" val="3103206834"/>
               </p:ext>
             </p:extLst>
           </p:nvPr>
         </p:nvGraphicFramePr>
         <p:xfrm>
           <a:off x="646014" y="4741932"/>
-          <a:ext cx="10899971" cy="1343430"/>
+          <a:ext cx="10899971" cy="1189528"/>
         </p:xfrm>
         <a:graphic>
           <a:graphicData uri="http://schemas.openxmlformats.org/drawingml/2006/table">
@@ -30544,7 +30503,7 @@
                     <a:lstStyle/>
                     <a:p>
                       <a:pPr algn="l" fontAlgn="b"/>
-                      <a:endParaRPr lang="en-IN" sz="1200" b="0" i="0" u="none" strike="noStrike" dirty="0">
+                      <a:endParaRPr lang="en-IN" sz="1200" b="0" i="0" u="none" strike="noStrike">
                         <a:solidFill>
                           <a:srgbClr val="000000"/>
                         </a:solidFill>
@@ -30581,13 +30540,12 @@
                     <a:p>
                       <a:pPr algn="ctr" fontAlgn="b"/>
                       <a:r>
-                        <a:rPr lang="en-IN" sz="1200" b="1" i="0" u="none" strike="noStrike" dirty="0">
+                        <a:rPr lang="en-IN" sz="1200" b="1" i="0" u="none" strike="noStrike">
                           <a:solidFill>
                             <a:srgbClr val="000000"/>
                           </a:solidFill>
                           <a:effectLst/>
-                          <a:latin typeface="Arial" panose="020B0604020202020204" pitchFamily="34" charset="0"/>
-                          <a:cs typeface="Arial" panose="020B0604020202020204" pitchFamily="34" charset="0"/>
+                          <a:latin typeface="Chalkboard" panose="03050602040202020205" pitchFamily="66" charset="77"/>
                         </a:rPr>
                         <a:t>Train</a:t>
                       </a:r>
@@ -30644,13 +30602,12 @@
                     <a:p>
                       <a:pPr algn="ctr" fontAlgn="b"/>
                       <a:r>
-                        <a:rPr lang="en-IN" sz="1200" b="1" i="0" u="none" strike="noStrike" dirty="0">
+                        <a:rPr lang="en-IN" sz="1200" b="1" i="0" u="none" strike="noStrike">
                           <a:solidFill>
                             <a:srgbClr val="000000"/>
                           </a:solidFill>
                           <a:effectLst/>
-                          <a:latin typeface="Arial" panose="020B0604020202020204" pitchFamily="34" charset="0"/>
-                          <a:cs typeface="Arial" panose="020B0604020202020204" pitchFamily="34" charset="0"/>
+                          <a:latin typeface="Chalkboard" panose="03050602040202020205" pitchFamily="66" charset="77"/>
                         </a:rPr>
                         <a:t>Test 1</a:t>
                       </a:r>
@@ -30707,13 +30664,12 @@
                     <a:p>
                       <a:pPr algn="ctr" fontAlgn="b"/>
                       <a:r>
-                        <a:rPr lang="en-IN" sz="1200" b="1" i="0" u="none" strike="noStrike" dirty="0">
+                        <a:rPr lang="en-IN" sz="1200" b="1" i="0" u="none" strike="noStrike">
                           <a:solidFill>
                             <a:srgbClr val="000000"/>
                           </a:solidFill>
                           <a:effectLst/>
-                          <a:latin typeface="Arial" panose="020B0604020202020204" pitchFamily="34" charset="0"/>
-                          <a:cs typeface="Arial" panose="020B0604020202020204" pitchFamily="34" charset="0"/>
+                          <a:latin typeface="Chalkboard" panose="03050602040202020205" pitchFamily="66" charset="77"/>
                         </a:rPr>
                         <a:t>Test 2</a:t>
                       </a:r>
@@ -30770,13 +30726,12 @@
                     <a:p>
                       <a:pPr algn="ctr" fontAlgn="b"/>
                       <a:r>
-                        <a:rPr lang="en-IN" sz="1200" b="1" i="0" u="none" strike="noStrike" dirty="0">
+                        <a:rPr lang="en-IN" sz="1200" b="1" i="0" u="none" strike="noStrike">
                           <a:solidFill>
                             <a:srgbClr val="000000"/>
                           </a:solidFill>
                           <a:effectLst/>
-                          <a:latin typeface="Arial" panose="020B0604020202020204" pitchFamily="34" charset="0"/>
-                          <a:cs typeface="Arial" panose="020B0604020202020204" pitchFamily="34" charset="0"/>
+                          <a:latin typeface="Chalkboard" panose="03050602040202020205" pitchFamily="66" charset="77"/>
                         </a:rPr>
                         <a:t>Overall</a:t>
                       </a:r>
@@ -31627,7 +31582,7 @@
                     <a:p>
                       <a:pPr algn="ctr" fontAlgn="t"/>
                       <a:r>
-                        <a:rPr lang="en-IN" sz="1200" b="1" i="0" u="none" strike="noStrike" dirty="0">
+                        <a:rPr lang="en-IN" sz="1200" b="1" i="0" u="none" strike="noStrike">
                           <a:solidFill>
                             <a:srgbClr val="000000"/>
                           </a:solidFill>
@@ -31635,19 +31590,6 @@
                           <a:latin typeface="Calibri" panose="020F0502020204030204" pitchFamily="34" charset="0"/>
                         </a:rPr>
                         <a:t>Conservative</a:t>
-                      </a:r>
-                    </a:p>
-                    <a:p>
-                      <a:pPr algn="ctr" fontAlgn="t"/>
-                      <a:r>
-                        <a:rPr lang="en-IN" sz="1200" b="1" i="0" u="none" strike="noStrike" dirty="0">
-                          <a:solidFill>
-                            <a:srgbClr val="000000"/>
-                          </a:solidFill>
-                          <a:effectLst/>
-                          <a:latin typeface="Calibri" panose="020F0502020204030204" pitchFamily="34" charset="0"/>
-                        </a:rPr>
-                        <a:t>(50%)</a:t>
                       </a:r>
                     </a:p>
                   </a:txBody>
@@ -31697,14 +31639,14 @@
                     <a:p>
                       <a:pPr algn="r" fontAlgn="b"/>
                       <a:r>
-                        <a:rPr lang="en-IN" sz="1200" b="0" i="0" u="none" strike="noStrike" dirty="0">
+                        <a:rPr lang="en-IN" sz="1200" b="0" i="0" u="none" strike="noStrike">
                           <a:solidFill>
                             <a:srgbClr val="000000"/>
                           </a:solidFill>
                           <a:effectLst/>
                           <a:latin typeface="Calibri" panose="020F0502020204030204" pitchFamily="34" charset="0"/>
                         </a:rPr>
-                        <a:t>228,384</a:t>
+                        <a:t>228384</a:t>
                       </a:r>
                     </a:p>
                   </a:txBody>
@@ -31838,14 +31780,14 @@
                     <a:p>
                       <a:pPr algn="r" fontAlgn="b"/>
                       <a:r>
-                        <a:rPr lang="en-IN" sz="1200" b="0" i="0" u="none" strike="noStrike" dirty="0">
+                        <a:rPr lang="en-IN" sz="1200" b="0" i="0" u="none" strike="noStrike">
                           <a:solidFill>
                             <a:srgbClr val="000000"/>
                           </a:solidFill>
                           <a:effectLst/>
                           <a:latin typeface="Calibri" panose="020F0502020204030204" pitchFamily="34" charset="0"/>
                         </a:rPr>
-                        <a:t>47,995</a:t>
+                        <a:t>47995</a:t>
                       </a:r>
                     </a:p>
                   </a:txBody>
@@ -31973,14 +31915,14 @@
                     <a:p>
                       <a:pPr algn="r" fontAlgn="b"/>
                       <a:r>
-                        <a:rPr lang="en-IN" sz="1200" b="0" i="0" u="none" strike="noStrike" dirty="0">
+                        <a:rPr lang="en-IN" sz="1200" b="0" i="0" u="none" strike="noStrike">
                           <a:solidFill>
                             <a:srgbClr val="000000"/>
                           </a:solidFill>
                           <a:effectLst/>
                           <a:latin typeface="Calibri" panose="020F0502020204030204" pitchFamily="34" charset="0"/>
                         </a:rPr>
-                        <a:t>63,954</a:t>
+                        <a:t>63954</a:t>
                       </a:r>
                     </a:p>
                   </a:txBody>
@@ -32108,14 +32050,14 @@
                     <a:p>
                       <a:pPr algn="r" fontAlgn="b"/>
                       <a:r>
-                        <a:rPr lang="en-IN" sz="1200" b="0" i="0" u="none" strike="noStrike" dirty="0">
+                        <a:rPr lang="en-IN" sz="1200" b="0" i="0" u="none" strike="noStrike">
                           <a:solidFill>
                             <a:srgbClr val="000000"/>
                           </a:solidFill>
                           <a:effectLst/>
                           <a:latin typeface="Calibri" panose="020F0502020204030204" pitchFamily="34" charset="0"/>
                         </a:rPr>
-                        <a:t>349,608</a:t>
+                        <a:t>349608</a:t>
                       </a:r>
                     </a:p>
                   </a:txBody>
@@ -32256,7 +32198,7 @@
                     <a:p>
                       <a:pPr algn="ctr" fontAlgn="t"/>
                       <a:r>
-                        <a:rPr lang="en-IN" sz="1200" b="1" i="0" u="none" strike="noStrike" dirty="0">
+                        <a:rPr lang="en-IN" sz="1200" b="1" i="0" u="none" strike="noStrike">
                           <a:solidFill>
                             <a:srgbClr val="000000"/>
                           </a:solidFill>
@@ -32264,19 +32206,6 @@
                           <a:latin typeface="Calibri" panose="020F0502020204030204" pitchFamily="34" charset="0"/>
                         </a:rPr>
                         <a:t>Aggressive</a:t>
-                      </a:r>
-                    </a:p>
-                    <a:p>
-                      <a:pPr algn="ctr" fontAlgn="t"/>
-                      <a:r>
-                        <a:rPr lang="en-IN" sz="1200" b="1" i="0" u="none" strike="noStrike" dirty="0">
-                          <a:solidFill>
-                            <a:srgbClr val="000000"/>
-                          </a:solidFill>
-                          <a:effectLst/>
-                          <a:latin typeface="Calibri" panose="020F0502020204030204" pitchFamily="34" charset="0"/>
-                        </a:rPr>
-                        <a:t>(30%)</a:t>
                       </a:r>
                     </a:p>
                   </a:txBody>
@@ -32326,14 +32255,14 @@
                     <a:p>
                       <a:pPr algn="r" fontAlgn="b"/>
                       <a:r>
-                        <a:rPr lang="en-IN" sz="1200" b="0" i="0" u="none" strike="noStrike" dirty="0">
+                        <a:rPr lang="en-IN" sz="1200" b="0" i="0" u="none" strike="noStrike">
                           <a:solidFill>
                             <a:srgbClr val="000000"/>
                           </a:solidFill>
                           <a:effectLst/>
                           <a:latin typeface="Calibri" panose="020F0502020204030204" pitchFamily="34" charset="0"/>
                         </a:rPr>
-                        <a:t>204,573</a:t>
+                        <a:t>204573</a:t>
                       </a:r>
                     </a:p>
                   </a:txBody>
@@ -32467,14 +32396,14 @@
                     <a:p>
                       <a:pPr algn="r" fontAlgn="b"/>
                       <a:r>
-                        <a:rPr lang="en-IN" sz="1200" b="0" i="0" u="none" strike="noStrike" dirty="0">
+                        <a:rPr lang="en-IN" sz="1200" b="0" i="0" u="none" strike="noStrike">
                           <a:solidFill>
                             <a:srgbClr val="000000"/>
                           </a:solidFill>
                           <a:effectLst/>
                           <a:latin typeface="Calibri" panose="020F0502020204030204" pitchFamily="34" charset="0"/>
                         </a:rPr>
-                        <a:t>43,201</a:t>
+                        <a:t>43201</a:t>
                       </a:r>
                     </a:p>
                   </a:txBody>
@@ -32602,14 +32531,14 @@
                     <a:p>
                       <a:pPr algn="r" fontAlgn="b"/>
                       <a:r>
-                        <a:rPr lang="en-IN" sz="1200" b="0" i="0" u="none" strike="noStrike" dirty="0">
+                        <a:rPr lang="en-IN" sz="1200" b="0" i="0" u="none" strike="noStrike">
                           <a:solidFill>
                             <a:srgbClr val="000000"/>
                           </a:solidFill>
                           <a:effectLst/>
                           <a:latin typeface="Calibri" panose="020F0502020204030204" pitchFamily="34" charset="0"/>
                         </a:rPr>
-                        <a:t>56,268</a:t>
+                        <a:t>56268</a:t>
                       </a:r>
                     </a:p>
                   </a:txBody>
@@ -32737,14 +32666,14 @@
                     <a:p>
                       <a:pPr algn="r" fontAlgn="b"/>
                       <a:r>
-                        <a:rPr lang="en-IN" sz="1200" b="0" i="0" u="none" strike="noStrike" dirty="0">
+                        <a:rPr lang="en-IN" sz="1200" b="0" i="0" u="none" strike="noStrike">
                           <a:solidFill>
                             <a:srgbClr val="000000"/>
                           </a:solidFill>
                           <a:effectLst/>
                           <a:latin typeface="Calibri" panose="020F0502020204030204" pitchFamily="34" charset="0"/>
                         </a:rPr>
-                        <a:t>322,203</a:t>
+                        <a:t>322203</a:t>
                       </a:r>
                     </a:p>
                   </a:txBody>
@@ -33090,7 +33019,7 @@
           <p:nvPr>
             <p:extLst>
               <p:ext uri="{D42A27DB-BD31-4B8C-83A1-F6EECF244321}">
-                <p14:modId xmlns:p14="http://schemas.microsoft.com/office/powerpoint/2010/main" val="2069312510"/>
+                <p14:modId xmlns:p14="http://schemas.microsoft.com/office/powerpoint/2010/main" val="183704726"/>
               </p:ext>
             </p:extLst>
           </p:nvPr>
@@ -33132,9 +33061,9 @@
                     <a:bodyPr/>
                     <a:lstStyle/>
                     <a:p>
-                      <a:pPr algn="ctr" fontAlgn="b"/>
-                      <a:r>
-                        <a:rPr lang="en-IN" sz="1200" b="1" i="0" u="none" strike="noStrike" dirty="0">
+                      <a:pPr algn="l" fontAlgn="b"/>
+                      <a:r>
+                        <a:rPr lang="en-IN" sz="1200" b="1" i="0" u="none" strike="noStrike">
                           <a:solidFill>
                             <a:srgbClr val="FFFFFF"/>
                           </a:solidFill>
@@ -33192,7 +33121,7 @@
                     <a:bodyPr/>
                     <a:lstStyle/>
                     <a:p>
-                      <a:pPr algn="ctr" fontAlgn="b"/>
+                      <a:pPr algn="l" fontAlgn="b"/>
                       <a:r>
                         <a:rPr lang="en-IN" sz="1200" b="1" i="0" u="none" strike="noStrike">
                           <a:solidFill>
@@ -33252,9 +33181,9 @@
                     <a:bodyPr/>
                     <a:lstStyle/>
                     <a:p>
-                      <a:pPr algn="ctr" fontAlgn="b"/>
-                      <a:r>
-                        <a:rPr lang="en-IN" sz="1200" b="1" i="0" u="none" strike="noStrike" dirty="0">
+                      <a:pPr algn="l" fontAlgn="b"/>
+                      <a:r>
+                        <a:rPr lang="en-IN" sz="1200" b="1" i="0" u="none" strike="noStrike">
                           <a:solidFill>
                             <a:srgbClr val="FFFFFF"/>
                           </a:solidFill>
@@ -33319,7 +33248,7 @@
                     <a:bodyPr/>
                     <a:lstStyle/>
                     <a:p>
-                      <a:pPr algn="ctr" fontAlgn="b"/>
+                      <a:pPr algn="r" fontAlgn="b"/>
                       <a:r>
                         <a:rPr lang="en-IN" sz="1400" b="0" i="0" u="none" strike="noStrike" dirty="0">
                           <a:solidFill>
@@ -33370,7 +33299,7 @@
                     <a:bodyPr/>
                     <a:lstStyle/>
                     <a:p>
-                      <a:pPr algn="ctr" fontAlgn="b"/>
+                      <a:pPr algn="r" fontAlgn="b"/>
                       <a:r>
                         <a:rPr lang="en-IN" sz="1400" b="0" i="0" u="none" strike="noStrike">
                           <a:solidFill>
@@ -33415,7 +33344,7 @@
                     <a:bodyPr/>
                     <a:lstStyle/>
                     <a:p>
-                      <a:pPr algn="ctr" fontAlgn="b"/>
+                      <a:pPr algn="r" fontAlgn="b"/>
                       <a:r>
                         <a:rPr lang="en-IN" sz="1400" b="0" i="0" u="none" strike="noStrike">
                           <a:solidFill>
@@ -33473,7 +33402,7 @@
                     <a:bodyPr/>
                     <a:lstStyle/>
                     <a:p>
-                      <a:pPr algn="ctr" fontAlgn="b"/>
+                      <a:pPr algn="r" fontAlgn="b"/>
                       <a:r>
                         <a:rPr lang="en-IN" sz="1400" b="0" i="0" u="none" strike="noStrike" dirty="0">
                           <a:solidFill>
@@ -33524,9 +33453,9 @@
                     <a:bodyPr/>
                     <a:lstStyle/>
                     <a:p>
-                      <a:pPr algn="ctr" fontAlgn="b"/>
-                      <a:r>
-                        <a:rPr lang="en-IN" sz="1400" b="0" i="0" u="none" strike="noStrike" dirty="0">
+                      <a:pPr algn="r" fontAlgn="b"/>
+                      <a:r>
+                        <a:rPr lang="en-IN" sz="1400" b="0" i="0" u="none" strike="noStrike">
                           <a:solidFill>
                             <a:srgbClr val="000000"/>
                           </a:solidFill>
@@ -33569,7 +33498,7 @@
                     <a:bodyPr/>
                     <a:lstStyle/>
                     <a:p>
-                      <a:pPr algn="ctr" fontAlgn="b"/>
+                      <a:pPr algn="r" fontAlgn="b"/>
                       <a:r>
                         <a:rPr lang="en-IN" sz="1400" b="0" i="0" u="none" strike="noStrike">
                           <a:solidFill>
@@ -33627,7 +33556,7 @@
                     <a:bodyPr/>
                     <a:lstStyle/>
                     <a:p>
-                      <a:pPr algn="ctr" fontAlgn="b"/>
+                      <a:pPr algn="r" fontAlgn="b"/>
                       <a:r>
                         <a:rPr lang="en-IN" sz="1400" b="0" i="0" u="none" strike="noStrike">
                           <a:solidFill>
@@ -33678,9 +33607,9 @@
                     <a:bodyPr/>
                     <a:lstStyle/>
                     <a:p>
-                      <a:pPr algn="ctr" fontAlgn="b"/>
-                      <a:r>
-                        <a:rPr lang="en-IN" sz="1400" b="0" i="0" u="none" strike="noStrike" dirty="0">
+                      <a:pPr algn="r" fontAlgn="b"/>
+                      <a:r>
+                        <a:rPr lang="en-IN" sz="1400" b="0" i="0" u="none" strike="noStrike">
                           <a:solidFill>
                             <a:srgbClr val="000000"/>
                           </a:solidFill>
@@ -33723,7 +33652,7 @@
                     <a:bodyPr/>
                     <a:lstStyle/>
                     <a:p>
-                      <a:pPr algn="ctr" fontAlgn="b"/>
+                      <a:pPr algn="r" fontAlgn="b"/>
                       <a:r>
                         <a:rPr lang="en-IN" sz="1400" b="0" i="0" u="none" strike="noStrike">
                           <a:solidFill>
@@ -33781,7 +33710,7 @@
                     <a:bodyPr/>
                     <a:lstStyle/>
                     <a:p>
-                      <a:pPr algn="ctr" fontAlgn="b"/>
+                      <a:pPr algn="r" fontAlgn="b"/>
                       <a:r>
                         <a:rPr lang="en-IN" sz="1400" b="0" i="0" u="none" strike="noStrike">
                           <a:solidFill>
@@ -33832,7 +33761,7 @@
                     <a:bodyPr/>
                     <a:lstStyle/>
                     <a:p>
-                      <a:pPr algn="ctr" fontAlgn="b"/>
+                      <a:pPr algn="r" fontAlgn="b"/>
                       <a:r>
                         <a:rPr lang="en-IN" sz="1400" b="0" i="0" u="none" strike="noStrike" dirty="0">
                           <a:solidFill>
@@ -33877,7 +33806,7 @@
                     <a:bodyPr/>
                     <a:lstStyle/>
                     <a:p>
-                      <a:pPr algn="ctr" fontAlgn="b"/>
+                      <a:pPr algn="r" fontAlgn="b"/>
                       <a:r>
                         <a:rPr lang="en-IN" sz="1400" b="0" i="0" u="none" strike="noStrike">
                           <a:solidFill>
@@ -33935,7 +33864,7 @@
                     <a:bodyPr/>
                     <a:lstStyle/>
                     <a:p>
-                      <a:pPr algn="ctr" fontAlgn="b"/>
+                      <a:pPr algn="r" fontAlgn="b"/>
                       <a:r>
                         <a:rPr lang="en-IN" sz="1400" b="0" i="0" u="none" strike="noStrike">
                           <a:solidFill>
@@ -33986,7 +33915,7 @@
                     <a:bodyPr/>
                     <a:lstStyle/>
                     <a:p>
-                      <a:pPr algn="ctr" fontAlgn="b"/>
+                      <a:pPr algn="r" fontAlgn="b"/>
                       <a:r>
                         <a:rPr lang="en-IN" sz="1400" b="0" i="0" u="none" strike="noStrike">
                           <a:solidFill>
@@ -34031,7 +33960,7 @@
                     <a:bodyPr/>
                     <a:lstStyle/>
                     <a:p>
-                      <a:pPr algn="ctr" fontAlgn="b"/>
+                      <a:pPr algn="r" fontAlgn="b"/>
                       <a:r>
                         <a:rPr lang="en-IN" sz="1400" b="0" i="0" u="none" strike="noStrike">
                           <a:solidFill>
@@ -34089,7 +34018,7 @@
                     <a:bodyPr/>
                     <a:lstStyle/>
                     <a:p>
-                      <a:pPr algn="ctr" fontAlgn="b"/>
+                      <a:pPr algn="r" fontAlgn="b"/>
                       <a:r>
                         <a:rPr lang="en-IN" sz="1400" b="0" i="0" u="none" strike="noStrike">
                           <a:solidFill>
@@ -34140,7 +34069,7 @@
                     <a:bodyPr/>
                     <a:lstStyle/>
                     <a:p>
-                      <a:pPr algn="ctr" fontAlgn="b"/>
+                      <a:pPr algn="r" fontAlgn="b"/>
                       <a:r>
                         <a:rPr lang="en-IN" sz="1400" b="0" i="0" u="none" strike="noStrike" dirty="0">
                           <a:solidFill>
@@ -34185,9 +34114,9 @@
                     <a:bodyPr/>
                     <a:lstStyle/>
                     <a:p>
-                      <a:pPr algn="ctr" fontAlgn="b"/>
-                      <a:r>
-                        <a:rPr lang="en-IN" sz="1400" b="0" i="0" u="none" strike="noStrike" dirty="0">
+                      <a:pPr algn="r" fontAlgn="b"/>
+                      <a:r>
+                        <a:rPr lang="en-IN" sz="1400" b="0" i="0" u="none" strike="noStrike">
                           <a:solidFill>
                             <a:srgbClr val="000000"/>
                           </a:solidFill>
@@ -34243,7 +34172,7 @@
                     <a:bodyPr/>
                     <a:lstStyle/>
                     <a:p>
-                      <a:pPr algn="ctr" fontAlgn="b"/>
+                      <a:pPr algn="r" fontAlgn="b"/>
                       <a:r>
                         <a:rPr lang="en-IN" sz="1400" b="0" i="0" u="none" strike="noStrike">
                           <a:solidFill>
@@ -34294,7 +34223,7 @@
                     <a:bodyPr/>
                     <a:lstStyle/>
                     <a:p>
-                      <a:pPr algn="ctr" fontAlgn="b"/>
+                      <a:pPr algn="r" fontAlgn="b"/>
                       <a:r>
                         <a:rPr lang="en-IN" sz="1400" b="0" i="0" u="none" strike="noStrike" dirty="0">
                           <a:solidFill>
@@ -34339,7 +34268,7 @@
                     <a:bodyPr/>
                     <a:lstStyle/>
                     <a:p>
-                      <a:pPr algn="ctr" fontAlgn="b"/>
+                      <a:pPr algn="r" fontAlgn="b"/>
                       <a:r>
                         <a:rPr lang="en-IN" sz="1400" b="0" i="0" u="none" strike="noStrike">
                           <a:solidFill>
@@ -34397,7 +34326,7 @@
                     <a:bodyPr/>
                     <a:lstStyle/>
                     <a:p>
-                      <a:pPr algn="ctr" fontAlgn="b"/>
+                      <a:pPr algn="r" fontAlgn="b"/>
                       <a:r>
                         <a:rPr lang="en-IN" sz="1400" b="0" i="0" u="none" strike="noStrike">
                           <a:solidFill>
@@ -34448,7 +34377,7 @@
                     <a:bodyPr/>
                     <a:lstStyle/>
                     <a:p>
-                      <a:pPr algn="ctr" fontAlgn="b"/>
+                      <a:pPr algn="r" fontAlgn="b"/>
                       <a:r>
                         <a:rPr lang="en-IN" sz="1400" b="0" i="0" u="none" strike="noStrike" dirty="0">
                           <a:solidFill>
@@ -34493,7 +34422,7 @@
                     <a:bodyPr/>
                     <a:lstStyle/>
                     <a:p>
-                      <a:pPr algn="ctr" fontAlgn="b"/>
+                      <a:pPr algn="r" fontAlgn="b"/>
                       <a:r>
                         <a:rPr lang="en-IN" sz="1400" b="0" i="0" u="none" strike="noStrike">
                           <a:solidFill>
@@ -34551,7 +34480,7 @@
                     <a:bodyPr/>
                     <a:lstStyle/>
                     <a:p>
-                      <a:pPr algn="ctr" fontAlgn="b"/>
+                      <a:pPr algn="r" fontAlgn="b"/>
                       <a:r>
                         <a:rPr lang="en-IN" sz="1400" b="0" i="0" u="none" strike="noStrike">
                           <a:solidFill>
@@ -34602,7 +34531,7 @@
                     <a:bodyPr/>
                     <a:lstStyle/>
                     <a:p>
-                      <a:pPr algn="ctr" fontAlgn="b"/>
+                      <a:pPr algn="r" fontAlgn="b"/>
                       <a:r>
                         <a:rPr lang="en-IN" sz="1400" b="0" i="0" u="none" strike="noStrike" dirty="0">
                           <a:solidFill>
@@ -34647,7 +34576,7 @@
                     <a:bodyPr/>
                     <a:lstStyle/>
                     <a:p>
-                      <a:pPr algn="ctr" fontAlgn="b"/>
+                      <a:pPr algn="r" fontAlgn="b"/>
                       <a:r>
                         <a:rPr lang="en-IN" sz="1400" b="0" i="0" u="none" strike="noStrike">
                           <a:solidFill>
@@ -34705,7 +34634,7 @@
                     <a:bodyPr/>
                     <a:lstStyle/>
                     <a:p>
-                      <a:pPr algn="ctr" fontAlgn="b"/>
+                      <a:pPr algn="r" fontAlgn="b"/>
                       <a:r>
                         <a:rPr lang="en-IN" sz="1400" b="0" i="0" u="none" strike="noStrike">
                           <a:solidFill>
@@ -34756,7 +34685,7 @@
                     <a:bodyPr/>
                     <a:lstStyle/>
                     <a:p>
-                      <a:pPr algn="ctr" fontAlgn="b"/>
+                      <a:pPr algn="r" fontAlgn="b"/>
                       <a:r>
                         <a:rPr lang="en-IN" sz="1400" b="0" i="0" u="none" strike="noStrike">
                           <a:solidFill>
@@ -34801,7 +34730,7 @@
                     <a:bodyPr/>
                     <a:lstStyle/>
                     <a:p>
-                      <a:pPr algn="ctr" fontAlgn="b"/>
+                      <a:pPr algn="r" fontAlgn="b"/>
                       <a:r>
                         <a:rPr lang="en-IN" sz="1400" b="0" i="0" u="none" strike="noStrike" dirty="0">
                           <a:solidFill>
@@ -34859,7 +34788,7 @@
                     <a:bodyPr/>
                     <a:lstStyle/>
                     <a:p>
-                      <a:pPr algn="ctr" fontAlgn="b"/>
+                      <a:pPr algn="r" fontAlgn="b"/>
                       <a:r>
                         <a:rPr lang="en-IN" sz="1400" b="0" i="0" u="none" strike="noStrike">
                           <a:solidFill>
@@ -34910,7 +34839,7 @@
                     <a:bodyPr/>
                     <a:lstStyle/>
                     <a:p>
-                      <a:pPr algn="ctr" fontAlgn="b"/>
+                      <a:pPr algn="r" fontAlgn="b"/>
                       <a:r>
                         <a:rPr lang="en-IN" sz="1400" b="0" i="0" u="none" strike="noStrike">
                           <a:solidFill>
@@ -34955,7 +34884,7 @@
                     <a:bodyPr/>
                     <a:lstStyle/>
                     <a:p>
-                      <a:pPr algn="ctr" fontAlgn="b"/>
+                      <a:pPr algn="r" fontAlgn="b"/>
                       <a:r>
                         <a:rPr lang="en-IN" sz="1400" b="0" i="0" u="none" strike="noStrike" dirty="0">
                           <a:solidFill>
@@ -35013,7 +34942,7 @@
                     <a:bodyPr/>
                     <a:lstStyle/>
                     <a:p>
-                      <a:pPr algn="ctr" fontAlgn="b"/>
+                      <a:pPr algn="r" fontAlgn="b"/>
                       <a:r>
                         <a:rPr lang="en-IN" sz="1400" b="0" i="0" u="none" strike="noStrike">
                           <a:solidFill>
@@ -35064,7 +34993,7 @@
                     <a:bodyPr/>
                     <a:lstStyle/>
                     <a:p>
-                      <a:pPr algn="ctr" fontAlgn="b"/>
+                      <a:pPr algn="r" fontAlgn="b"/>
                       <a:r>
                         <a:rPr lang="en-IN" sz="1400" b="0" i="0" u="none" strike="noStrike">
                           <a:solidFill>
@@ -35109,7 +35038,7 @@
                     <a:bodyPr/>
                     <a:lstStyle/>
                     <a:p>
-                      <a:pPr algn="ctr" fontAlgn="b"/>
+                      <a:pPr algn="r" fontAlgn="b"/>
                       <a:r>
                         <a:rPr lang="en-IN" sz="1400" b="0" i="0" u="none" strike="noStrike" dirty="0">
                           <a:solidFill>
@@ -35167,9 +35096,9 @@
                     <a:bodyPr/>
                     <a:lstStyle/>
                     <a:p>
-                      <a:pPr algn="ctr" fontAlgn="b"/>
-                      <a:r>
-                        <a:rPr lang="en-IN" sz="1400" b="0" i="0" u="none" strike="noStrike" dirty="0">
+                      <a:pPr algn="r" fontAlgn="b"/>
+                      <a:r>
+                        <a:rPr lang="en-IN" sz="1400" b="0" i="0" u="none" strike="noStrike">
                           <a:solidFill>
                             <a:srgbClr val="000000"/>
                           </a:solidFill>
@@ -35218,7 +35147,7 @@
                     <a:bodyPr/>
                     <a:lstStyle/>
                     <a:p>
-                      <a:pPr algn="ctr" fontAlgn="b"/>
+                      <a:pPr algn="r" fontAlgn="b"/>
                       <a:r>
                         <a:rPr lang="en-IN" sz="1400" b="0" i="0" u="none" strike="noStrike">
                           <a:solidFill>
@@ -35263,7 +35192,7 @@
                     <a:bodyPr/>
                     <a:lstStyle/>
                     <a:p>
-                      <a:pPr algn="ctr" fontAlgn="b"/>
+                      <a:pPr algn="r" fontAlgn="b"/>
                       <a:r>
                         <a:rPr lang="en-IN" sz="1400" b="0" i="0" u="none" strike="noStrike" dirty="0">
                           <a:solidFill>
@@ -35442,7 +35371,7 @@
           <p:nvPr>
             <p:extLst>
               <p:ext uri="{D42A27DB-BD31-4B8C-83A1-F6EECF244321}">
-                <p14:modId xmlns:p14="http://schemas.microsoft.com/office/powerpoint/2010/main" val="2173244435"/>
+                <p14:modId xmlns:p14="http://schemas.microsoft.com/office/powerpoint/2010/main" val="515063316"/>
               </p:ext>
             </p:extLst>
           </p:nvPr>
@@ -35477,7 +35406,7 @@
                     <a:bodyPr/>
                     <a:lstStyle/>
                     <a:p>
-                      <a:pPr algn="ctr" fontAlgn="b"/>
+                      <a:pPr algn="l" fontAlgn="b"/>
                       <a:r>
                         <a:rPr lang="en-IN" sz="1400" b="1" i="0" u="none" strike="noStrike" dirty="0">
                           <a:solidFill>
@@ -35533,7 +35462,7 @@
                     <a:bodyPr/>
                     <a:lstStyle/>
                     <a:p>
-                      <a:pPr algn="ctr" fontAlgn="b"/>
+                      <a:pPr algn="l" fontAlgn="b"/>
                       <a:r>
                         <a:rPr lang="en-IN" sz="1400" b="1" i="0" u="none" strike="noStrike">
                           <a:solidFill>
@@ -35594,7 +35523,7 @@
                     <a:bodyPr/>
                     <a:lstStyle/>
                     <a:p>
-                      <a:pPr algn="ctr" fontAlgn="b"/>
+                      <a:pPr algn="l" fontAlgn="b"/>
                       <a:r>
                         <a:rPr lang="en-IN" sz="1400" b="0" i="0" u="none" strike="noStrike" dirty="0">
                           <a:solidFill>
@@ -35650,7 +35579,7 @@
                     <a:bodyPr/>
                     <a:lstStyle/>
                     <a:p>
-                      <a:pPr algn="ctr" fontAlgn="b"/>
+                      <a:pPr algn="r" fontAlgn="b"/>
                       <a:r>
                         <a:rPr lang="en-IN" sz="1400" b="0" i="0" u="none" strike="noStrike" dirty="0">
                           <a:solidFill>
@@ -35659,7 +35588,7 @@
                           <a:effectLst/>
                           <a:latin typeface="Calibri" panose="020F0502020204030204" pitchFamily="34" charset="0"/>
                         </a:rPr>
-                        <a:t>96</a:t>
+                        <a:t>103</a:t>
                       </a:r>
                     </a:p>
                   </a:txBody>
@@ -35711,7 +35640,7 @@
                     <a:bodyPr/>
                     <a:lstStyle/>
                     <a:p>
-                      <a:pPr algn="ctr" fontAlgn="b"/>
+                      <a:pPr algn="l" fontAlgn="b"/>
                       <a:r>
                         <a:rPr lang="en-IN" sz="1400" b="0" i="0" u="none" strike="noStrike" dirty="0">
                           <a:solidFill>
@@ -35764,7 +35693,7 @@
                     <a:bodyPr/>
                     <a:lstStyle/>
                     <a:p>
-                      <a:pPr algn="ctr" fontAlgn="b"/>
+                      <a:pPr algn="r" fontAlgn="b"/>
                       <a:r>
                         <a:rPr lang="en-IN" sz="1400" b="0" i="0" u="none" strike="noStrike" dirty="0">
                           <a:solidFill>
@@ -35822,7 +35751,7 @@
                     <a:bodyPr/>
                     <a:lstStyle/>
                     <a:p>
-                      <a:pPr algn="ctr" fontAlgn="b"/>
+                      <a:pPr algn="l" fontAlgn="b"/>
                       <a:r>
                         <a:rPr lang="en-IN" sz="1400" b="0" i="0" u="none" strike="noStrike" dirty="0">
                           <a:solidFill>
@@ -35878,7 +35807,7 @@
                     <a:bodyPr/>
                     <a:lstStyle/>
                     <a:p>
-                      <a:pPr algn="ctr" fontAlgn="b"/>
+                      <a:pPr algn="r" fontAlgn="b"/>
                       <a:r>
                         <a:rPr lang="en-IN" sz="1400" b="0" i="0" u="none" strike="noStrike" dirty="0">
                           <a:solidFill>
@@ -35939,7 +35868,7 @@
                     <a:bodyPr/>
                     <a:lstStyle/>
                     <a:p>
-                      <a:pPr algn="ctr" fontAlgn="b"/>
+                      <a:pPr algn="l" fontAlgn="b"/>
                       <a:r>
                         <a:rPr lang="en-IN" sz="1400" b="0" i="0" u="none" strike="noStrike" dirty="0">
                           <a:solidFill>
@@ -35992,7 +35921,7 @@
                     <a:bodyPr/>
                     <a:lstStyle/>
                     <a:p>
-                      <a:pPr algn="ctr" fontAlgn="b"/>
+                      <a:pPr algn="r" fontAlgn="b"/>
                       <a:r>
                         <a:rPr lang="en-IN" sz="1400" b="0" i="0" u="none" strike="noStrike" dirty="0">
                           <a:solidFill>
@@ -36050,7 +35979,7 @@
                     <a:bodyPr/>
                     <a:lstStyle/>
                     <a:p>
-                      <a:pPr algn="ctr" fontAlgn="b"/>
+                      <a:pPr algn="l" fontAlgn="b"/>
                       <a:r>
                         <a:rPr lang="en-IN" sz="1400" b="0" i="0" u="none" strike="noStrike" dirty="0">
                           <a:solidFill>
@@ -36106,7 +36035,7 @@
                     <a:bodyPr/>
                     <a:lstStyle/>
                     <a:p>
-                      <a:pPr algn="ctr" fontAlgn="b"/>
+                      <a:pPr algn="r" fontAlgn="b"/>
                       <a:r>
                         <a:rPr lang="en-IN" sz="1400" b="0" i="0" u="none" strike="noStrike" dirty="0">
                           <a:solidFill>
@@ -46449,7 +46378,7 @@
           <p:nvPr>
             <p:extLst>
               <p:ext uri="{D42A27DB-BD31-4B8C-83A1-F6EECF244321}">
-                <p14:modId xmlns:p14="http://schemas.microsoft.com/office/powerpoint/2010/main" val="3194571927"/>
+                <p14:modId xmlns:p14="http://schemas.microsoft.com/office/powerpoint/2010/main" val="1579828640"/>
               </p:ext>
             </p:extLst>
           </p:nvPr>
@@ -46701,8 +46630,8 @@
         </p:nvSpPr>
         <p:spPr>
           <a:xfrm>
-            <a:off x="952500" y="1569052"/>
-            <a:ext cx="5270275" cy="4922823"/>
+            <a:off x="861296" y="1490283"/>
+            <a:ext cx="4819987" cy="4922823"/>
           </a:xfrm>
           <a:prstGeom prst="rect">
             <a:avLst/>
@@ -46736,22 +46665,13 @@
             </a:endParaRPr>
           </a:p>
           <a:p>
-            <a:pPr marL="342900" lvl="0" indent="-342900">
+            <a:pPr marL="171450" lvl="0" indent="-171450">
               <a:lnSpc>
                 <a:spcPct val="107000"/>
               </a:lnSpc>
-              <a:buFont typeface="+mj-lt"/>
-              <a:buAutoNum type="arabicPeriod"/>
+              <a:buFont typeface="Arial" panose="020B0604020202020204" pitchFamily="34" charset="0"/>
+              <a:buChar char="•"/>
             </a:pPr>
-            <a:r>
-              <a:rPr lang="en-US" sz="1400" b="1" dirty="0">
-                <a:effectLst/>
-                <a:latin typeface="Calibri" panose="020F0502020204030204" pitchFamily="34" charset="0"/>
-                <a:ea typeface="Calibri" panose="020F0502020204030204" pitchFamily="34" charset="0"/>
-                <a:cs typeface="Arial" panose="020B0604020202020204" pitchFamily="34" charset="0"/>
-              </a:rPr>
-              <a:t>Number of trees</a:t>
-            </a:r>
             <a:r>
               <a:rPr lang="en-US" sz="1400" dirty="0">
                 <a:effectLst/>
@@ -46759,7 +46679,7 @@
                 <a:ea typeface="Calibri" panose="020F0502020204030204" pitchFamily="34" charset="0"/>
                 <a:cs typeface="Arial" panose="020B0604020202020204" pitchFamily="34" charset="0"/>
               </a:rPr>
-              <a:t>: 50, 100, and 300 : 50 to decrease the complexity and the variance, then we tried 300 for lowe</a:t>
+              <a:t>Number of trees: 50, 100, and 300 : We chose 50 to decrease the complexity and hence the variance, moreover, we tried 300 for lowe</a:t>
             </a:r>
             <a:r>
               <a:rPr lang="en-US" sz="1400" dirty="0">
@@ -46776,22 +46696,13 @@
             </a:endParaRPr>
           </a:p>
           <a:p>
-            <a:pPr marL="342900" lvl="0" indent="-342900">
+            <a:pPr marL="171450" lvl="0" indent="-171450">
               <a:lnSpc>
                 <a:spcPct val="107000"/>
               </a:lnSpc>
-              <a:buFont typeface="+mj-lt"/>
-              <a:buAutoNum type="arabicPeriod"/>
+              <a:buFont typeface="Arial" panose="020B0604020202020204" pitchFamily="34" charset="0"/>
+              <a:buChar char="•"/>
             </a:pPr>
-            <a:r>
-              <a:rPr lang="en-US" sz="1400" b="1" dirty="0">
-                <a:effectLst/>
-                <a:latin typeface="Calibri" panose="020F0502020204030204" pitchFamily="34" charset="0"/>
-                <a:ea typeface="Calibri" panose="020F0502020204030204" pitchFamily="34" charset="0"/>
-                <a:cs typeface="Arial" panose="020B0604020202020204" pitchFamily="34" charset="0"/>
-              </a:rPr>
-              <a:t>Learning Rate</a:t>
-            </a:r>
             <a:r>
               <a:rPr lang="en-US" sz="1400" dirty="0">
                 <a:effectLst/>
@@ -46799,7 +46710,7 @@
                 <a:ea typeface="Calibri" panose="020F0502020204030204" pitchFamily="34" charset="0"/>
                 <a:cs typeface="Arial" panose="020B0604020202020204" pitchFamily="34" charset="0"/>
               </a:rPr>
-              <a:t>: 0.01, 0.1 :  0.1 – Conventional and 0.01 to validate if slower learning rate arrive at global minima smoothly without overshooting</a:t>
+              <a:t>Learning Rate: 0.01, 0.1 :  0.1 – Conventional and 0.01 to validate if slower learning rate arrive at global minima smoothly without overshooting</a:t>
             </a:r>
             <a:endParaRPr lang="en-IN" sz="1400" dirty="0">
               <a:latin typeface="Calibri" panose="020F0502020204030204" pitchFamily="34" charset="0"/>
@@ -46808,22 +46719,13 @@
             </a:endParaRPr>
           </a:p>
           <a:p>
-            <a:pPr marL="342900" lvl="0" indent="-342900">
+            <a:pPr marL="171450" lvl="0" indent="-171450">
               <a:lnSpc>
                 <a:spcPct val="107000"/>
               </a:lnSpc>
-              <a:buFont typeface="+mj-lt"/>
-              <a:buAutoNum type="arabicPeriod"/>
+              <a:buFont typeface="Arial" panose="020B0604020202020204" pitchFamily="34" charset="0"/>
+              <a:buChar char="•"/>
             </a:pPr>
-            <a:r>
-              <a:rPr lang="en-US" sz="1400" b="1" dirty="0">
-                <a:effectLst/>
-                <a:latin typeface="Calibri" panose="020F0502020204030204" pitchFamily="34" charset="0"/>
-                <a:ea typeface="Calibri" panose="020F0502020204030204" pitchFamily="34" charset="0"/>
-                <a:cs typeface="Arial" panose="020B0604020202020204" pitchFamily="34" charset="0"/>
-              </a:rPr>
-              <a:t>Percentage of observations used in each tree</a:t>
-            </a:r>
             <a:r>
               <a:rPr lang="en-US" sz="1400" dirty="0">
                 <a:effectLst/>
@@ -46831,7 +46733,7 @@
                 <a:ea typeface="Calibri" panose="020F0502020204030204" pitchFamily="34" charset="0"/>
                 <a:cs typeface="Arial" panose="020B0604020202020204" pitchFamily="34" charset="0"/>
               </a:rPr>
-              <a:t>: 50%, 80% - 50% for faster training &amp; 80% to avoid overfitting</a:t>
+              <a:t>Percentage of observations used in each tree: 50%, 80% - 50% for faster training &amp; 80% to avoid overfitting</a:t>
             </a:r>
             <a:endParaRPr lang="en-IN" sz="1400" dirty="0">
               <a:latin typeface="Calibri" panose="020F0502020204030204" pitchFamily="34" charset="0"/>
@@ -46840,22 +46742,13 @@
             </a:endParaRPr>
           </a:p>
           <a:p>
-            <a:pPr marL="342900" lvl="0" indent="-342900">
+            <a:pPr marL="171450" lvl="0" indent="-171450">
               <a:lnSpc>
                 <a:spcPct val="107000"/>
               </a:lnSpc>
-              <a:buFont typeface="+mj-lt"/>
-              <a:buAutoNum type="arabicPeriod"/>
+              <a:buFont typeface="Arial" panose="020B0604020202020204" pitchFamily="34" charset="0"/>
+              <a:buChar char="•"/>
             </a:pPr>
-            <a:r>
-              <a:rPr lang="en-US" sz="1400" b="1" dirty="0">
-                <a:effectLst/>
-                <a:latin typeface="Calibri" panose="020F0502020204030204" pitchFamily="34" charset="0"/>
-                <a:ea typeface="Calibri" panose="020F0502020204030204" pitchFamily="34" charset="0"/>
-                <a:cs typeface="Arial" panose="020B0604020202020204" pitchFamily="34" charset="0"/>
-              </a:rPr>
-              <a:t>Percentage of features used in each tree</a:t>
-            </a:r>
             <a:r>
               <a:rPr lang="en-US" sz="1400" dirty="0">
                 <a:effectLst/>
@@ -46863,7 +46756,7 @@
                 <a:ea typeface="Calibri" panose="020F0502020204030204" pitchFamily="34" charset="0"/>
                 <a:cs typeface="Arial" panose="020B0604020202020204" pitchFamily="34" charset="0"/>
               </a:rPr>
-              <a:t>: 50%, 100% - 50% again to avoid overfitting and faster training and 100% for better results and low bias</a:t>
+              <a:t>Percentage of features used in each tree: 50%, 100% - 50% again to avoid overfitting and faster training and 100% for better results and low bias</a:t>
             </a:r>
             <a:endParaRPr lang="en-IN" sz="1400" dirty="0">
               <a:latin typeface="Calibri" panose="020F0502020204030204" pitchFamily="34" charset="0"/>
@@ -46872,22 +46765,13 @@
             </a:endParaRPr>
           </a:p>
           <a:p>
-            <a:pPr marL="342900" lvl="0" indent="-342900">
+            <a:pPr marL="171450" lvl="0" indent="-171450">
               <a:lnSpc>
                 <a:spcPct val="107000"/>
               </a:lnSpc>
-              <a:buFont typeface="+mj-lt"/>
-              <a:buAutoNum type="arabicPeriod"/>
+              <a:buFont typeface="Arial" panose="020B0604020202020204" pitchFamily="34" charset="0"/>
+              <a:buChar char="•"/>
             </a:pPr>
-            <a:r>
-              <a:rPr lang="en-US" sz="1400" b="1" dirty="0">
-                <a:effectLst/>
-                <a:latin typeface="Calibri" panose="020F0502020204030204" pitchFamily="34" charset="0"/>
-                <a:ea typeface="Calibri" panose="020F0502020204030204" pitchFamily="34" charset="0"/>
-                <a:cs typeface="Arial" panose="020B0604020202020204" pitchFamily="34" charset="0"/>
-              </a:rPr>
-              <a:t>Weight of default observations</a:t>
-            </a:r>
             <a:r>
               <a:rPr lang="en-US" sz="1400" dirty="0">
                 <a:effectLst/>
@@ -46895,7 +46779,7 @@
                 <a:ea typeface="Calibri" panose="020F0502020204030204" pitchFamily="34" charset="0"/>
                 <a:cs typeface="Arial" panose="020B0604020202020204" pitchFamily="34" charset="0"/>
               </a:rPr>
-              <a:t>: 1, 5, 10 – Since most of are non-default we need weights &gt; 1 </a:t>
+              <a:t>Weight of default observations: 1, 5, 10 – Since most of are non-default we need weights &gt; 1 </a:t>
             </a:r>
           </a:p>
           <a:p>
@@ -46926,22 +46810,8 @@
                 <a:ea typeface="Calibri" panose="020F0502020204030204" pitchFamily="34" charset="0"/>
                 <a:cs typeface="Arial" panose="020B0604020202020204" pitchFamily="34" charset="0"/>
               </a:rPr>
-              <a:t>Above Combination of hyper-parameters yields 72 models </a:t>
+              <a:t>Above Combination of hyper-parameters make us train 72 models </a:t>
             </a:r>
-          </a:p>
-          <a:p>
-            <a:pPr marL="171450" lvl="0" indent="-171450">
-              <a:lnSpc>
-                <a:spcPct val="107000"/>
-              </a:lnSpc>
-              <a:buFont typeface="Arial" panose="020B0604020202020204" pitchFamily="34" charset="0"/>
-              <a:buChar char="•"/>
-            </a:pPr>
-            <a:endParaRPr lang="en-US" sz="1400" dirty="0">
-              <a:latin typeface="Calibri" panose="020F0502020204030204" pitchFamily="34" charset="0"/>
-              <a:ea typeface="Calibri" panose="020F0502020204030204" pitchFamily="34" charset="0"/>
-              <a:cs typeface="Arial" panose="020B0604020202020204" pitchFamily="34" charset="0"/>
-            </a:endParaRPr>
           </a:p>
           <a:p>
             <a:pPr marL="171450" lvl="0" indent="-171450">
@@ -46968,20 +46838,6 @@
               </a:rPr>
               <a:t>, Test1 and Test2, we conclude that there isn’t intrinsic difference between those splits as the variance is low across all models</a:t>
             </a:r>
-          </a:p>
-          <a:p>
-            <a:pPr marL="171450" lvl="0" indent="-171450">
-              <a:lnSpc>
-                <a:spcPct val="107000"/>
-              </a:lnSpc>
-              <a:buFont typeface="Arial" panose="020B0604020202020204" pitchFamily="34" charset="0"/>
-              <a:buChar char="•"/>
-            </a:pPr>
-            <a:endParaRPr lang="en-US" sz="1400" dirty="0">
-              <a:latin typeface="Calibri" panose="020F0502020204030204" pitchFamily="34" charset="0"/>
-              <a:ea typeface="Calibri" panose="020F0502020204030204" pitchFamily="34" charset="0"/>
-              <a:cs typeface="Arial" panose="020B0604020202020204" pitchFamily="34" charset="0"/>
-            </a:endParaRPr>
           </a:p>
           <a:p>
             <a:pPr marL="171450" lvl="0" indent="-171450">
@@ -47025,8 +46881,8 @@
         </p:nvSpPr>
         <p:spPr>
           <a:xfrm>
-            <a:off x="6533813" y="1426495"/>
-            <a:ext cx="4819987" cy="5424562"/>
+            <a:off x="5955738" y="1433438"/>
+            <a:ext cx="5672517" cy="5424562"/>
           </a:xfrm>
           <a:prstGeom prst="rect">
             <a:avLst/>
@@ -47658,7 +47514,7 @@
           <p:nvPr>
             <p:extLst>
               <p:ext uri="{D42A27DB-BD31-4B8C-83A1-F6EECF244321}">
-                <p14:modId xmlns:p14="http://schemas.microsoft.com/office/powerpoint/2010/main" val="1052981590"/>
+                <p14:modId xmlns:p14="http://schemas.microsoft.com/office/powerpoint/2010/main" val="126449152"/>
               </p:ext>
             </p:extLst>
           </p:nvPr>
@@ -47688,7 +47544,7 @@
           <p:nvPr>
             <p:extLst>
               <p:ext uri="{D42A27DB-BD31-4B8C-83A1-F6EECF244321}">
-                <p14:modId xmlns:p14="http://schemas.microsoft.com/office/powerpoint/2010/main" val="290126165"/>
+                <p14:modId xmlns:p14="http://schemas.microsoft.com/office/powerpoint/2010/main" val="3258141994"/>
               </p:ext>
             </p:extLst>
           </p:nvPr>

--- a/Credit Default Risk.pptx
+++ b/Credit Default Risk.pptx
@@ -11434,7 +11434,7 @@
           <a:p>
             <a:fld id="{8010A8D0-1A79-FC4C-81D2-84D5944406E5}" type="datetimeFigureOut">
               <a:rPr lang="en-US" smtClean="0"/>
-              <a:t>4/6/23</a:t>
+              <a:t>6/11/23</a:t>
             </a:fld>
             <a:endParaRPr lang="en-US"/>
           </a:p>
@@ -11942,7 +11942,7 @@
           <a:p>
             <a:fld id="{5EFD842C-15A5-45FC-978D-B4B39A9B5113}" type="datetimeFigureOut">
               <a:rPr lang="en-US" smtClean="0"/>
-              <a:t>4/6/23</a:t>
+              <a:t>6/11/23</a:t>
             </a:fld>
             <a:endParaRPr lang="en-US"/>
           </a:p>
@@ -12140,7 +12140,7 @@
           <a:p>
             <a:fld id="{5EFD842C-15A5-45FC-978D-B4B39A9B5113}" type="datetimeFigureOut">
               <a:rPr lang="en-US" smtClean="0"/>
-              <a:t>4/6/23</a:t>
+              <a:t>6/11/23</a:t>
             </a:fld>
             <a:endParaRPr lang="en-US"/>
           </a:p>
@@ -12348,7 +12348,7 @@
           <a:p>
             <a:fld id="{5EFD842C-15A5-45FC-978D-B4B39A9B5113}" type="datetimeFigureOut">
               <a:rPr lang="en-US" smtClean="0"/>
-              <a:t>4/6/23</a:t>
+              <a:t>6/11/23</a:t>
             </a:fld>
             <a:endParaRPr lang="en-US"/>
           </a:p>
@@ -12546,7 +12546,7 @@
           <a:p>
             <a:fld id="{5EFD842C-15A5-45FC-978D-B4B39A9B5113}" type="datetimeFigureOut">
               <a:rPr lang="en-US" smtClean="0"/>
-              <a:t>4/6/23</a:t>
+              <a:t>6/11/23</a:t>
             </a:fld>
             <a:endParaRPr lang="en-US"/>
           </a:p>
@@ -12821,7 +12821,7 @@
           <a:p>
             <a:fld id="{5EFD842C-15A5-45FC-978D-B4B39A9B5113}" type="datetimeFigureOut">
               <a:rPr lang="en-US" smtClean="0"/>
-              <a:t>4/6/23</a:t>
+              <a:t>6/11/23</a:t>
             </a:fld>
             <a:endParaRPr lang="en-US"/>
           </a:p>
@@ -13086,7 +13086,7 @@
           <a:p>
             <a:fld id="{5EFD842C-15A5-45FC-978D-B4B39A9B5113}" type="datetimeFigureOut">
               <a:rPr lang="en-US" smtClean="0"/>
-              <a:t>4/6/23</a:t>
+              <a:t>6/11/23</a:t>
             </a:fld>
             <a:endParaRPr lang="en-US"/>
           </a:p>
@@ -13498,7 +13498,7 @@
           <a:p>
             <a:fld id="{5EFD842C-15A5-45FC-978D-B4B39A9B5113}" type="datetimeFigureOut">
               <a:rPr lang="en-US" smtClean="0"/>
-              <a:t>4/6/23</a:t>
+              <a:t>6/11/23</a:t>
             </a:fld>
             <a:endParaRPr lang="en-US"/>
           </a:p>
@@ -13639,7 +13639,7 @@
           <a:p>
             <a:fld id="{5EFD842C-15A5-45FC-978D-B4B39A9B5113}" type="datetimeFigureOut">
               <a:rPr lang="en-US" smtClean="0"/>
-              <a:t>4/6/23</a:t>
+              <a:t>6/11/23</a:t>
             </a:fld>
             <a:endParaRPr lang="en-US"/>
           </a:p>
@@ -13752,7 +13752,7 @@
           <a:p>
             <a:fld id="{5EFD842C-15A5-45FC-978D-B4B39A9B5113}" type="datetimeFigureOut">
               <a:rPr lang="en-US" smtClean="0"/>
-              <a:t>4/6/23</a:t>
+              <a:t>6/11/23</a:t>
             </a:fld>
             <a:endParaRPr lang="en-US"/>
           </a:p>
@@ -14063,7 +14063,7 @@
           <a:p>
             <a:fld id="{5EFD842C-15A5-45FC-978D-B4B39A9B5113}" type="datetimeFigureOut">
               <a:rPr lang="en-US" smtClean="0"/>
-              <a:t>4/6/23</a:t>
+              <a:t>6/11/23</a:t>
             </a:fld>
             <a:endParaRPr lang="en-US"/>
           </a:p>
@@ -14351,7 +14351,7 @@
           <a:p>
             <a:fld id="{5EFD842C-15A5-45FC-978D-B4B39A9B5113}" type="datetimeFigureOut">
               <a:rPr lang="en-US" smtClean="0"/>
-              <a:t>4/6/23</a:t>
+              <a:t>6/11/23</a:t>
             </a:fld>
             <a:endParaRPr lang="en-US"/>
           </a:p>
@@ -14592,7 +14592,7 @@
           <a:p>
             <a:fld id="{5EFD842C-15A5-45FC-978D-B4B39A9B5113}" type="datetimeFigureOut">
               <a:rPr lang="en-US" smtClean="0"/>
-              <a:t>4/6/23</a:t>
+              <a:t>6/11/23</a:t>
             </a:fld>
             <a:endParaRPr lang="en-US"/>
           </a:p>
@@ -15806,7 +15806,7 @@
         </p:blipFill>
         <p:spPr>
           <a:xfrm>
-            <a:off x="952500" y="2624558"/>
+            <a:off x="952500" y="2632650"/>
             <a:ext cx="5211956" cy="3476625"/>
           </a:xfrm>
           <a:prstGeom prst="rect">
@@ -15901,7 +15901,7 @@
           <p:nvPr>
             <p:extLst>
               <p:ext uri="{D42A27DB-BD31-4B8C-83A1-F6EECF244321}">
-                <p14:modId xmlns:p14="http://schemas.microsoft.com/office/powerpoint/2010/main" val="3226724969"/>
+                <p14:modId xmlns:p14="http://schemas.microsoft.com/office/powerpoint/2010/main" val="3493213035"/>
               </p:ext>
             </p:extLst>
           </p:nvPr>
@@ -16948,7 +16948,7 @@
         </p:blipFill>
         <p:spPr>
           <a:xfrm>
-            <a:off x="5486400" y="1846847"/>
+            <a:off x="5478308" y="1830663"/>
             <a:ext cx="6140337" cy="3600584"/>
           </a:xfrm>
           <a:prstGeom prst="rect">
@@ -17411,7 +17411,7 @@
           <p:nvPr>
             <p:extLst>
               <p:ext uri="{D42A27DB-BD31-4B8C-83A1-F6EECF244321}">
-                <p14:modId xmlns:p14="http://schemas.microsoft.com/office/powerpoint/2010/main" val="3880907023"/>
+                <p14:modId xmlns:p14="http://schemas.microsoft.com/office/powerpoint/2010/main" val="332340267"/>
               </p:ext>
             </p:extLst>
           </p:nvPr>
@@ -18149,7 +18149,7 @@
           <p:nvPr>
             <p:extLst>
               <p:ext uri="{D42A27DB-BD31-4B8C-83A1-F6EECF244321}">
-                <p14:modId xmlns:p14="http://schemas.microsoft.com/office/powerpoint/2010/main" val="3458153315"/>
+                <p14:modId xmlns:p14="http://schemas.microsoft.com/office/powerpoint/2010/main" val="1639054960"/>
               </p:ext>
             </p:extLst>
           </p:nvPr>
@@ -18179,7 +18179,7 @@
           <p:nvPr>
             <p:extLst>
               <p:ext uri="{D42A27DB-BD31-4B8C-83A1-F6EECF244321}">
-                <p14:modId xmlns:p14="http://schemas.microsoft.com/office/powerpoint/2010/main" val="4174343419"/>
+                <p14:modId xmlns:p14="http://schemas.microsoft.com/office/powerpoint/2010/main" val="3065199302"/>
               </p:ext>
             </p:extLst>
           </p:nvPr>
@@ -19790,7 +19790,7 @@
           <p:nvPr>
             <p:extLst>
               <p:ext uri="{D42A27DB-BD31-4B8C-83A1-F6EECF244321}">
-                <p14:modId xmlns:p14="http://schemas.microsoft.com/office/powerpoint/2010/main" val="1948194669"/>
+                <p14:modId xmlns:p14="http://schemas.microsoft.com/office/powerpoint/2010/main" val="382165474"/>
               </p:ext>
             </p:extLst>
           </p:nvPr>
@@ -20271,7 +20271,7 @@
                     <a:p>
                       <a:pPr algn="ctr" fontAlgn="b"/>
                       <a:r>
-                        <a:rPr lang="en-IN" sz="1200" b="0" i="0" u="none" strike="noStrike">
+                        <a:rPr lang="en-IN" sz="1200" b="0" i="0" u="none" strike="noStrike" dirty="0">
                           <a:solidFill>
                             <a:srgbClr val="000000"/>
                           </a:solidFill>
@@ -22575,7 +22575,7 @@
           <p:nvPr>
             <p:extLst>
               <p:ext uri="{D42A27DB-BD31-4B8C-83A1-F6EECF244321}">
-                <p14:modId xmlns:p14="http://schemas.microsoft.com/office/powerpoint/2010/main" val="756888855"/>
+                <p14:modId xmlns:p14="http://schemas.microsoft.com/office/powerpoint/2010/main" val="1578866658"/>
               </p:ext>
             </p:extLst>
           </p:nvPr>
@@ -29638,7 +29638,7 @@
                     <a:p>
                       <a:pPr algn="ctr" fontAlgn="b"/>
                       <a:r>
-                        <a:rPr lang="en-IN" sz="1000" b="0" i="0" u="none" strike="noStrike">
+                        <a:rPr lang="en-IN" sz="1000" b="0" i="0" u="none" strike="noStrike" dirty="0">
                           <a:solidFill>
                             <a:srgbClr val="000000"/>
                           </a:solidFill>
@@ -30431,7 +30431,7 @@
           <p:nvPr>
             <p:extLst>
               <p:ext uri="{D42A27DB-BD31-4B8C-83A1-F6EECF244321}">
-                <p14:modId xmlns:p14="http://schemas.microsoft.com/office/powerpoint/2010/main" val="3595586697"/>
+                <p14:modId xmlns:p14="http://schemas.microsoft.com/office/powerpoint/2010/main" val="784936650"/>
               </p:ext>
             </p:extLst>
           </p:nvPr>
@@ -33090,7 +33090,7 @@
           <p:nvPr>
             <p:extLst>
               <p:ext uri="{D42A27DB-BD31-4B8C-83A1-F6EECF244321}">
-                <p14:modId xmlns:p14="http://schemas.microsoft.com/office/powerpoint/2010/main" val="2069312510"/>
+                <p14:modId xmlns:p14="http://schemas.microsoft.com/office/powerpoint/2010/main" val="3373525492"/>
               </p:ext>
             </p:extLst>
           </p:nvPr>
@@ -35442,7 +35442,7 @@
           <p:nvPr>
             <p:extLst>
               <p:ext uri="{D42A27DB-BD31-4B8C-83A1-F6EECF244321}">
-                <p14:modId xmlns:p14="http://schemas.microsoft.com/office/powerpoint/2010/main" val="2173244435"/>
+                <p14:modId xmlns:p14="http://schemas.microsoft.com/office/powerpoint/2010/main" val="330561535"/>
               </p:ext>
             </p:extLst>
           </p:nvPr>
@@ -35757,6 +35757,9 @@
                       <a:noFill/>
                       <a:prstDash val="solid"/>
                     </a:lnBlToTr>
+                    <a:solidFill>
+                      <a:schemeClr val="bg1"/>
+                    </a:solidFill>
                   </a:tcPr>
                 </a:tc>
                 <a:tc>
@@ -35808,6 +35811,9 @@
                       <a:headEnd type="none" w="med" len="med"/>
                       <a:tailEnd type="none" w="med" len="med"/>
                     </a:lnB>
+                    <a:solidFill>
+                      <a:schemeClr val="bg1"/>
+                    </a:solidFill>
                   </a:tcPr>
                 </a:tc>
                 <a:extLst>
@@ -35985,6 +35991,9 @@
                       <a:noFill/>
                       <a:prstDash val="solid"/>
                     </a:lnBlToTr>
+                    <a:solidFill>
+                      <a:schemeClr val="bg1"/>
+                    </a:solidFill>
                   </a:tcPr>
                 </a:tc>
                 <a:tc>
@@ -36036,6 +36045,9 @@
                       <a:headEnd type="none" w="med" len="med"/>
                       <a:tailEnd type="none" w="med" len="med"/>
                     </a:lnB>
+                    <a:solidFill>
+                      <a:schemeClr val="bg1"/>
+                    </a:solidFill>
                   </a:tcPr>
                 </a:tc>
                 <a:extLst>
@@ -36253,7 +36265,7 @@
           <p:nvPr>
             <p:extLst>
               <p:ext uri="{D42A27DB-BD31-4B8C-83A1-F6EECF244321}">
-                <p14:modId xmlns:p14="http://schemas.microsoft.com/office/powerpoint/2010/main" val="834099017"/>
+                <p14:modId xmlns:p14="http://schemas.microsoft.com/office/powerpoint/2010/main" val="2986952873"/>
               </p:ext>
             </p:extLst>
           </p:nvPr>
@@ -37550,7 +37562,7 @@
                     <a:p>
                       <a:pPr algn="ctr" fontAlgn="b"/>
                       <a:r>
-                        <a:rPr lang="en-IN" sz="1400" b="1" i="0" u="none" strike="noStrike">
+                        <a:rPr lang="en-IN" sz="1400" b="1" i="0" u="none" strike="noStrike" dirty="0">
                           <a:solidFill>
                             <a:srgbClr val="000000"/>
                           </a:solidFill>
@@ -37592,6 +37604,9 @@
                       <a:headEnd type="none" w="med" len="med"/>
                       <a:tailEnd type="none" w="med" len="med"/>
                     </a:lnB>
+                    <a:solidFill>
+                      <a:schemeClr val="bg1"/>
+                    </a:solidFill>
                   </a:tcPr>
                 </a:tc>
                 <a:tc>
@@ -37637,6 +37652,9 @@
                       <a:headEnd type="none" w="med" len="med"/>
                       <a:tailEnd type="none" w="med" len="med"/>
                     </a:lnB>
+                    <a:solidFill>
+                      <a:schemeClr val="bg1"/>
+                    </a:solidFill>
                   </a:tcPr>
                 </a:tc>
                 <a:tc>
@@ -37682,6 +37700,9 @@
                       <a:headEnd type="none" w="med" len="med"/>
                       <a:tailEnd type="none" w="med" len="med"/>
                     </a:lnB>
+                    <a:solidFill>
+                      <a:schemeClr val="bg1"/>
+                    </a:solidFill>
                   </a:tcPr>
                 </a:tc>
                 <a:tc>
@@ -37727,6 +37748,9 @@
                       <a:headEnd type="none" w="med" len="med"/>
                       <a:tailEnd type="none" w="med" len="med"/>
                     </a:lnB>
+                    <a:solidFill>
+                      <a:schemeClr val="bg1"/>
+                    </a:solidFill>
                   </a:tcPr>
                 </a:tc>
                 <a:tc>
@@ -37772,6 +37796,9 @@
                       <a:headEnd type="none" w="med" len="med"/>
                       <a:tailEnd type="none" w="med" len="med"/>
                     </a:lnB>
+                    <a:solidFill>
+                      <a:schemeClr val="bg1"/>
+                    </a:solidFill>
                   </a:tcPr>
                 </a:tc>
                 <a:tc>
@@ -37781,7 +37808,7 @@
                     <a:p>
                       <a:pPr algn="ctr" fontAlgn="b"/>
                       <a:r>
-                        <a:rPr lang="en-IN" sz="1400" b="0" i="0" u="none" strike="noStrike">
+                        <a:rPr lang="en-IN" sz="1400" b="0" i="0" u="none" strike="noStrike" dirty="0">
                           <a:solidFill>
                             <a:srgbClr val="000000"/>
                           </a:solidFill>
@@ -37817,6 +37844,9 @@
                       <a:headEnd type="none" w="med" len="med"/>
                       <a:tailEnd type="none" w="med" len="med"/>
                     </a:lnB>
+                    <a:solidFill>
+                      <a:schemeClr val="bg1"/>
+                    </a:solidFill>
                   </a:tcPr>
                 </a:tc>
                 <a:tc>
@@ -37826,7 +37856,7 @@
                     <a:p>
                       <a:pPr algn="ctr" fontAlgn="b"/>
                       <a:r>
-                        <a:rPr lang="en-IN" sz="1400" b="0" i="0" u="none" strike="noStrike">
+                        <a:rPr lang="en-IN" sz="1400" b="0" i="0" u="none" strike="noStrike" dirty="0">
                           <a:solidFill>
                             <a:srgbClr val="000000"/>
                           </a:solidFill>
@@ -37862,6 +37892,9 @@
                       <a:headEnd type="none" w="med" len="med"/>
                       <a:tailEnd type="none" w="med" len="med"/>
                     </a:lnB>
+                    <a:solidFill>
+                      <a:schemeClr val="bg1"/>
+                    </a:solidFill>
                   </a:tcPr>
                 </a:tc>
                 <a:tc>
@@ -37871,7 +37904,7 @@
                     <a:p>
                       <a:pPr algn="ctr" fontAlgn="b"/>
                       <a:r>
-                        <a:rPr lang="en-IN" sz="1400" b="0" i="0" u="none" strike="noStrike">
+                        <a:rPr lang="en-IN" sz="1400" b="0" i="0" u="none" strike="noStrike" dirty="0">
                           <a:solidFill>
                             <a:srgbClr val="000000"/>
                           </a:solidFill>
@@ -37907,6 +37940,9 @@
                       <a:headEnd type="none" w="med" len="med"/>
                       <a:tailEnd type="none" w="med" len="med"/>
                     </a:lnB>
+                    <a:solidFill>
+                      <a:schemeClr val="bg1"/>
+                    </a:solidFill>
                   </a:tcPr>
                 </a:tc>
                 <a:tc>
@@ -37916,7 +37952,7 @@
                     <a:p>
                       <a:pPr algn="ctr" fontAlgn="b"/>
                       <a:r>
-                        <a:rPr lang="en-IN" sz="1400" b="0" i="0" u="none" strike="noStrike">
+                        <a:rPr lang="en-IN" sz="1400" b="0" i="0" u="none" strike="noStrike" dirty="0">
                           <a:solidFill>
                             <a:srgbClr val="000000"/>
                           </a:solidFill>
@@ -37952,6 +37988,9 @@
                       <a:headEnd type="none" w="med" len="med"/>
                       <a:tailEnd type="none" w="med" len="med"/>
                     </a:lnB>
+                    <a:solidFill>
+                      <a:schemeClr val="bg1"/>
+                    </a:solidFill>
                   </a:tcPr>
                 </a:tc>
                 <a:tc>
@@ -37961,7 +38000,7 @@
                     <a:p>
                       <a:pPr algn="ctr" fontAlgn="b"/>
                       <a:r>
-                        <a:rPr lang="en-IN" sz="1400" b="0" i="0" u="none" strike="noStrike">
+                        <a:rPr lang="en-IN" sz="1400" b="0" i="0" u="none" strike="noStrike" dirty="0">
                           <a:solidFill>
                             <a:srgbClr val="000000"/>
                           </a:solidFill>
@@ -37997,6 +38036,9 @@
                       <a:headEnd type="none" w="med" len="med"/>
                       <a:tailEnd type="none" w="med" len="med"/>
                     </a:lnB>
+                    <a:solidFill>
+                      <a:schemeClr val="bg1"/>
+                    </a:solidFill>
                   </a:tcPr>
                 </a:tc>
                 <a:tc>
@@ -38006,7 +38048,7 @@
                     <a:p>
                       <a:pPr algn="ctr" fontAlgn="b"/>
                       <a:r>
-                        <a:rPr lang="en-IN" sz="1400" b="0" i="0" u="none" strike="noStrike">
+                        <a:rPr lang="en-IN" sz="1400" b="0" i="0" u="none" strike="noStrike" dirty="0">
                           <a:solidFill>
                             <a:srgbClr val="000000"/>
                           </a:solidFill>
@@ -38042,6 +38084,9 @@
                       <a:headEnd type="none" w="med" len="med"/>
                       <a:tailEnd type="none" w="med" len="med"/>
                     </a:lnB>
+                    <a:solidFill>
+                      <a:schemeClr val="bg1"/>
+                    </a:solidFill>
                   </a:tcPr>
                 </a:tc>
                 <a:tc>
@@ -38051,7 +38096,7 @@
                     <a:p>
                       <a:pPr algn="ctr" fontAlgn="b"/>
                       <a:r>
-                        <a:rPr lang="en-IN" sz="1400" b="0" i="0" u="none" strike="noStrike">
+                        <a:rPr lang="en-IN" sz="1400" b="0" i="0" u="none" strike="noStrike" dirty="0">
                           <a:solidFill>
                             <a:srgbClr val="000000"/>
                           </a:solidFill>
@@ -38093,6 +38138,9 @@
                       <a:headEnd type="none" w="med" len="med"/>
                       <a:tailEnd type="none" w="med" len="med"/>
                     </a:lnB>
+                    <a:solidFill>
+                      <a:schemeClr val="bg1"/>
+                    </a:solidFill>
                   </a:tcPr>
                 </a:tc>
                 <a:extLst>
@@ -38163,7 +38211,7 @@
                     <a:p>
                       <a:pPr algn="ctr" fontAlgn="b"/>
                       <a:r>
-                        <a:rPr lang="en-IN" sz="1400" b="0" i="0" u="none" strike="noStrike">
+                        <a:rPr lang="en-IN" sz="1400" b="0" i="0" u="none" strike="noStrike" dirty="0">
                           <a:solidFill>
                             <a:srgbClr val="000000"/>
                           </a:solidFill>
@@ -38211,7 +38259,7 @@
                     <a:p>
                       <a:pPr algn="ctr" fontAlgn="b"/>
                       <a:r>
-                        <a:rPr lang="en-IN" sz="1400" b="0" i="0" u="none" strike="noStrike">
+                        <a:rPr lang="en-IN" sz="1400" b="0" i="0" u="none" strike="noStrike" dirty="0">
                           <a:solidFill>
                             <a:srgbClr val="000000"/>
                           </a:solidFill>
@@ -38259,7 +38307,7 @@
                     <a:p>
                       <a:pPr algn="ctr" fontAlgn="b"/>
                       <a:r>
-                        <a:rPr lang="en-IN" sz="1400" b="0" i="0" u="none" strike="noStrike">
+                        <a:rPr lang="en-IN" sz="1400" b="0" i="0" u="none" strike="noStrike" dirty="0">
                           <a:solidFill>
                             <a:srgbClr val="000000"/>
                           </a:solidFill>
@@ -38307,7 +38355,7 @@
                     <a:p>
                       <a:pPr algn="ctr" fontAlgn="b"/>
                       <a:r>
-                        <a:rPr lang="en-IN" sz="1400" b="0" i="0" u="none" strike="noStrike">
+                        <a:rPr lang="en-IN" sz="1400" b="0" i="0" u="none" strike="noStrike" dirty="0">
                           <a:solidFill>
                             <a:srgbClr val="000000"/>
                           </a:solidFill>
@@ -38595,7 +38643,7 @@
                     <a:p>
                       <a:pPr algn="ctr" fontAlgn="b"/>
                       <a:r>
-                        <a:rPr lang="en-IN" sz="1400" b="0" i="0" u="none" strike="noStrike">
+                        <a:rPr lang="en-IN" sz="1400" b="0" i="0" u="none" strike="noStrike" dirty="0">
                           <a:solidFill>
                             <a:srgbClr val="000000"/>
                           </a:solidFill>
@@ -38643,7 +38691,7 @@
                     <a:p>
                       <a:pPr algn="ctr" fontAlgn="b"/>
                       <a:r>
-                        <a:rPr lang="en-IN" sz="1400" b="0" i="0" u="none" strike="noStrike">
+                        <a:rPr lang="en-IN" sz="1400" b="0" i="0" u="none" strike="noStrike" dirty="0">
                           <a:solidFill>
                             <a:srgbClr val="000000"/>
                           </a:solidFill>
@@ -38704,7 +38752,7 @@
                     <a:p>
                       <a:pPr algn="ctr" fontAlgn="b"/>
                       <a:r>
-                        <a:rPr lang="en-IN" sz="1400" b="1" i="0" u="none" strike="noStrike">
+                        <a:rPr lang="en-IN" sz="1400" b="1" i="0" u="none" strike="noStrike" dirty="0">
                           <a:solidFill>
                             <a:srgbClr val="000000"/>
                           </a:solidFill>
@@ -38746,6 +38794,9 @@
                       <a:headEnd type="none" w="med" len="med"/>
                       <a:tailEnd type="none" w="med" len="med"/>
                     </a:lnB>
+                    <a:solidFill>
+                      <a:schemeClr val="bg1"/>
+                    </a:solidFill>
                   </a:tcPr>
                 </a:tc>
                 <a:tc>
@@ -38755,7 +38806,7 @@
                     <a:p>
                       <a:pPr algn="ctr" fontAlgn="b"/>
                       <a:r>
-                        <a:rPr lang="en-IN" sz="1400" b="0" i="0" u="none" strike="noStrike">
+                        <a:rPr lang="en-IN" sz="1400" b="0" i="0" u="none" strike="noStrike" dirty="0">
                           <a:solidFill>
                             <a:srgbClr val="000000"/>
                           </a:solidFill>
@@ -38791,6 +38842,9 @@
                       <a:headEnd type="none" w="med" len="med"/>
                       <a:tailEnd type="none" w="med" len="med"/>
                     </a:lnB>
+                    <a:solidFill>
+                      <a:schemeClr val="bg1"/>
+                    </a:solidFill>
                   </a:tcPr>
                 </a:tc>
                 <a:tc>
@@ -38836,6 +38890,9 @@
                       <a:headEnd type="none" w="med" len="med"/>
                       <a:tailEnd type="none" w="med" len="med"/>
                     </a:lnB>
+                    <a:solidFill>
+                      <a:schemeClr val="bg1"/>
+                    </a:solidFill>
                   </a:tcPr>
                 </a:tc>
                 <a:tc>
@@ -38845,7 +38902,7 @@
                     <a:p>
                       <a:pPr algn="ctr" fontAlgn="b"/>
                       <a:r>
-                        <a:rPr lang="en-IN" sz="1400" b="0" i="0" u="none" strike="noStrike">
+                        <a:rPr lang="en-IN" sz="1400" b="0" i="0" u="none" strike="noStrike" dirty="0">
                           <a:solidFill>
                             <a:srgbClr val="000000"/>
                           </a:solidFill>
@@ -38881,6 +38938,9 @@
                       <a:headEnd type="none" w="med" len="med"/>
                       <a:tailEnd type="none" w="med" len="med"/>
                     </a:lnB>
+                    <a:solidFill>
+                      <a:schemeClr val="bg1"/>
+                    </a:solidFill>
                   </a:tcPr>
                 </a:tc>
                 <a:tc>
@@ -38890,7 +38950,7 @@
                     <a:p>
                       <a:pPr algn="ctr" fontAlgn="b"/>
                       <a:r>
-                        <a:rPr lang="en-IN" sz="1400" b="0" i="0" u="none" strike="noStrike">
+                        <a:rPr lang="en-IN" sz="1400" b="0" i="0" u="none" strike="noStrike" dirty="0">
                           <a:solidFill>
                             <a:srgbClr val="000000"/>
                           </a:solidFill>
@@ -38926,6 +38986,9 @@
                       <a:headEnd type="none" w="med" len="med"/>
                       <a:tailEnd type="none" w="med" len="med"/>
                     </a:lnB>
+                    <a:solidFill>
+                      <a:schemeClr val="bg1"/>
+                    </a:solidFill>
                   </a:tcPr>
                 </a:tc>
                 <a:tc>
@@ -38971,6 +39034,9 @@
                       <a:headEnd type="none" w="med" len="med"/>
                       <a:tailEnd type="none" w="med" len="med"/>
                     </a:lnB>
+                    <a:solidFill>
+                      <a:schemeClr val="bg1"/>
+                    </a:solidFill>
                   </a:tcPr>
                 </a:tc>
                 <a:tc>
@@ -38980,7 +39046,7 @@
                     <a:p>
                       <a:pPr algn="ctr" fontAlgn="b"/>
                       <a:r>
-                        <a:rPr lang="en-IN" sz="1400" b="0" i="0" u="none" strike="noStrike">
+                        <a:rPr lang="en-IN" sz="1400" b="0" i="0" u="none" strike="noStrike" dirty="0">
                           <a:solidFill>
                             <a:srgbClr val="000000"/>
                           </a:solidFill>
@@ -39016,6 +39082,9 @@
                       <a:headEnd type="none" w="med" len="med"/>
                       <a:tailEnd type="none" w="med" len="med"/>
                     </a:lnB>
+                    <a:solidFill>
+                      <a:schemeClr val="bg1"/>
+                    </a:solidFill>
                   </a:tcPr>
                 </a:tc>
                 <a:tc>
@@ -39025,7 +39094,7 @@
                     <a:p>
                       <a:pPr algn="ctr" fontAlgn="b"/>
                       <a:r>
-                        <a:rPr lang="en-IN" sz="1400" b="0" i="0" u="none" strike="noStrike">
+                        <a:rPr lang="en-IN" sz="1400" b="0" i="0" u="none" strike="noStrike" dirty="0">
                           <a:solidFill>
                             <a:srgbClr val="000000"/>
                           </a:solidFill>
@@ -39061,6 +39130,9 @@
                       <a:headEnd type="none" w="med" len="med"/>
                       <a:tailEnd type="none" w="med" len="med"/>
                     </a:lnB>
+                    <a:solidFill>
+                      <a:schemeClr val="bg1"/>
+                    </a:solidFill>
                   </a:tcPr>
                 </a:tc>
                 <a:tc>
@@ -39106,6 +39178,9 @@
                       <a:headEnd type="none" w="med" len="med"/>
                       <a:tailEnd type="none" w="med" len="med"/>
                     </a:lnB>
+                    <a:solidFill>
+                      <a:schemeClr val="bg1"/>
+                    </a:solidFill>
                   </a:tcPr>
                 </a:tc>
                 <a:tc>
@@ -39115,7 +39190,7 @@
                     <a:p>
                       <a:pPr algn="ctr" fontAlgn="b"/>
                       <a:r>
-                        <a:rPr lang="en-IN" sz="1400" b="0" i="0" u="none" strike="noStrike">
+                        <a:rPr lang="en-IN" sz="1400" b="0" i="0" u="none" strike="noStrike" dirty="0">
                           <a:solidFill>
                             <a:srgbClr val="000000"/>
                           </a:solidFill>
@@ -39151,6 +39226,9 @@
                       <a:headEnd type="none" w="med" len="med"/>
                       <a:tailEnd type="none" w="med" len="med"/>
                     </a:lnB>
+                    <a:solidFill>
+                      <a:schemeClr val="bg1"/>
+                    </a:solidFill>
                   </a:tcPr>
                 </a:tc>
                 <a:tc>
@@ -39160,7 +39238,7 @@
                     <a:p>
                       <a:pPr algn="ctr" fontAlgn="b"/>
                       <a:r>
-                        <a:rPr lang="en-IN" sz="1400" b="0" i="0" u="none" strike="noStrike">
+                        <a:rPr lang="en-IN" sz="1400" b="0" i="0" u="none" strike="noStrike" dirty="0">
                           <a:solidFill>
                             <a:srgbClr val="000000"/>
                           </a:solidFill>
@@ -39196,6 +39274,9 @@
                       <a:headEnd type="none" w="med" len="med"/>
                       <a:tailEnd type="none" w="med" len="med"/>
                     </a:lnB>
+                    <a:solidFill>
+                      <a:schemeClr val="bg1"/>
+                    </a:solidFill>
                   </a:tcPr>
                 </a:tc>
                 <a:tc>
@@ -39205,7 +39286,7 @@
                     <a:p>
                       <a:pPr algn="ctr" fontAlgn="b"/>
                       <a:r>
-                        <a:rPr lang="en-IN" sz="1400" b="0" i="0" u="none" strike="noStrike">
+                        <a:rPr lang="en-IN" sz="1400" b="0" i="0" u="none" strike="noStrike" dirty="0">
                           <a:solidFill>
                             <a:srgbClr val="000000"/>
                           </a:solidFill>
@@ -39247,6 +39328,9 @@
                       <a:headEnd type="none" w="med" len="med"/>
                       <a:tailEnd type="none" w="med" len="med"/>
                     </a:lnB>
+                    <a:solidFill>
+                      <a:schemeClr val="bg1"/>
+                    </a:solidFill>
                   </a:tcPr>
                 </a:tc>
                 <a:extLst>
@@ -39977,7 +40061,7 @@
           <p:nvPr>
             <p:extLst>
               <p:ext uri="{D42A27DB-BD31-4B8C-83A1-F6EECF244321}">
-                <p14:modId xmlns:p14="http://schemas.microsoft.com/office/powerpoint/2010/main" val="416026654"/>
+                <p14:modId xmlns:p14="http://schemas.microsoft.com/office/powerpoint/2010/main" val="2672007243"/>
               </p:ext>
             </p:extLst>
           </p:nvPr>
@@ -40757,7 +40841,7 @@
                     <a:p>
                       <a:pPr algn="ctr" fontAlgn="b"/>
                       <a:r>
-                        <a:rPr lang="en-US" sz="1600" b="0" i="0" u="none" strike="noStrike">
+                        <a:rPr lang="en-US" sz="1600" b="0" i="0" u="none" strike="noStrike" dirty="0">
                           <a:solidFill>
                             <a:srgbClr val="000000"/>
                           </a:solidFill>
@@ -45520,7 +45604,7 @@
         </p:blipFill>
         <p:spPr>
           <a:xfrm>
-            <a:off x="878211" y="1480868"/>
+            <a:off x="893581" y="1513587"/>
             <a:ext cx="5045299" cy="2281920"/>
           </a:xfrm>
           <a:prstGeom prst="rect">
@@ -47658,7 +47742,7 @@
           <p:nvPr>
             <p:extLst>
               <p:ext uri="{D42A27DB-BD31-4B8C-83A1-F6EECF244321}">
-                <p14:modId xmlns:p14="http://schemas.microsoft.com/office/powerpoint/2010/main" val="1052981590"/>
+                <p14:modId xmlns:p14="http://schemas.microsoft.com/office/powerpoint/2010/main" val="84980290"/>
               </p:ext>
             </p:extLst>
           </p:nvPr>
@@ -47688,7 +47772,7 @@
           <p:nvPr>
             <p:extLst>
               <p:ext uri="{D42A27DB-BD31-4B8C-83A1-F6EECF244321}">
-                <p14:modId xmlns:p14="http://schemas.microsoft.com/office/powerpoint/2010/main" val="290126165"/>
+                <p14:modId xmlns:p14="http://schemas.microsoft.com/office/powerpoint/2010/main" val="2672818266"/>
               </p:ext>
             </p:extLst>
           </p:nvPr>
